--- a/Slides/7_Putting it Together.pptx
+++ b/Slides/7_Putting it Together.pptx
@@ -5,10 +5,13 @@
     <p:sldMasterId id="2147483648" r:id="rId1"/>
   </p:sldMasterIdLst>
   <p:notesMasterIdLst>
-    <p:notesMasterId r:id="rId3"/>
+    <p:notesMasterId r:id="rId6"/>
   </p:notesMasterIdLst>
   <p:sldIdLst>
     <p:sldId id="256" r:id="rId2"/>
+    <p:sldId id="307" r:id="rId3"/>
+    <p:sldId id="309" r:id="rId4"/>
+    <p:sldId id="308" r:id="rId5"/>
   </p:sldIdLst>
   <p:sldSz cx="12192000" cy="6858000"/>
   <p:notesSz cx="6858000" cy="9144000"/>
@@ -197,7 +200,7 @@
           <a:p>
             <a:fld id="{FE0698A4-8696-4B25-BC16-7D62971AF3FD}" type="datetimeFigureOut">
               <a:rPr lang="en-US" smtClean="0"/>
-              <a:t>8/9/2021</a:t>
+              <a:t>8/12/2021</a:t>
             </a:fld>
             <a:endParaRPr lang="en-US"/>
           </a:p>
@@ -464,6 +467,318 @@
 </p:notesMaster>
 </file>
 
+<file path=ppt/notesSlides/notesSlide1.xml><?xml version="1.0" encoding="utf-8"?>
+<p:notes xmlns:a="http://schemas.openxmlformats.org/drawingml/2006/main" xmlns:r="http://schemas.openxmlformats.org/officeDocument/2006/relationships" xmlns:p="http://schemas.openxmlformats.org/presentationml/2006/main">
+  <p:cSld>
+    <p:spTree>
+      <p:nvGrpSpPr>
+        <p:cNvPr id="1" name=""/>
+        <p:cNvGrpSpPr/>
+        <p:nvPr/>
+      </p:nvGrpSpPr>
+      <p:grpSpPr>
+        <a:xfrm>
+          <a:off x="0" y="0"/>
+          <a:ext cx="0" cy="0"/>
+          <a:chOff x="0" y="0"/>
+          <a:chExt cx="0" cy="0"/>
+        </a:xfrm>
+      </p:grpSpPr>
+      <p:sp>
+        <p:nvSpPr>
+          <p:cNvPr id="2" name="Slide Image Placeholder 1"/>
+          <p:cNvSpPr>
+            <a:spLocks noGrp="1" noRot="1" noChangeAspect="1"/>
+          </p:cNvSpPr>
+          <p:nvPr>
+            <p:ph type="sldImg"/>
+          </p:nvPr>
+        </p:nvSpPr>
+        <p:spPr/>
+      </p:sp>
+      <p:sp>
+        <p:nvSpPr>
+          <p:cNvPr id="3" name="Notes Placeholder 2"/>
+          <p:cNvSpPr>
+            <a:spLocks noGrp="1"/>
+          </p:cNvSpPr>
+          <p:nvPr>
+            <p:ph type="body" idx="1"/>
+          </p:nvPr>
+        </p:nvSpPr>
+        <p:spPr/>
+        <p:txBody>
+          <a:bodyPr/>
+          <a:lstStyle/>
+          <a:p>
+            <a:r>
+              <a:rPr lang="en-US" dirty="0"/>
+              <a:t>Architectural drawing</a:t>
+            </a:r>
+          </a:p>
+          <a:p>
+            <a:endParaRPr lang="en-US" dirty="0"/>
+          </a:p>
+          <a:p>
+            <a:r>
+              <a:rPr lang="en-US" dirty="0"/>
+              <a:t>Front-end (Vue) -&gt; Back-end (ASP.NET Core) -&gt; Other services (Database, </a:t>
+            </a:r>
+            <a:r>
+              <a:rPr lang="en-US" dirty="0" err="1"/>
+              <a:t>etc</a:t>
+            </a:r>
+            <a:r>
+              <a:rPr lang="en-US" dirty="0"/>
+              <a:t>)</a:t>
+            </a:r>
+          </a:p>
+        </p:txBody>
+      </p:sp>
+      <p:sp>
+        <p:nvSpPr>
+          <p:cNvPr id="4" name="Slide Number Placeholder 3"/>
+          <p:cNvSpPr>
+            <a:spLocks noGrp="1"/>
+          </p:cNvSpPr>
+          <p:nvPr>
+            <p:ph type="sldNum" sz="quarter" idx="5"/>
+          </p:nvPr>
+        </p:nvSpPr>
+        <p:spPr/>
+        <p:txBody>
+          <a:bodyPr/>
+          <a:lstStyle/>
+          <a:p>
+            <a:fld id="{AC7DBBF0-68E7-4C40-A2FD-3D553E496C2E}" type="slidenum">
+              <a:rPr lang="en-US" smtClean="0"/>
+              <a:t>2</a:t>
+            </a:fld>
+            <a:endParaRPr lang="en-US"/>
+          </a:p>
+        </p:txBody>
+      </p:sp>
+    </p:spTree>
+    <p:extLst>
+      <p:ext uri="{BB962C8B-B14F-4D97-AF65-F5344CB8AC3E}">
+        <p14:creationId xmlns:p14="http://schemas.microsoft.com/office/powerpoint/2010/main" val="920291391"/>
+      </p:ext>
+    </p:extLst>
+  </p:cSld>
+  <p:clrMapOvr>
+    <a:masterClrMapping/>
+  </p:clrMapOvr>
+</p:notes>
+</file>
+
+<file path=ppt/notesSlides/notesSlide2.xml><?xml version="1.0" encoding="utf-8"?>
+<p:notes xmlns:a="http://schemas.openxmlformats.org/drawingml/2006/main" xmlns:r="http://schemas.openxmlformats.org/officeDocument/2006/relationships" xmlns:p="http://schemas.openxmlformats.org/presentationml/2006/main">
+  <p:cSld>
+    <p:spTree>
+      <p:nvGrpSpPr>
+        <p:cNvPr id="1" name=""/>
+        <p:cNvGrpSpPr/>
+        <p:nvPr/>
+      </p:nvGrpSpPr>
+      <p:grpSpPr>
+        <a:xfrm>
+          <a:off x="0" y="0"/>
+          <a:ext cx="0" cy="0"/>
+          <a:chOff x="0" y="0"/>
+          <a:chExt cx="0" cy="0"/>
+        </a:xfrm>
+      </p:grpSpPr>
+      <p:sp>
+        <p:nvSpPr>
+          <p:cNvPr id="2" name="Slide Image Placeholder 1"/>
+          <p:cNvSpPr>
+            <a:spLocks noGrp="1" noRot="1" noChangeAspect="1"/>
+          </p:cNvSpPr>
+          <p:nvPr>
+            <p:ph type="sldImg"/>
+          </p:nvPr>
+        </p:nvSpPr>
+        <p:spPr/>
+      </p:sp>
+      <p:sp>
+        <p:nvSpPr>
+          <p:cNvPr id="3" name="Notes Placeholder 2"/>
+          <p:cNvSpPr>
+            <a:spLocks noGrp="1"/>
+          </p:cNvSpPr>
+          <p:nvPr>
+            <p:ph type="body" idx="1"/>
+          </p:nvPr>
+        </p:nvSpPr>
+        <p:spPr/>
+        <p:txBody>
+          <a:bodyPr/>
+          <a:lstStyle/>
+          <a:p>
+            <a:r>
+              <a:rPr lang="en-US" dirty="0"/>
+              <a:t>Architectural drawing</a:t>
+            </a:r>
+          </a:p>
+          <a:p>
+            <a:endParaRPr lang="en-US" dirty="0"/>
+          </a:p>
+          <a:p>
+            <a:r>
+              <a:rPr lang="en-US" dirty="0"/>
+              <a:t>Front-end (Vue) -&gt; Back-end (ASP.NET Core) -&gt; Other services (Database, </a:t>
+            </a:r>
+            <a:r>
+              <a:rPr lang="en-US" dirty="0" err="1"/>
+              <a:t>etc</a:t>
+            </a:r>
+            <a:r>
+              <a:rPr lang="en-US" dirty="0"/>
+              <a:t>)</a:t>
+            </a:r>
+          </a:p>
+        </p:txBody>
+      </p:sp>
+      <p:sp>
+        <p:nvSpPr>
+          <p:cNvPr id="4" name="Slide Number Placeholder 3"/>
+          <p:cNvSpPr>
+            <a:spLocks noGrp="1"/>
+          </p:cNvSpPr>
+          <p:nvPr>
+            <p:ph type="sldNum" sz="quarter" idx="5"/>
+          </p:nvPr>
+        </p:nvSpPr>
+        <p:spPr/>
+        <p:txBody>
+          <a:bodyPr/>
+          <a:lstStyle/>
+          <a:p>
+            <a:fld id="{AC7DBBF0-68E7-4C40-A2FD-3D553E496C2E}" type="slidenum">
+              <a:rPr lang="en-US" smtClean="0"/>
+              <a:t>3</a:t>
+            </a:fld>
+            <a:endParaRPr lang="en-US"/>
+          </a:p>
+        </p:txBody>
+      </p:sp>
+    </p:spTree>
+    <p:extLst>
+      <p:ext uri="{BB962C8B-B14F-4D97-AF65-F5344CB8AC3E}">
+        <p14:creationId xmlns:p14="http://schemas.microsoft.com/office/powerpoint/2010/main" val="3916101081"/>
+      </p:ext>
+    </p:extLst>
+  </p:cSld>
+  <p:clrMapOvr>
+    <a:masterClrMapping/>
+  </p:clrMapOvr>
+</p:notes>
+</file>
+
+<file path=ppt/notesSlides/notesSlide3.xml><?xml version="1.0" encoding="utf-8"?>
+<p:notes xmlns:a="http://schemas.openxmlformats.org/drawingml/2006/main" xmlns:r="http://schemas.openxmlformats.org/officeDocument/2006/relationships" xmlns:p="http://schemas.openxmlformats.org/presentationml/2006/main">
+  <p:cSld>
+    <p:spTree>
+      <p:nvGrpSpPr>
+        <p:cNvPr id="1" name=""/>
+        <p:cNvGrpSpPr/>
+        <p:nvPr/>
+      </p:nvGrpSpPr>
+      <p:grpSpPr>
+        <a:xfrm>
+          <a:off x="0" y="0"/>
+          <a:ext cx="0" cy="0"/>
+          <a:chOff x="0" y="0"/>
+          <a:chExt cx="0" cy="0"/>
+        </a:xfrm>
+      </p:grpSpPr>
+      <p:sp>
+        <p:nvSpPr>
+          <p:cNvPr id="2" name="Slide Image Placeholder 1"/>
+          <p:cNvSpPr>
+            <a:spLocks noGrp="1" noRot="1" noChangeAspect="1"/>
+          </p:cNvSpPr>
+          <p:nvPr>
+            <p:ph type="sldImg"/>
+          </p:nvPr>
+        </p:nvSpPr>
+        <p:spPr/>
+      </p:sp>
+      <p:sp>
+        <p:nvSpPr>
+          <p:cNvPr id="3" name="Notes Placeholder 2"/>
+          <p:cNvSpPr>
+            <a:spLocks noGrp="1"/>
+          </p:cNvSpPr>
+          <p:nvPr>
+            <p:ph type="body" idx="1"/>
+          </p:nvPr>
+        </p:nvSpPr>
+        <p:spPr/>
+        <p:txBody>
+          <a:bodyPr/>
+          <a:lstStyle/>
+          <a:p>
+            <a:r>
+              <a:rPr lang="en-US" dirty="0"/>
+              <a:t>Architectural drawing</a:t>
+            </a:r>
+          </a:p>
+          <a:p>
+            <a:endParaRPr lang="en-US" dirty="0"/>
+          </a:p>
+          <a:p>
+            <a:r>
+              <a:rPr lang="en-US" dirty="0"/>
+              <a:t>Front-end (Vue) -&gt; Back-end (ASP.NET Core) -&gt; Other services (Database, </a:t>
+            </a:r>
+            <a:r>
+              <a:rPr lang="en-US" dirty="0" err="1"/>
+              <a:t>etc</a:t>
+            </a:r>
+            <a:r>
+              <a:rPr lang="en-US" dirty="0"/>
+              <a:t>)</a:t>
+            </a:r>
+          </a:p>
+        </p:txBody>
+      </p:sp>
+      <p:sp>
+        <p:nvSpPr>
+          <p:cNvPr id="4" name="Slide Number Placeholder 3"/>
+          <p:cNvSpPr>
+            <a:spLocks noGrp="1"/>
+          </p:cNvSpPr>
+          <p:nvPr>
+            <p:ph type="sldNum" sz="quarter" idx="5"/>
+          </p:nvPr>
+        </p:nvSpPr>
+        <p:spPr/>
+        <p:txBody>
+          <a:bodyPr/>
+          <a:lstStyle/>
+          <a:p>
+            <a:fld id="{AC7DBBF0-68E7-4C40-A2FD-3D553E496C2E}" type="slidenum">
+              <a:rPr lang="en-US" smtClean="0"/>
+              <a:t>4</a:t>
+            </a:fld>
+            <a:endParaRPr lang="en-US"/>
+          </a:p>
+        </p:txBody>
+      </p:sp>
+    </p:spTree>
+    <p:extLst>
+      <p:ext uri="{BB962C8B-B14F-4D97-AF65-F5344CB8AC3E}">
+        <p14:creationId xmlns:p14="http://schemas.microsoft.com/office/powerpoint/2010/main" val="1104916175"/>
+      </p:ext>
+    </p:extLst>
+  </p:cSld>
+  <p:clrMapOvr>
+    <a:masterClrMapping/>
+  </p:clrMapOvr>
+</p:notes>
+</file>
+
 <file path=ppt/slideLayouts/slideLayout1.xml><?xml version="1.0" encoding="utf-8"?>
 <p:sldLayout xmlns:a="http://schemas.openxmlformats.org/drawingml/2006/main" xmlns:r="http://schemas.openxmlformats.org/officeDocument/2006/relationships" xmlns:p="http://schemas.openxmlformats.org/presentationml/2006/main" type="title" preserve="1">
   <p:cSld name="Title Slide">
@@ -611,7 +926,7 @@
           <a:p>
             <a:fld id="{52B491D6-D58D-44B5-AD9D-0243D7ABB41E}" type="datetimeFigureOut">
               <a:rPr lang="en-US" smtClean="0"/>
-              <a:t>8/9/2021</a:t>
+              <a:t>8/12/2021</a:t>
             </a:fld>
             <a:endParaRPr lang="en-US"/>
           </a:p>
@@ -809,7 +1124,7 @@
           <a:p>
             <a:fld id="{52B491D6-D58D-44B5-AD9D-0243D7ABB41E}" type="datetimeFigureOut">
               <a:rPr lang="en-US" smtClean="0"/>
-              <a:t>8/9/2021</a:t>
+              <a:t>8/12/2021</a:t>
             </a:fld>
             <a:endParaRPr lang="en-US"/>
           </a:p>
@@ -1017,7 +1332,7 @@
           <a:p>
             <a:fld id="{52B491D6-D58D-44B5-AD9D-0243D7ABB41E}" type="datetimeFigureOut">
               <a:rPr lang="en-US" smtClean="0"/>
-              <a:t>8/9/2021</a:t>
+              <a:t>8/12/2021</a:t>
             </a:fld>
             <a:endParaRPr lang="en-US"/>
           </a:p>
@@ -1215,7 +1530,7 @@
           <a:p>
             <a:fld id="{52B491D6-D58D-44B5-AD9D-0243D7ABB41E}" type="datetimeFigureOut">
               <a:rPr lang="en-US" smtClean="0"/>
-              <a:t>8/9/2021</a:t>
+              <a:t>8/12/2021</a:t>
             </a:fld>
             <a:endParaRPr lang="en-US"/>
           </a:p>
@@ -1490,7 +1805,7 @@
           <a:p>
             <a:fld id="{52B491D6-D58D-44B5-AD9D-0243D7ABB41E}" type="datetimeFigureOut">
               <a:rPr lang="en-US" smtClean="0"/>
-              <a:t>8/9/2021</a:t>
+              <a:t>8/12/2021</a:t>
             </a:fld>
             <a:endParaRPr lang="en-US"/>
           </a:p>
@@ -1755,7 +2070,7 @@
           <a:p>
             <a:fld id="{52B491D6-D58D-44B5-AD9D-0243D7ABB41E}" type="datetimeFigureOut">
               <a:rPr lang="en-US" smtClean="0"/>
-              <a:t>8/9/2021</a:t>
+              <a:t>8/12/2021</a:t>
             </a:fld>
             <a:endParaRPr lang="en-US"/>
           </a:p>
@@ -2167,7 +2482,7 @@
           <a:p>
             <a:fld id="{52B491D6-D58D-44B5-AD9D-0243D7ABB41E}" type="datetimeFigureOut">
               <a:rPr lang="en-US" smtClean="0"/>
-              <a:t>8/9/2021</a:t>
+              <a:t>8/12/2021</a:t>
             </a:fld>
             <a:endParaRPr lang="en-US"/>
           </a:p>
@@ -2308,7 +2623,7 @@
           <a:p>
             <a:fld id="{52B491D6-D58D-44B5-AD9D-0243D7ABB41E}" type="datetimeFigureOut">
               <a:rPr lang="en-US" smtClean="0"/>
-              <a:t>8/9/2021</a:t>
+              <a:t>8/12/2021</a:t>
             </a:fld>
             <a:endParaRPr lang="en-US"/>
           </a:p>
@@ -2421,7 +2736,7 @@
           <a:p>
             <a:fld id="{52B491D6-D58D-44B5-AD9D-0243D7ABB41E}" type="datetimeFigureOut">
               <a:rPr lang="en-US" smtClean="0"/>
-              <a:t>8/9/2021</a:t>
+              <a:t>8/12/2021</a:t>
             </a:fld>
             <a:endParaRPr lang="en-US"/>
           </a:p>
@@ -2732,7 +3047,7 @@
           <a:p>
             <a:fld id="{52B491D6-D58D-44B5-AD9D-0243D7ABB41E}" type="datetimeFigureOut">
               <a:rPr lang="en-US" smtClean="0"/>
-              <a:t>8/9/2021</a:t>
+              <a:t>8/12/2021</a:t>
             </a:fld>
             <a:endParaRPr lang="en-US"/>
           </a:p>
@@ -3020,7 +3335,7 @@
           <a:p>
             <a:fld id="{52B491D6-D58D-44B5-AD9D-0243D7ABB41E}" type="datetimeFigureOut">
               <a:rPr lang="en-US" smtClean="0"/>
-              <a:t>8/9/2021</a:t>
+              <a:t>8/12/2021</a:t>
             </a:fld>
             <a:endParaRPr lang="en-US"/>
           </a:p>
@@ -3261,7 +3576,7 @@
           <a:p>
             <a:fld id="{52B491D6-D58D-44B5-AD9D-0243D7ABB41E}" type="datetimeFigureOut">
               <a:rPr lang="en-US" smtClean="0"/>
-              <a:t>8/9/2021</a:t>
+              <a:t>8/12/2021</a:t>
             </a:fld>
             <a:endParaRPr lang="en-US"/>
           </a:p>
@@ -3749,6 +4064,2233 @@
   <p:clrMapOvr>
     <a:masterClrMapping/>
   </p:clrMapOvr>
+</p:sld>
+</file>
+
+<file path=ppt/slides/slide2.xml><?xml version="1.0" encoding="utf-8"?>
+<p:sld xmlns:a="http://schemas.openxmlformats.org/drawingml/2006/main" xmlns:r="http://schemas.openxmlformats.org/officeDocument/2006/relationships" xmlns:p="http://schemas.openxmlformats.org/presentationml/2006/main">
+  <p:cSld>
+    <p:spTree>
+      <p:nvGrpSpPr>
+        <p:cNvPr id="1" name=""/>
+        <p:cNvGrpSpPr/>
+        <p:nvPr/>
+      </p:nvGrpSpPr>
+      <p:grpSpPr>
+        <a:xfrm>
+          <a:off x="0" y="0"/>
+          <a:ext cx="0" cy="0"/>
+          <a:chOff x="0" y="0"/>
+          <a:chExt cx="0" cy="0"/>
+        </a:xfrm>
+      </p:grpSpPr>
+      <p:sp>
+        <p:nvSpPr>
+          <p:cNvPr id="2" name="Title 1">
+            <a:extLst>
+              <a:ext uri="{FF2B5EF4-FFF2-40B4-BE49-F238E27FC236}">
+                <a16:creationId xmlns:a16="http://schemas.microsoft.com/office/drawing/2014/main" id="{585559B1-CE8A-4AC6-AE47-85EAEE54958F}"/>
+              </a:ext>
+            </a:extLst>
+          </p:cNvPr>
+          <p:cNvSpPr>
+            <a:spLocks noGrp="1"/>
+          </p:cNvSpPr>
+          <p:nvPr>
+            <p:ph type="title"/>
+          </p:nvPr>
+        </p:nvSpPr>
+        <p:spPr/>
+        <p:txBody>
+          <a:bodyPr/>
+          <a:lstStyle/>
+          <a:p>
+            <a:r>
+              <a:rPr lang="en-US" dirty="0"/>
+              <a:t>Architecture of a SPA (Dev)</a:t>
+            </a:r>
+          </a:p>
+        </p:txBody>
+      </p:sp>
+      <p:sp>
+        <p:nvSpPr>
+          <p:cNvPr id="4" name="Rectangle 3">
+            <a:extLst>
+              <a:ext uri="{FF2B5EF4-FFF2-40B4-BE49-F238E27FC236}">
+                <a16:creationId xmlns:a16="http://schemas.microsoft.com/office/drawing/2014/main" id="{0A1F7EA2-C5A1-46A1-94B3-8BB84F0B968B}"/>
+              </a:ext>
+            </a:extLst>
+          </p:cNvPr>
+          <p:cNvSpPr/>
+          <p:nvPr/>
+        </p:nvSpPr>
+        <p:spPr>
+          <a:xfrm>
+            <a:off x="6345971" y="1681616"/>
+            <a:ext cx="1941535" cy="1039661"/>
+          </a:xfrm>
+          <a:prstGeom prst="rect">
+            <a:avLst/>
+          </a:prstGeom>
+        </p:spPr>
+        <p:style>
+          <a:lnRef idx="2">
+            <a:schemeClr val="accent1">
+              <a:shade val="50000"/>
+            </a:schemeClr>
+          </a:lnRef>
+          <a:fillRef idx="1">
+            <a:schemeClr val="accent1"/>
+          </a:fillRef>
+          <a:effectRef idx="0">
+            <a:schemeClr val="accent1"/>
+          </a:effectRef>
+          <a:fontRef idx="minor">
+            <a:schemeClr val="lt1"/>
+          </a:fontRef>
+        </p:style>
+        <p:txBody>
+          <a:bodyPr rtlCol="0" anchor="ctr"/>
+          <a:lstStyle/>
+          <a:p>
+            <a:pPr algn="ctr"/>
+            <a:r>
+              <a:rPr lang="en-US" dirty="0"/>
+              <a:t>ASP.NET Core Application </a:t>
+            </a:r>
+            <a:br>
+              <a:rPr lang="en-US" dirty="0"/>
+            </a:br>
+            <a:r>
+              <a:rPr lang="en-US" dirty="0"/>
+              <a:t>(Back-end)</a:t>
+            </a:r>
+          </a:p>
+        </p:txBody>
+      </p:sp>
+      <p:sp>
+        <p:nvSpPr>
+          <p:cNvPr id="5" name="Rectangle 4">
+            <a:extLst>
+              <a:ext uri="{FF2B5EF4-FFF2-40B4-BE49-F238E27FC236}">
+                <a16:creationId xmlns:a16="http://schemas.microsoft.com/office/drawing/2014/main" id="{0F49A574-C8AF-46A0-9D3E-F37FE34454DD}"/>
+              </a:ext>
+            </a:extLst>
+          </p:cNvPr>
+          <p:cNvSpPr/>
+          <p:nvPr/>
+        </p:nvSpPr>
+        <p:spPr>
+          <a:xfrm>
+            <a:off x="6345970" y="3760938"/>
+            <a:ext cx="1941535" cy="1039661"/>
+          </a:xfrm>
+          <a:prstGeom prst="rect">
+            <a:avLst/>
+          </a:prstGeom>
+        </p:spPr>
+        <p:style>
+          <a:lnRef idx="2">
+            <a:schemeClr val="accent3">
+              <a:shade val="50000"/>
+            </a:schemeClr>
+          </a:lnRef>
+          <a:fillRef idx="1">
+            <a:schemeClr val="accent3"/>
+          </a:fillRef>
+          <a:effectRef idx="0">
+            <a:schemeClr val="accent3"/>
+          </a:effectRef>
+          <a:fontRef idx="minor">
+            <a:schemeClr val="lt1"/>
+          </a:fontRef>
+        </p:style>
+        <p:txBody>
+          <a:bodyPr rtlCol="0" anchor="ctr"/>
+          <a:lstStyle/>
+          <a:p>
+            <a:pPr algn="ctr"/>
+            <a:r>
+              <a:rPr lang="en-US" dirty="0"/>
+              <a:t>Vue.JS Application (Front-end)</a:t>
+            </a:r>
+          </a:p>
+        </p:txBody>
+      </p:sp>
+      <p:sp>
+        <p:nvSpPr>
+          <p:cNvPr id="6" name="Rectangle 5">
+            <a:extLst>
+              <a:ext uri="{FF2B5EF4-FFF2-40B4-BE49-F238E27FC236}">
+                <a16:creationId xmlns:a16="http://schemas.microsoft.com/office/drawing/2014/main" id="{54E5991F-4A24-4D0B-8C41-5AA4B195B4E7}"/>
+              </a:ext>
+            </a:extLst>
+          </p:cNvPr>
+          <p:cNvSpPr/>
+          <p:nvPr/>
+        </p:nvSpPr>
+        <p:spPr>
+          <a:xfrm>
+            <a:off x="838199" y="2721277"/>
+            <a:ext cx="1941535" cy="1039661"/>
+          </a:xfrm>
+          <a:prstGeom prst="rect">
+            <a:avLst/>
+          </a:prstGeom>
+        </p:spPr>
+        <p:style>
+          <a:lnRef idx="2">
+            <a:schemeClr val="accent5">
+              <a:shade val="50000"/>
+            </a:schemeClr>
+          </a:lnRef>
+          <a:fillRef idx="1">
+            <a:schemeClr val="accent5"/>
+          </a:fillRef>
+          <a:effectRef idx="0">
+            <a:schemeClr val="accent5"/>
+          </a:effectRef>
+          <a:fontRef idx="minor">
+            <a:schemeClr val="lt1"/>
+          </a:fontRef>
+        </p:style>
+        <p:txBody>
+          <a:bodyPr rtlCol="0" anchor="ctr"/>
+          <a:lstStyle/>
+          <a:p>
+            <a:pPr algn="ctr"/>
+            <a:r>
+              <a:rPr lang="en-US" dirty="0"/>
+              <a:t>Browser</a:t>
+            </a:r>
+          </a:p>
+        </p:txBody>
+      </p:sp>
+      <p:sp>
+        <p:nvSpPr>
+          <p:cNvPr id="7" name="Cloud 6">
+            <a:extLst>
+              <a:ext uri="{FF2B5EF4-FFF2-40B4-BE49-F238E27FC236}">
+                <a16:creationId xmlns:a16="http://schemas.microsoft.com/office/drawing/2014/main" id="{517B5187-BB3C-4E6F-9380-D6C0A5767991}"/>
+              </a:ext>
+            </a:extLst>
+          </p:cNvPr>
+          <p:cNvSpPr/>
+          <p:nvPr/>
+        </p:nvSpPr>
+        <p:spPr>
+          <a:xfrm>
+            <a:off x="3514346" y="2642991"/>
+            <a:ext cx="2097014" cy="1196236"/>
+          </a:xfrm>
+          <a:prstGeom prst="cloud">
+            <a:avLst/>
+          </a:prstGeom>
+        </p:spPr>
+        <p:style>
+          <a:lnRef idx="2">
+            <a:schemeClr val="accent6"/>
+          </a:lnRef>
+          <a:fillRef idx="1">
+            <a:schemeClr val="lt1"/>
+          </a:fillRef>
+          <a:effectRef idx="0">
+            <a:schemeClr val="accent6"/>
+          </a:effectRef>
+          <a:fontRef idx="minor">
+            <a:schemeClr val="dk1"/>
+          </a:fontRef>
+        </p:style>
+        <p:txBody>
+          <a:bodyPr rtlCol="0" anchor="ctr"/>
+          <a:lstStyle/>
+          <a:p>
+            <a:pPr algn="ctr"/>
+            <a:r>
+              <a:rPr lang="en-US" dirty="0"/>
+              <a:t>Network</a:t>
+            </a:r>
+          </a:p>
+        </p:txBody>
+      </p:sp>
+      <p:cxnSp>
+        <p:nvCxnSpPr>
+          <p:cNvPr id="9" name="Straight Arrow Connector 8">
+            <a:extLst>
+              <a:ext uri="{FF2B5EF4-FFF2-40B4-BE49-F238E27FC236}">
+                <a16:creationId xmlns:a16="http://schemas.microsoft.com/office/drawing/2014/main" id="{C5D2C280-054B-400B-AC20-517423881A62}"/>
+              </a:ext>
+            </a:extLst>
+          </p:cNvPr>
+          <p:cNvCxnSpPr>
+            <a:stCxn id="6" idx="3"/>
+            <a:endCxn id="7" idx="2"/>
+          </p:cNvCxnSpPr>
+          <p:nvPr/>
+        </p:nvCxnSpPr>
+        <p:spPr>
+          <a:xfrm>
+            <a:off x="2779734" y="3241108"/>
+            <a:ext cx="741117" cy="1"/>
+          </a:xfrm>
+          <a:prstGeom prst="straightConnector1">
+            <a:avLst/>
+          </a:prstGeom>
+          <a:ln>
+            <a:tailEnd type="triangle"/>
+          </a:ln>
+        </p:spPr>
+        <p:style>
+          <a:lnRef idx="3">
+            <a:schemeClr val="dk1"/>
+          </a:lnRef>
+          <a:fillRef idx="0">
+            <a:schemeClr val="dk1"/>
+          </a:fillRef>
+          <a:effectRef idx="2">
+            <a:schemeClr val="dk1"/>
+          </a:effectRef>
+          <a:fontRef idx="minor">
+            <a:schemeClr val="tx1"/>
+          </a:fontRef>
+        </p:style>
+      </p:cxnSp>
+      <p:cxnSp>
+        <p:nvCxnSpPr>
+          <p:cNvPr id="12" name="Straight Arrow Connector 11">
+            <a:extLst>
+              <a:ext uri="{FF2B5EF4-FFF2-40B4-BE49-F238E27FC236}">
+                <a16:creationId xmlns:a16="http://schemas.microsoft.com/office/drawing/2014/main" id="{A33A7FEB-BB8A-42A2-9EC8-5145EFB58C26}"/>
+              </a:ext>
+            </a:extLst>
+          </p:cNvPr>
+          <p:cNvCxnSpPr>
+            <a:cxnSpLocks/>
+          </p:cNvCxnSpPr>
+          <p:nvPr/>
+        </p:nvCxnSpPr>
+        <p:spPr>
+          <a:xfrm flipV="1">
+            <a:off x="5623330" y="2123160"/>
+            <a:ext cx="736359" cy="1039662"/>
+          </a:xfrm>
+          <a:prstGeom prst="straightConnector1">
+            <a:avLst/>
+          </a:prstGeom>
+          <a:ln>
+            <a:tailEnd type="triangle"/>
+          </a:ln>
+        </p:spPr>
+        <p:style>
+          <a:lnRef idx="3">
+            <a:schemeClr val="dk1"/>
+          </a:lnRef>
+          <a:fillRef idx="0">
+            <a:schemeClr val="dk1"/>
+          </a:fillRef>
+          <a:effectRef idx="2">
+            <a:schemeClr val="dk1"/>
+          </a:effectRef>
+          <a:fontRef idx="minor">
+            <a:schemeClr val="tx1"/>
+          </a:fontRef>
+        </p:style>
+      </p:cxnSp>
+      <p:cxnSp>
+        <p:nvCxnSpPr>
+          <p:cNvPr id="13" name="Straight Arrow Connector 12">
+            <a:extLst>
+              <a:ext uri="{FF2B5EF4-FFF2-40B4-BE49-F238E27FC236}">
+                <a16:creationId xmlns:a16="http://schemas.microsoft.com/office/drawing/2014/main" id="{BA30E18C-E9FC-45C1-873B-0C08C4A3803E}"/>
+              </a:ext>
+            </a:extLst>
+          </p:cNvPr>
+          <p:cNvCxnSpPr>
+            <a:cxnSpLocks/>
+            <a:stCxn id="7" idx="0"/>
+            <a:endCxn id="5" idx="1"/>
+          </p:cNvCxnSpPr>
+          <p:nvPr/>
+        </p:nvCxnSpPr>
+        <p:spPr>
+          <a:xfrm>
+            <a:off x="5609612" y="3241109"/>
+            <a:ext cx="736358" cy="1039660"/>
+          </a:xfrm>
+          <a:prstGeom prst="straightConnector1">
+            <a:avLst/>
+          </a:prstGeom>
+          <a:ln>
+            <a:tailEnd type="triangle"/>
+          </a:ln>
+        </p:spPr>
+        <p:style>
+          <a:lnRef idx="3">
+            <a:schemeClr val="dk1"/>
+          </a:lnRef>
+          <a:fillRef idx="0">
+            <a:schemeClr val="dk1"/>
+          </a:fillRef>
+          <a:effectRef idx="2">
+            <a:schemeClr val="dk1"/>
+          </a:effectRef>
+          <a:fontRef idx="minor">
+            <a:schemeClr val="tx1"/>
+          </a:fontRef>
+        </p:style>
+      </p:cxnSp>
+      <p:sp>
+        <p:nvSpPr>
+          <p:cNvPr id="24" name="TextBox 23">
+            <a:extLst>
+              <a:ext uri="{FF2B5EF4-FFF2-40B4-BE49-F238E27FC236}">
+                <a16:creationId xmlns:a16="http://schemas.microsoft.com/office/drawing/2014/main" id="{4BA857C1-F385-4685-94CD-E22591525500}"/>
+              </a:ext>
+            </a:extLst>
+          </p:cNvPr>
+          <p:cNvSpPr txBox="1"/>
+          <p:nvPr/>
+        </p:nvSpPr>
+        <p:spPr>
+          <a:xfrm>
+            <a:off x="8625385" y="2016780"/>
+            <a:ext cx="2852382" cy="369332"/>
+          </a:xfrm>
+          <a:prstGeom prst="rect">
+            <a:avLst/>
+          </a:prstGeom>
+          <a:noFill/>
+        </p:spPr>
+        <p:txBody>
+          <a:bodyPr wrap="square" rtlCol="0">
+            <a:spAutoFit/>
+          </a:bodyPr>
+          <a:lstStyle/>
+          <a:p>
+            <a:r>
+              <a:rPr lang="en-US" dirty="0"/>
+              <a:t>https://localhost:5000</a:t>
+            </a:r>
+          </a:p>
+        </p:txBody>
+      </p:sp>
+      <p:sp>
+        <p:nvSpPr>
+          <p:cNvPr id="25" name="TextBox 24">
+            <a:extLst>
+              <a:ext uri="{FF2B5EF4-FFF2-40B4-BE49-F238E27FC236}">
+                <a16:creationId xmlns:a16="http://schemas.microsoft.com/office/drawing/2014/main" id="{E9525C53-B5FF-49D0-A40D-F524E654FE58}"/>
+              </a:ext>
+            </a:extLst>
+          </p:cNvPr>
+          <p:cNvSpPr txBox="1"/>
+          <p:nvPr/>
+        </p:nvSpPr>
+        <p:spPr>
+          <a:xfrm>
+            <a:off x="8625385" y="4096102"/>
+            <a:ext cx="2852382" cy="369332"/>
+          </a:xfrm>
+          <a:prstGeom prst="rect">
+            <a:avLst/>
+          </a:prstGeom>
+          <a:noFill/>
+        </p:spPr>
+        <p:txBody>
+          <a:bodyPr wrap="square" rtlCol="0">
+            <a:spAutoFit/>
+          </a:bodyPr>
+          <a:lstStyle/>
+          <a:p>
+            <a:r>
+              <a:rPr lang="en-US" dirty="0"/>
+              <a:t>https://localhost:3000</a:t>
+            </a:r>
+          </a:p>
+        </p:txBody>
+      </p:sp>
+    </p:spTree>
+    <p:extLst>
+      <p:ext uri="{BB962C8B-B14F-4D97-AF65-F5344CB8AC3E}">
+        <p14:creationId xmlns:p14="http://schemas.microsoft.com/office/powerpoint/2010/main" val="779658408"/>
+      </p:ext>
+    </p:extLst>
+  </p:cSld>
+  <p:clrMapOvr>
+    <a:masterClrMapping/>
+  </p:clrMapOvr>
+  <p:timing>
+    <p:tnLst>
+      <p:par>
+        <p:cTn id="1" dur="indefinite" restart="never" nodeType="tmRoot">
+          <p:childTnLst>
+            <p:seq concurrent="1" nextAc="seek">
+              <p:cTn id="2" dur="indefinite" nodeType="mainSeq">
+                <p:childTnLst>
+                  <p:par>
+                    <p:cTn id="3" fill="hold">
+                      <p:stCondLst>
+                        <p:cond delay="indefinite"/>
+                      </p:stCondLst>
+                      <p:childTnLst>
+                        <p:par>
+                          <p:cTn id="4" fill="hold">
+                            <p:stCondLst>
+                              <p:cond delay="0"/>
+                            </p:stCondLst>
+                            <p:childTnLst>
+                              <p:par>
+                                <p:cTn id="5" presetID="1" presetClass="entr" presetSubtype="0" fill="hold" grpId="0" nodeType="clickEffect">
+                                  <p:stCondLst>
+                                    <p:cond delay="0"/>
+                                  </p:stCondLst>
+                                  <p:childTnLst>
+                                    <p:set>
+                                      <p:cBhvr>
+                                        <p:cTn id="6" dur="1" fill="hold">
+                                          <p:stCondLst>
+                                            <p:cond delay="0"/>
+                                          </p:stCondLst>
+                                        </p:cTn>
+                                        <p:tgtEl>
+                                          <p:spTgt spid="6"/>
+                                        </p:tgtEl>
+                                        <p:attrNameLst>
+                                          <p:attrName>style.visibility</p:attrName>
+                                        </p:attrNameLst>
+                                      </p:cBhvr>
+                                      <p:to>
+                                        <p:strVal val="visible"/>
+                                      </p:to>
+                                    </p:set>
+                                  </p:childTnLst>
+                                </p:cTn>
+                              </p:par>
+                            </p:childTnLst>
+                          </p:cTn>
+                        </p:par>
+                      </p:childTnLst>
+                    </p:cTn>
+                  </p:par>
+                  <p:par>
+                    <p:cTn id="7" fill="hold">
+                      <p:stCondLst>
+                        <p:cond delay="indefinite"/>
+                      </p:stCondLst>
+                      <p:childTnLst>
+                        <p:par>
+                          <p:cTn id="8" fill="hold">
+                            <p:stCondLst>
+                              <p:cond delay="0"/>
+                            </p:stCondLst>
+                            <p:childTnLst>
+                              <p:par>
+                                <p:cTn id="9" presetID="1" presetClass="entr" presetSubtype="0" fill="hold" grpId="0" nodeType="clickEffect">
+                                  <p:stCondLst>
+                                    <p:cond delay="0"/>
+                                  </p:stCondLst>
+                                  <p:childTnLst>
+                                    <p:set>
+                                      <p:cBhvr>
+                                        <p:cTn id="10" dur="1" fill="hold">
+                                          <p:stCondLst>
+                                            <p:cond delay="0"/>
+                                          </p:stCondLst>
+                                        </p:cTn>
+                                        <p:tgtEl>
+                                          <p:spTgt spid="7"/>
+                                        </p:tgtEl>
+                                        <p:attrNameLst>
+                                          <p:attrName>style.visibility</p:attrName>
+                                        </p:attrNameLst>
+                                      </p:cBhvr>
+                                      <p:to>
+                                        <p:strVal val="visible"/>
+                                      </p:to>
+                                    </p:set>
+                                  </p:childTnLst>
+                                </p:cTn>
+                              </p:par>
+                              <p:par>
+                                <p:cTn id="11" presetID="1" presetClass="entr" presetSubtype="0" fill="hold" nodeType="withEffect">
+                                  <p:stCondLst>
+                                    <p:cond delay="0"/>
+                                  </p:stCondLst>
+                                  <p:childTnLst>
+                                    <p:set>
+                                      <p:cBhvr>
+                                        <p:cTn id="12" dur="1" fill="hold">
+                                          <p:stCondLst>
+                                            <p:cond delay="0"/>
+                                          </p:stCondLst>
+                                        </p:cTn>
+                                        <p:tgtEl>
+                                          <p:spTgt spid="9"/>
+                                        </p:tgtEl>
+                                        <p:attrNameLst>
+                                          <p:attrName>style.visibility</p:attrName>
+                                        </p:attrNameLst>
+                                      </p:cBhvr>
+                                      <p:to>
+                                        <p:strVal val="visible"/>
+                                      </p:to>
+                                    </p:set>
+                                  </p:childTnLst>
+                                </p:cTn>
+                              </p:par>
+                            </p:childTnLst>
+                          </p:cTn>
+                        </p:par>
+                      </p:childTnLst>
+                    </p:cTn>
+                  </p:par>
+                  <p:par>
+                    <p:cTn id="13" fill="hold">
+                      <p:stCondLst>
+                        <p:cond delay="indefinite"/>
+                      </p:stCondLst>
+                      <p:childTnLst>
+                        <p:par>
+                          <p:cTn id="14" fill="hold">
+                            <p:stCondLst>
+                              <p:cond delay="0"/>
+                            </p:stCondLst>
+                            <p:childTnLst>
+                              <p:par>
+                                <p:cTn id="15" presetID="1" presetClass="entr" presetSubtype="0" fill="hold" nodeType="clickEffect">
+                                  <p:stCondLst>
+                                    <p:cond delay="0"/>
+                                  </p:stCondLst>
+                                  <p:childTnLst>
+                                    <p:set>
+                                      <p:cBhvr>
+                                        <p:cTn id="16" dur="1" fill="hold">
+                                          <p:stCondLst>
+                                            <p:cond delay="0"/>
+                                          </p:stCondLst>
+                                        </p:cTn>
+                                        <p:tgtEl>
+                                          <p:spTgt spid="12"/>
+                                        </p:tgtEl>
+                                        <p:attrNameLst>
+                                          <p:attrName>style.visibility</p:attrName>
+                                        </p:attrNameLst>
+                                      </p:cBhvr>
+                                      <p:to>
+                                        <p:strVal val="visible"/>
+                                      </p:to>
+                                    </p:set>
+                                  </p:childTnLst>
+                                </p:cTn>
+                              </p:par>
+                              <p:par>
+                                <p:cTn id="17" presetID="1" presetClass="entr" presetSubtype="0" fill="hold" grpId="0" nodeType="withEffect">
+                                  <p:stCondLst>
+                                    <p:cond delay="0"/>
+                                  </p:stCondLst>
+                                  <p:childTnLst>
+                                    <p:set>
+                                      <p:cBhvr>
+                                        <p:cTn id="18" dur="1" fill="hold">
+                                          <p:stCondLst>
+                                            <p:cond delay="0"/>
+                                          </p:stCondLst>
+                                        </p:cTn>
+                                        <p:tgtEl>
+                                          <p:spTgt spid="4"/>
+                                        </p:tgtEl>
+                                        <p:attrNameLst>
+                                          <p:attrName>style.visibility</p:attrName>
+                                        </p:attrNameLst>
+                                      </p:cBhvr>
+                                      <p:to>
+                                        <p:strVal val="visible"/>
+                                      </p:to>
+                                    </p:set>
+                                  </p:childTnLst>
+                                </p:cTn>
+                              </p:par>
+                              <p:par>
+                                <p:cTn id="19" presetID="1" presetClass="entr" presetSubtype="0" fill="hold" grpId="0" nodeType="withEffect">
+                                  <p:stCondLst>
+                                    <p:cond delay="0"/>
+                                  </p:stCondLst>
+                                  <p:childTnLst>
+                                    <p:set>
+                                      <p:cBhvr>
+                                        <p:cTn id="20" dur="1" fill="hold">
+                                          <p:stCondLst>
+                                            <p:cond delay="0"/>
+                                          </p:stCondLst>
+                                        </p:cTn>
+                                        <p:tgtEl>
+                                          <p:spTgt spid="24"/>
+                                        </p:tgtEl>
+                                        <p:attrNameLst>
+                                          <p:attrName>style.visibility</p:attrName>
+                                        </p:attrNameLst>
+                                      </p:cBhvr>
+                                      <p:to>
+                                        <p:strVal val="visible"/>
+                                      </p:to>
+                                    </p:set>
+                                  </p:childTnLst>
+                                </p:cTn>
+                              </p:par>
+                            </p:childTnLst>
+                          </p:cTn>
+                        </p:par>
+                      </p:childTnLst>
+                    </p:cTn>
+                  </p:par>
+                  <p:par>
+                    <p:cTn id="21" fill="hold">
+                      <p:stCondLst>
+                        <p:cond delay="indefinite"/>
+                      </p:stCondLst>
+                      <p:childTnLst>
+                        <p:par>
+                          <p:cTn id="22" fill="hold">
+                            <p:stCondLst>
+                              <p:cond delay="0"/>
+                            </p:stCondLst>
+                            <p:childTnLst>
+                              <p:par>
+                                <p:cTn id="23" presetID="1" presetClass="entr" presetSubtype="0" fill="hold" nodeType="clickEffect">
+                                  <p:stCondLst>
+                                    <p:cond delay="0"/>
+                                  </p:stCondLst>
+                                  <p:childTnLst>
+                                    <p:set>
+                                      <p:cBhvr>
+                                        <p:cTn id="24" dur="1" fill="hold">
+                                          <p:stCondLst>
+                                            <p:cond delay="0"/>
+                                          </p:stCondLst>
+                                        </p:cTn>
+                                        <p:tgtEl>
+                                          <p:spTgt spid="13"/>
+                                        </p:tgtEl>
+                                        <p:attrNameLst>
+                                          <p:attrName>style.visibility</p:attrName>
+                                        </p:attrNameLst>
+                                      </p:cBhvr>
+                                      <p:to>
+                                        <p:strVal val="visible"/>
+                                      </p:to>
+                                    </p:set>
+                                  </p:childTnLst>
+                                </p:cTn>
+                              </p:par>
+                              <p:par>
+                                <p:cTn id="25" presetID="1" presetClass="entr" presetSubtype="0" fill="hold" grpId="0" nodeType="withEffect">
+                                  <p:stCondLst>
+                                    <p:cond delay="0"/>
+                                  </p:stCondLst>
+                                  <p:childTnLst>
+                                    <p:set>
+                                      <p:cBhvr>
+                                        <p:cTn id="26" dur="1" fill="hold">
+                                          <p:stCondLst>
+                                            <p:cond delay="0"/>
+                                          </p:stCondLst>
+                                        </p:cTn>
+                                        <p:tgtEl>
+                                          <p:spTgt spid="5"/>
+                                        </p:tgtEl>
+                                        <p:attrNameLst>
+                                          <p:attrName>style.visibility</p:attrName>
+                                        </p:attrNameLst>
+                                      </p:cBhvr>
+                                      <p:to>
+                                        <p:strVal val="visible"/>
+                                      </p:to>
+                                    </p:set>
+                                  </p:childTnLst>
+                                </p:cTn>
+                              </p:par>
+                              <p:par>
+                                <p:cTn id="27" presetID="1" presetClass="entr" presetSubtype="0" fill="hold" grpId="0" nodeType="withEffect">
+                                  <p:stCondLst>
+                                    <p:cond delay="0"/>
+                                  </p:stCondLst>
+                                  <p:childTnLst>
+                                    <p:set>
+                                      <p:cBhvr>
+                                        <p:cTn id="28" dur="1" fill="hold">
+                                          <p:stCondLst>
+                                            <p:cond delay="0"/>
+                                          </p:stCondLst>
+                                        </p:cTn>
+                                        <p:tgtEl>
+                                          <p:spTgt spid="25"/>
+                                        </p:tgtEl>
+                                        <p:attrNameLst>
+                                          <p:attrName>style.visibility</p:attrName>
+                                        </p:attrNameLst>
+                                      </p:cBhvr>
+                                      <p:to>
+                                        <p:strVal val="visible"/>
+                                      </p:to>
+                                    </p:set>
+                                  </p:childTnLst>
+                                </p:cTn>
+                              </p:par>
+                            </p:childTnLst>
+                          </p:cTn>
+                        </p:par>
+                      </p:childTnLst>
+                    </p:cTn>
+                  </p:par>
+                </p:childTnLst>
+              </p:cTn>
+              <p:prevCondLst>
+                <p:cond evt="onPrev" delay="0">
+                  <p:tgtEl>
+                    <p:sldTgt/>
+                  </p:tgtEl>
+                </p:cond>
+              </p:prevCondLst>
+              <p:nextCondLst>
+                <p:cond evt="onNext" delay="0">
+                  <p:tgtEl>
+                    <p:sldTgt/>
+                  </p:tgtEl>
+                </p:cond>
+              </p:nextCondLst>
+            </p:seq>
+          </p:childTnLst>
+        </p:cTn>
+      </p:par>
+    </p:tnLst>
+    <p:bldLst>
+      <p:bldP spid="4" grpId="0" animBg="1"/>
+      <p:bldP spid="5" grpId="0" animBg="1"/>
+      <p:bldP spid="6" grpId="0" animBg="1"/>
+      <p:bldP spid="7" grpId="0" animBg="1"/>
+      <p:bldP spid="24" grpId="0"/>
+      <p:bldP spid="25" grpId="0"/>
+    </p:bldLst>
+  </p:timing>
+</p:sld>
+</file>
+
+<file path=ppt/slides/slide3.xml><?xml version="1.0" encoding="utf-8"?>
+<p:sld xmlns:a="http://schemas.openxmlformats.org/drawingml/2006/main" xmlns:r="http://schemas.openxmlformats.org/officeDocument/2006/relationships" xmlns:p="http://schemas.openxmlformats.org/presentationml/2006/main">
+  <p:cSld>
+    <p:spTree>
+      <p:nvGrpSpPr>
+        <p:cNvPr id="1" name=""/>
+        <p:cNvGrpSpPr/>
+        <p:nvPr/>
+      </p:nvGrpSpPr>
+      <p:grpSpPr>
+        <a:xfrm>
+          <a:off x="0" y="0"/>
+          <a:ext cx="0" cy="0"/>
+          <a:chOff x="0" y="0"/>
+          <a:chExt cx="0" cy="0"/>
+        </a:xfrm>
+      </p:grpSpPr>
+      <p:sp>
+        <p:nvSpPr>
+          <p:cNvPr id="2" name="Title 1">
+            <a:extLst>
+              <a:ext uri="{FF2B5EF4-FFF2-40B4-BE49-F238E27FC236}">
+                <a16:creationId xmlns:a16="http://schemas.microsoft.com/office/drawing/2014/main" id="{585559B1-CE8A-4AC6-AE47-85EAEE54958F}"/>
+              </a:ext>
+            </a:extLst>
+          </p:cNvPr>
+          <p:cNvSpPr>
+            <a:spLocks noGrp="1"/>
+          </p:cNvSpPr>
+          <p:nvPr>
+            <p:ph type="title"/>
+          </p:nvPr>
+        </p:nvSpPr>
+        <p:spPr/>
+        <p:txBody>
+          <a:bodyPr/>
+          <a:lstStyle/>
+          <a:p>
+            <a:r>
+              <a:rPr lang="en-US" dirty="0"/>
+              <a:t>Architecture of a SPA (Dev)</a:t>
+            </a:r>
+          </a:p>
+        </p:txBody>
+      </p:sp>
+      <p:sp>
+        <p:nvSpPr>
+          <p:cNvPr id="4" name="Rectangle 3">
+            <a:extLst>
+              <a:ext uri="{FF2B5EF4-FFF2-40B4-BE49-F238E27FC236}">
+                <a16:creationId xmlns:a16="http://schemas.microsoft.com/office/drawing/2014/main" id="{0A1F7EA2-C5A1-46A1-94B3-8BB84F0B968B}"/>
+              </a:ext>
+            </a:extLst>
+          </p:cNvPr>
+          <p:cNvSpPr/>
+          <p:nvPr/>
+        </p:nvSpPr>
+        <p:spPr>
+          <a:xfrm>
+            <a:off x="6345971" y="1681616"/>
+            <a:ext cx="1941535" cy="1039661"/>
+          </a:xfrm>
+          <a:prstGeom prst="rect">
+            <a:avLst/>
+          </a:prstGeom>
+        </p:spPr>
+        <p:style>
+          <a:lnRef idx="2">
+            <a:schemeClr val="accent1">
+              <a:shade val="50000"/>
+            </a:schemeClr>
+          </a:lnRef>
+          <a:fillRef idx="1">
+            <a:schemeClr val="accent1"/>
+          </a:fillRef>
+          <a:effectRef idx="0">
+            <a:schemeClr val="accent1"/>
+          </a:effectRef>
+          <a:fontRef idx="minor">
+            <a:schemeClr val="lt1"/>
+          </a:fontRef>
+        </p:style>
+        <p:txBody>
+          <a:bodyPr rtlCol="0" anchor="ctr"/>
+          <a:lstStyle/>
+          <a:p>
+            <a:pPr algn="ctr"/>
+            <a:r>
+              <a:rPr lang="en-US" dirty="0"/>
+              <a:t>ASP.NET Core Application </a:t>
+            </a:r>
+            <a:br>
+              <a:rPr lang="en-US" dirty="0"/>
+            </a:br>
+            <a:r>
+              <a:rPr lang="en-US" dirty="0"/>
+              <a:t>(Back-end)</a:t>
+            </a:r>
+          </a:p>
+        </p:txBody>
+      </p:sp>
+      <p:sp>
+        <p:nvSpPr>
+          <p:cNvPr id="5" name="Rectangle 4">
+            <a:extLst>
+              <a:ext uri="{FF2B5EF4-FFF2-40B4-BE49-F238E27FC236}">
+                <a16:creationId xmlns:a16="http://schemas.microsoft.com/office/drawing/2014/main" id="{0F49A574-C8AF-46A0-9D3E-F37FE34454DD}"/>
+              </a:ext>
+            </a:extLst>
+          </p:cNvPr>
+          <p:cNvSpPr/>
+          <p:nvPr/>
+        </p:nvSpPr>
+        <p:spPr>
+          <a:xfrm>
+            <a:off x="6345970" y="3760938"/>
+            <a:ext cx="1941535" cy="1039661"/>
+          </a:xfrm>
+          <a:prstGeom prst="rect">
+            <a:avLst/>
+          </a:prstGeom>
+        </p:spPr>
+        <p:style>
+          <a:lnRef idx="2">
+            <a:schemeClr val="accent3">
+              <a:shade val="50000"/>
+            </a:schemeClr>
+          </a:lnRef>
+          <a:fillRef idx="1">
+            <a:schemeClr val="accent3"/>
+          </a:fillRef>
+          <a:effectRef idx="0">
+            <a:schemeClr val="accent3"/>
+          </a:effectRef>
+          <a:fontRef idx="minor">
+            <a:schemeClr val="lt1"/>
+          </a:fontRef>
+        </p:style>
+        <p:txBody>
+          <a:bodyPr rtlCol="0" anchor="ctr"/>
+          <a:lstStyle/>
+          <a:p>
+            <a:pPr algn="ctr"/>
+            <a:r>
+              <a:rPr lang="en-US" dirty="0"/>
+              <a:t>Vue.JS Application (Front-end)</a:t>
+            </a:r>
+          </a:p>
+        </p:txBody>
+      </p:sp>
+      <p:sp>
+        <p:nvSpPr>
+          <p:cNvPr id="6" name="Rectangle 5">
+            <a:extLst>
+              <a:ext uri="{FF2B5EF4-FFF2-40B4-BE49-F238E27FC236}">
+                <a16:creationId xmlns:a16="http://schemas.microsoft.com/office/drawing/2014/main" id="{54E5991F-4A24-4D0B-8C41-5AA4B195B4E7}"/>
+              </a:ext>
+            </a:extLst>
+          </p:cNvPr>
+          <p:cNvSpPr/>
+          <p:nvPr/>
+        </p:nvSpPr>
+        <p:spPr>
+          <a:xfrm>
+            <a:off x="838199" y="2721277"/>
+            <a:ext cx="1941535" cy="1039661"/>
+          </a:xfrm>
+          <a:prstGeom prst="rect">
+            <a:avLst/>
+          </a:prstGeom>
+        </p:spPr>
+        <p:style>
+          <a:lnRef idx="2">
+            <a:schemeClr val="accent5">
+              <a:shade val="50000"/>
+            </a:schemeClr>
+          </a:lnRef>
+          <a:fillRef idx="1">
+            <a:schemeClr val="accent5"/>
+          </a:fillRef>
+          <a:effectRef idx="0">
+            <a:schemeClr val="accent5"/>
+          </a:effectRef>
+          <a:fontRef idx="minor">
+            <a:schemeClr val="lt1"/>
+          </a:fontRef>
+        </p:style>
+        <p:txBody>
+          <a:bodyPr rtlCol="0" anchor="ctr"/>
+          <a:lstStyle/>
+          <a:p>
+            <a:pPr algn="ctr"/>
+            <a:r>
+              <a:rPr lang="en-US" dirty="0"/>
+              <a:t>Browser</a:t>
+            </a:r>
+          </a:p>
+        </p:txBody>
+      </p:sp>
+      <p:sp>
+        <p:nvSpPr>
+          <p:cNvPr id="7" name="Cloud 6">
+            <a:extLst>
+              <a:ext uri="{FF2B5EF4-FFF2-40B4-BE49-F238E27FC236}">
+                <a16:creationId xmlns:a16="http://schemas.microsoft.com/office/drawing/2014/main" id="{517B5187-BB3C-4E6F-9380-D6C0A5767991}"/>
+              </a:ext>
+            </a:extLst>
+          </p:cNvPr>
+          <p:cNvSpPr/>
+          <p:nvPr/>
+        </p:nvSpPr>
+        <p:spPr>
+          <a:xfrm>
+            <a:off x="3514346" y="2642991"/>
+            <a:ext cx="2097014" cy="1196236"/>
+          </a:xfrm>
+          <a:prstGeom prst="cloud">
+            <a:avLst/>
+          </a:prstGeom>
+        </p:spPr>
+        <p:style>
+          <a:lnRef idx="2">
+            <a:schemeClr val="accent6"/>
+          </a:lnRef>
+          <a:fillRef idx="1">
+            <a:schemeClr val="lt1"/>
+          </a:fillRef>
+          <a:effectRef idx="0">
+            <a:schemeClr val="accent6"/>
+          </a:effectRef>
+          <a:fontRef idx="minor">
+            <a:schemeClr val="dk1"/>
+          </a:fontRef>
+        </p:style>
+        <p:txBody>
+          <a:bodyPr rtlCol="0" anchor="ctr"/>
+          <a:lstStyle/>
+          <a:p>
+            <a:pPr algn="ctr"/>
+            <a:r>
+              <a:rPr lang="en-US" dirty="0"/>
+              <a:t>Network</a:t>
+            </a:r>
+          </a:p>
+        </p:txBody>
+      </p:sp>
+      <p:cxnSp>
+        <p:nvCxnSpPr>
+          <p:cNvPr id="9" name="Straight Arrow Connector 8">
+            <a:extLst>
+              <a:ext uri="{FF2B5EF4-FFF2-40B4-BE49-F238E27FC236}">
+                <a16:creationId xmlns:a16="http://schemas.microsoft.com/office/drawing/2014/main" id="{C5D2C280-054B-400B-AC20-517423881A62}"/>
+              </a:ext>
+            </a:extLst>
+          </p:cNvPr>
+          <p:cNvCxnSpPr>
+            <a:stCxn id="6" idx="3"/>
+            <a:endCxn id="7" idx="2"/>
+          </p:cNvCxnSpPr>
+          <p:nvPr/>
+        </p:nvCxnSpPr>
+        <p:spPr>
+          <a:xfrm>
+            <a:off x="2779734" y="3241108"/>
+            <a:ext cx="741117" cy="1"/>
+          </a:xfrm>
+          <a:prstGeom prst="straightConnector1">
+            <a:avLst/>
+          </a:prstGeom>
+          <a:ln>
+            <a:tailEnd type="triangle"/>
+          </a:ln>
+        </p:spPr>
+        <p:style>
+          <a:lnRef idx="3">
+            <a:schemeClr val="dk1"/>
+          </a:lnRef>
+          <a:fillRef idx="0">
+            <a:schemeClr val="dk1"/>
+          </a:fillRef>
+          <a:effectRef idx="2">
+            <a:schemeClr val="dk1"/>
+          </a:effectRef>
+          <a:fontRef idx="minor">
+            <a:schemeClr val="tx1"/>
+          </a:fontRef>
+        </p:style>
+      </p:cxnSp>
+      <p:cxnSp>
+        <p:nvCxnSpPr>
+          <p:cNvPr id="12" name="Straight Arrow Connector 11">
+            <a:extLst>
+              <a:ext uri="{FF2B5EF4-FFF2-40B4-BE49-F238E27FC236}">
+                <a16:creationId xmlns:a16="http://schemas.microsoft.com/office/drawing/2014/main" id="{A33A7FEB-BB8A-42A2-9EC8-5145EFB58C26}"/>
+              </a:ext>
+            </a:extLst>
+          </p:cNvPr>
+          <p:cNvCxnSpPr>
+            <a:cxnSpLocks/>
+          </p:cNvCxnSpPr>
+          <p:nvPr/>
+        </p:nvCxnSpPr>
+        <p:spPr>
+          <a:xfrm flipV="1">
+            <a:off x="5623330" y="2123160"/>
+            <a:ext cx="736359" cy="1039662"/>
+          </a:xfrm>
+          <a:prstGeom prst="straightConnector1">
+            <a:avLst/>
+          </a:prstGeom>
+          <a:ln>
+            <a:tailEnd type="triangle"/>
+          </a:ln>
+        </p:spPr>
+        <p:style>
+          <a:lnRef idx="3">
+            <a:schemeClr val="dk1"/>
+          </a:lnRef>
+          <a:fillRef idx="0">
+            <a:schemeClr val="dk1"/>
+          </a:fillRef>
+          <a:effectRef idx="2">
+            <a:schemeClr val="dk1"/>
+          </a:effectRef>
+          <a:fontRef idx="minor">
+            <a:schemeClr val="tx1"/>
+          </a:fontRef>
+        </p:style>
+      </p:cxnSp>
+      <p:cxnSp>
+        <p:nvCxnSpPr>
+          <p:cNvPr id="13" name="Straight Arrow Connector 12">
+            <a:extLst>
+              <a:ext uri="{FF2B5EF4-FFF2-40B4-BE49-F238E27FC236}">
+                <a16:creationId xmlns:a16="http://schemas.microsoft.com/office/drawing/2014/main" id="{BA30E18C-E9FC-45C1-873B-0C08C4A3803E}"/>
+              </a:ext>
+            </a:extLst>
+          </p:cNvPr>
+          <p:cNvCxnSpPr>
+            <a:cxnSpLocks/>
+            <a:stCxn id="7" idx="0"/>
+            <a:endCxn id="5" idx="1"/>
+          </p:cNvCxnSpPr>
+          <p:nvPr/>
+        </p:nvCxnSpPr>
+        <p:spPr>
+          <a:xfrm>
+            <a:off x="5609612" y="3241109"/>
+            <a:ext cx="736358" cy="1039660"/>
+          </a:xfrm>
+          <a:prstGeom prst="straightConnector1">
+            <a:avLst/>
+          </a:prstGeom>
+          <a:ln>
+            <a:tailEnd type="triangle"/>
+          </a:ln>
+        </p:spPr>
+        <p:style>
+          <a:lnRef idx="3">
+            <a:schemeClr val="dk1"/>
+          </a:lnRef>
+          <a:fillRef idx="0">
+            <a:schemeClr val="dk1"/>
+          </a:fillRef>
+          <a:effectRef idx="2">
+            <a:schemeClr val="dk1"/>
+          </a:effectRef>
+          <a:fontRef idx="minor">
+            <a:schemeClr val="tx1"/>
+          </a:fontRef>
+        </p:style>
+      </p:cxnSp>
+      <p:sp>
+        <p:nvSpPr>
+          <p:cNvPr id="24" name="TextBox 23">
+            <a:extLst>
+              <a:ext uri="{FF2B5EF4-FFF2-40B4-BE49-F238E27FC236}">
+                <a16:creationId xmlns:a16="http://schemas.microsoft.com/office/drawing/2014/main" id="{4BA857C1-F385-4685-94CD-E22591525500}"/>
+              </a:ext>
+            </a:extLst>
+          </p:cNvPr>
+          <p:cNvSpPr txBox="1"/>
+          <p:nvPr/>
+        </p:nvSpPr>
+        <p:spPr>
+          <a:xfrm>
+            <a:off x="8625385" y="2016780"/>
+            <a:ext cx="2852382" cy="369332"/>
+          </a:xfrm>
+          <a:prstGeom prst="rect">
+            <a:avLst/>
+          </a:prstGeom>
+          <a:noFill/>
+        </p:spPr>
+        <p:txBody>
+          <a:bodyPr wrap="square" rtlCol="0">
+            <a:spAutoFit/>
+          </a:bodyPr>
+          <a:lstStyle/>
+          <a:p>
+            <a:r>
+              <a:rPr lang="en-US" dirty="0"/>
+              <a:t>https://myApp.com</a:t>
+            </a:r>
+          </a:p>
+        </p:txBody>
+      </p:sp>
+      <p:sp>
+        <p:nvSpPr>
+          <p:cNvPr id="25" name="TextBox 24">
+            <a:extLst>
+              <a:ext uri="{FF2B5EF4-FFF2-40B4-BE49-F238E27FC236}">
+                <a16:creationId xmlns:a16="http://schemas.microsoft.com/office/drawing/2014/main" id="{E9525C53-B5FF-49D0-A40D-F524E654FE58}"/>
+              </a:ext>
+            </a:extLst>
+          </p:cNvPr>
+          <p:cNvSpPr txBox="1"/>
+          <p:nvPr/>
+        </p:nvSpPr>
+        <p:spPr>
+          <a:xfrm>
+            <a:off x="8625385" y="4096102"/>
+            <a:ext cx="2852382" cy="369332"/>
+          </a:xfrm>
+          <a:prstGeom prst="rect">
+            <a:avLst/>
+          </a:prstGeom>
+          <a:noFill/>
+        </p:spPr>
+        <p:txBody>
+          <a:bodyPr wrap="square" rtlCol="0">
+            <a:spAutoFit/>
+          </a:bodyPr>
+          <a:lstStyle/>
+          <a:p>
+            <a:r>
+              <a:rPr lang="en-US" dirty="0"/>
+              <a:t>https://api.myApp.com</a:t>
+            </a:r>
+          </a:p>
+        </p:txBody>
+      </p:sp>
+    </p:spTree>
+    <p:extLst>
+      <p:ext uri="{BB962C8B-B14F-4D97-AF65-F5344CB8AC3E}">
+        <p14:creationId xmlns:p14="http://schemas.microsoft.com/office/powerpoint/2010/main" val="998225393"/>
+      </p:ext>
+    </p:extLst>
+  </p:cSld>
+  <p:clrMapOvr>
+    <a:masterClrMapping/>
+  </p:clrMapOvr>
+  <p:timing>
+    <p:tnLst>
+      <p:par>
+        <p:cTn id="1" dur="indefinite" restart="never" nodeType="tmRoot">
+          <p:childTnLst>
+            <p:seq concurrent="1" nextAc="seek">
+              <p:cTn id="2" dur="indefinite" nodeType="mainSeq">
+                <p:childTnLst>
+                  <p:par>
+                    <p:cTn id="3" fill="hold">
+                      <p:stCondLst>
+                        <p:cond delay="indefinite"/>
+                      </p:stCondLst>
+                      <p:childTnLst>
+                        <p:par>
+                          <p:cTn id="4" fill="hold">
+                            <p:stCondLst>
+                              <p:cond delay="0"/>
+                            </p:stCondLst>
+                            <p:childTnLst>
+                              <p:par>
+                                <p:cTn id="5" presetID="1" presetClass="entr" presetSubtype="0" fill="hold" grpId="0" nodeType="clickEffect">
+                                  <p:stCondLst>
+                                    <p:cond delay="0"/>
+                                  </p:stCondLst>
+                                  <p:childTnLst>
+                                    <p:set>
+                                      <p:cBhvr>
+                                        <p:cTn id="6" dur="1" fill="hold">
+                                          <p:stCondLst>
+                                            <p:cond delay="0"/>
+                                          </p:stCondLst>
+                                        </p:cTn>
+                                        <p:tgtEl>
+                                          <p:spTgt spid="6"/>
+                                        </p:tgtEl>
+                                        <p:attrNameLst>
+                                          <p:attrName>style.visibility</p:attrName>
+                                        </p:attrNameLst>
+                                      </p:cBhvr>
+                                      <p:to>
+                                        <p:strVal val="visible"/>
+                                      </p:to>
+                                    </p:set>
+                                  </p:childTnLst>
+                                </p:cTn>
+                              </p:par>
+                            </p:childTnLst>
+                          </p:cTn>
+                        </p:par>
+                      </p:childTnLst>
+                    </p:cTn>
+                  </p:par>
+                  <p:par>
+                    <p:cTn id="7" fill="hold">
+                      <p:stCondLst>
+                        <p:cond delay="indefinite"/>
+                      </p:stCondLst>
+                      <p:childTnLst>
+                        <p:par>
+                          <p:cTn id="8" fill="hold">
+                            <p:stCondLst>
+                              <p:cond delay="0"/>
+                            </p:stCondLst>
+                            <p:childTnLst>
+                              <p:par>
+                                <p:cTn id="9" presetID="1" presetClass="entr" presetSubtype="0" fill="hold" grpId="0" nodeType="clickEffect">
+                                  <p:stCondLst>
+                                    <p:cond delay="0"/>
+                                  </p:stCondLst>
+                                  <p:childTnLst>
+                                    <p:set>
+                                      <p:cBhvr>
+                                        <p:cTn id="10" dur="1" fill="hold">
+                                          <p:stCondLst>
+                                            <p:cond delay="0"/>
+                                          </p:stCondLst>
+                                        </p:cTn>
+                                        <p:tgtEl>
+                                          <p:spTgt spid="7"/>
+                                        </p:tgtEl>
+                                        <p:attrNameLst>
+                                          <p:attrName>style.visibility</p:attrName>
+                                        </p:attrNameLst>
+                                      </p:cBhvr>
+                                      <p:to>
+                                        <p:strVal val="visible"/>
+                                      </p:to>
+                                    </p:set>
+                                  </p:childTnLst>
+                                </p:cTn>
+                              </p:par>
+                              <p:par>
+                                <p:cTn id="11" presetID="1" presetClass="entr" presetSubtype="0" fill="hold" nodeType="withEffect">
+                                  <p:stCondLst>
+                                    <p:cond delay="0"/>
+                                  </p:stCondLst>
+                                  <p:childTnLst>
+                                    <p:set>
+                                      <p:cBhvr>
+                                        <p:cTn id="12" dur="1" fill="hold">
+                                          <p:stCondLst>
+                                            <p:cond delay="0"/>
+                                          </p:stCondLst>
+                                        </p:cTn>
+                                        <p:tgtEl>
+                                          <p:spTgt spid="9"/>
+                                        </p:tgtEl>
+                                        <p:attrNameLst>
+                                          <p:attrName>style.visibility</p:attrName>
+                                        </p:attrNameLst>
+                                      </p:cBhvr>
+                                      <p:to>
+                                        <p:strVal val="visible"/>
+                                      </p:to>
+                                    </p:set>
+                                  </p:childTnLst>
+                                </p:cTn>
+                              </p:par>
+                            </p:childTnLst>
+                          </p:cTn>
+                        </p:par>
+                      </p:childTnLst>
+                    </p:cTn>
+                  </p:par>
+                  <p:par>
+                    <p:cTn id="13" fill="hold">
+                      <p:stCondLst>
+                        <p:cond delay="indefinite"/>
+                      </p:stCondLst>
+                      <p:childTnLst>
+                        <p:par>
+                          <p:cTn id="14" fill="hold">
+                            <p:stCondLst>
+                              <p:cond delay="0"/>
+                            </p:stCondLst>
+                            <p:childTnLst>
+                              <p:par>
+                                <p:cTn id="15" presetID="1" presetClass="entr" presetSubtype="0" fill="hold" nodeType="clickEffect">
+                                  <p:stCondLst>
+                                    <p:cond delay="0"/>
+                                  </p:stCondLst>
+                                  <p:childTnLst>
+                                    <p:set>
+                                      <p:cBhvr>
+                                        <p:cTn id="16" dur="1" fill="hold">
+                                          <p:stCondLst>
+                                            <p:cond delay="0"/>
+                                          </p:stCondLst>
+                                        </p:cTn>
+                                        <p:tgtEl>
+                                          <p:spTgt spid="12"/>
+                                        </p:tgtEl>
+                                        <p:attrNameLst>
+                                          <p:attrName>style.visibility</p:attrName>
+                                        </p:attrNameLst>
+                                      </p:cBhvr>
+                                      <p:to>
+                                        <p:strVal val="visible"/>
+                                      </p:to>
+                                    </p:set>
+                                  </p:childTnLst>
+                                </p:cTn>
+                              </p:par>
+                              <p:par>
+                                <p:cTn id="17" presetID="1" presetClass="entr" presetSubtype="0" fill="hold" grpId="0" nodeType="withEffect">
+                                  <p:stCondLst>
+                                    <p:cond delay="0"/>
+                                  </p:stCondLst>
+                                  <p:childTnLst>
+                                    <p:set>
+                                      <p:cBhvr>
+                                        <p:cTn id="18" dur="1" fill="hold">
+                                          <p:stCondLst>
+                                            <p:cond delay="0"/>
+                                          </p:stCondLst>
+                                        </p:cTn>
+                                        <p:tgtEl>
+                                          <p:spTgt spid="4"/>
+                                        </p:tgtEl>
+                                        <p:attrNameLst>
+                                          <p:attrName>style.visibility</p:attrName>
+                                        </p:attrNameLst>
+                                      </p:cBhvr>
+                                      <p:to>
+                                        <p:strVal val="visible"/>
+                                      </p:to>
+                                    </p:set>
+                                  </p:childTnLst>
+                                </p:cTn>
+                              </p:par>
+                              <p:par>
+                                <p:cTn id="19" presetID="1" presetClass="entr" presetSubtype="0" fill="hold" grpId="0" nodeType="withEffect">
+                                  <p:stCondLst>
+                                    <p:cond delay="0"/>
+                                  </p:stCondLst>
+                                  <p:childTnLst>
+                                    <p:set>
+                                      <p:cBhvr>
+                                        <p:cTn id="20" dur="1" fill="hold">
+                                          <p:stCondLst>
+                                            <p:cond delay="0"/>
+                                          </p:stCondLst>
+                                        </p:cTn>
+                                        <p:tgtEl>
+                                          <p:spTgt spid="24"/>
+                                        </p:tgtEl>
+                                        <p:attrNameLst>
+                                          <p:attrName>style.visibility</p:attrName>
+                                        </p:attrNameLst>
+                                      </p:cBhvr>
+                                      <p:to>
+                                        <p:strVal val="visible"/>
+                                      </p:to>
+                                    </p:set>
+                                  </p:childTnLst>
+                                </p:cTn>
+                              </p:par>
+                            </p:childTnLst>
+                          </p:cTn>
+                        </p:par>
+                      </p:childTnLst>
+                    </p:cTn>
+                  </p:par>
+                  <p:par>
+                    <p:cTn id="21" fill="hold">
+                      <p:stCondLst>
+                        <p:cond delay="indefinite"/>
+                      </p:stCondLst>
+                      <p:childTnLst>
+                        <p:par>
+                          <p:cTn id="22" fill="hold">
+                            <p:stCondLst>
+                              <p:cond delay="0"/>
+                            </p:stCondLst>
+                            <p:childTnLst>
+                              <p:par>
+                                <p:cTn id="23" presetID="1" presetClass="entr" presetSubtype="0" fill="hold" nodeType="clickEffect">
+                                  <p:stCondLst>
+                                    <p:cond delay="0"/>
+                                  </p:stCondLst>
+                                  <p:childTnLst>
+                                    <p:set>
+                                      <p:cBhvr>
+                                        <p:cTn id="24" dur="1" fill="hold">
+                                          <p:stCondLst>
+                                            <p:cond delay="0"/>
+                                          </p:stCondLst>
+                                        </p:cTn>
+                                        <p:tgtEl>
+                                          <p:spTgt spid="13"/>
+                                        </p:tgtEl>
+                                        <p:attrNameLst>
+                                          <p:attrName>style.visibility</p:attrName>
+                                        </p:attrNameLst>
+                                      </p:cBhvr>
+                                      <p:to>
+                                        <p:strVal val="visible"/>
+                                      </p:to>
+                                    </p:set>
+                                  </p:childTnLst>
+                                </p:cTn>
+                              </p:par>
+                              <p:par>
+                                <p:cTn id="25" presetID="1" presetClass="entr" presetSubtype="0" fill="hold" grpId="0" nodeType="withEffect">
+                                  <p:stCondLst>
+                                    <p:cond delay="0"/>
+                                  </p:stCondLst>
+                                  <p:childTnLst>
+                                    <p:set>
+                                      <p:cBhvr>
+                                        <p:cTn id="26" dur="1" fill="hold">
+                                          <p:stCondLst>
+                                            <p:cond delay="0"/>
+                                          </p:stCondLst>
+                                        </p:cTn>
+                                        <p:tgtEl>
+                                          <p:spTgt spid="5"/>
+                                        </p:tgtEl>
+                                        <p:attrNameLst>
+                                          <p:attrName>style.visibility</p:attrName>
+                                        </p:attrNameLst>
+                                      </p:cBhvr>
+                                      <p:to>
+                                        <p:strVal val="visible"/>
+                                      </p:to>
+                                    </p:set>
+                                  </p:childTnLst>
+                                </p:cTn>
+                              </p:par>
+                              <p:par>
+                                <p:cTn id="27" presetID="1" presetClass="entr" presetSubtype="0" fill="hold" grpId="0" nodeType="withEffect">
+                                  <p:stCondLst>
+                                    <p:cond delay="0"/>
+                                  </p:stCondLst>
+                                  <p:childTnLst>
+                                    <p:set>
+                                      <p:cBhvr>
+                                        <p:cTn id="28" dur="1" fill="hold">
+                                          <p:stCondLst>
+                                            <p:cond delay="0"/>
+                                          </p:stCondLst>
+                                        </p:cTn>
+                                        <p:tgtEl>
+                                          <p:spTgt spid="25"/>
+                                        </p:tgtEl>
+                                        <p:attrNameLst>
+                                          <p:attrName>style.visibility</p:attrName>
+                                        </p:attrNameLst>
+                                      </p:cBhvr>
+                                      <p:to>
+                                        <p:strVal val="visible"/>
+                                      </p:to>
+                                    </p:set>
+                                  </p:childTnLst>
+                                </p:cTn>
+                              </p:par>
+                            </p:childTnLst>
+                          </p:cTn>
+                        </p:par>
+                      </p:childTnLst>
+                    </p:cTn>
+                  </p:par>
+                </p:childTnLst>
+              </p:cTn>
+              <p:prevCondLst>
+                <p:cond evt="onPrev" delay="0">
+                  <p:tgtEl>
+                    <p:sldTgt/>
+                  </p:tgtEl>
+                </p:cond>
+              </p:prevCondLst>
+              <p:nextCondLst>
+                <p:cond evt="onNext" delay="0">
+                  <p:tgtEl>
+                    <p:sldTgt/>
+                  </p:tgtEl>
+                </p:cond>
+              </p:nextCondLst>
+            </p:seq>
+          </p:childTnLst>
+        </p:cTn>
+      </p:par>
+    </p:tnLst>
+    <p:bldLst>
+      <p:bldP spid="4" grpId="0" animBg="1"/>
+      <p:bldP spid="5" grpId="0" animBg="1"/>
+      <p:bldP spid="6" grpId="0" animBg="1"/>
+      <p:bldP spid="7" grpId="0" animBg="1"/>
+      <p:bldP spid="24" grpId="0"/>
+      <p:bldP spid="25" grpId="0"/>
+    </p:bldLst>
+  </p:timing>
+</p:sld>
+</file>
+
+<file path=ppt/slides/slide4.xml><?xml version="1.0" encoding="utf-8"?>
+<p:sld xmlns:a="http://schemas.openxmlformats.org/drawingml/2006/main" xmlns:r="http://schemas.openxmlformats.org/officeDocument/2006/relationships" xmlns:p="http://schemas.openxmlformats.org/presentationml/2006/main">
+  <p:cSld>
+    <p:spTree>
+      <p:nvGrpSpPr>
+        <p:cNvPr id="1" name=""/>
+        <p:cNvGrpSpPr/>
+        <p:nvPr/>
+      </p:nvGrpSpPr>
+      <p:grpSpPr>
+        <a:xfrm>
+          <a:off x="0" y="0"/>
+          <a:ext cx="0" cy="0"/>
+          <a:chOff x="0" y="0"/>
+          <a:chExt cx="0" cy="0"/>
+        </a:xfrm>
+      </p:grpSpPr>
+      <p:sp>
+        <p:nvSpPr>
+          <p:cNvPr id="2" name="Title 1">
+            <a:extLst>
+              <a:ext uri="{FF2B5EF4-FFF2-40B4-BE49-F238E27FC236}">
+                <a16:creationId xmlns:a16="http://schemas.microsoft.com/office/drawing/2014/main" id="{585559B1-CE8A-4AC6-AE47-85EAEE54958F}"/>
+              </a:ext>
+            </a:extLst>
+          </p:cNvPr>
+          <p:cNvSpPr>
+            <a:spLocks noGrp="1"/>
+          </p:cNvSpPr>
+          <p:nvPr>
+            <p:ph type="title"/>
+          </p:nvPr>
+        </p:nvSpPr>
+        <p:spPr/>
+        <p:txBody>
+          <a:bodyPr/>
+          <a:lstStyle/>
+          <a:p>
+            <a:r>
+              <a:rPr lang="en-US" dirty="0"/>
+              <a:t>Architecture of a SPA (Prod)</a:t>
+            </a:r>
+          </a:p>
+        </p:txBody>
+      </p:sp>
+      <p:sp>
+        <p:nvSpPr>
+          <p:cNvPr id="4" name="Rectangle 3">
+            <a:extLst>
+              <a:ext uri="{FF2B5EF4-FFF2-40B4-BE49-F238E27FC236}">
+                <a16:creationId xmlns:a16="http://schemas.microsoft.com/office/drawing/2014/main" id="{0A1F7EA2-C5A1-46A1-94B3-8BB84F0B968B}"/>
+              </a:ext>
+            </a:extLst>
+          </p:cNvPr>
+          <p:cNvSpPr/>
+          <p:nvPr/>
+        </p:nvSpPr>
+        <p:spPr>
+          <a:xfrm>
+            <a:off x="6580642" y="2201446"/>
+            <a:ext cx="5156246" cy="2495813"/>
+          </a:xfrm>
+          <a:prstGeom prst="rect">
+            <a:avLst/>
+          </a:prstGeom>
+        </p:spPr>
+        <p:style>
+          <a:lnRef idx="2">
+            <a:schemeClr val="accent1">
+              <a:shade val="50000"/>
+            </a:schemeClr>
+          </a:lnRef>
+          <a:fillRef idx="1">
+            <a:schemeClr val="accent1"/>
+          </a:fillRef>
+          <a:effectRef idx="0">
+            <a:schemeClr val="accent1"/>
+          </a:effectRef>
+          <a:fontRef idx="minor">
+            <a:schemeClr val="lt1"/>
+          </a:fontRef>
+        </p:style>
+        <p:txBody>
+          <a:bodyPr rtlCol="0" anchor="ctr"/>
+          <a:lstStyle/>
+          <a:p>
+            <a:pPr algn="ctr"/>
+            <a:r>
+              <a:rPr lang="en-US" dirty="0"/>
+              <a:t>ASP.NET Core Application (Back-end)</a:t>
+            </a:r>
+          </a:p>
+        </p:txBody>
+      </p:sp>
+      <p:sp>
+        <p:nvSpPr>
+          <p:cNvPr id="5" name="Rectangle 4">
+            <a:extLst>
+              <a:ext uri="{FF2B5EF4-FFF2-40B4-BE49-F238E27FC236}">
+                <a16:creationId xmlns:a16="http://schemas.microsoft.com/office/drawing/2014/main" id="{0F49A574-C8AF-46A0-9D3E-F37FE34454DD}"/>
+              </a:ext>
+            </a:extLst>
+          </p:cNvPr>
+          <p:cNvSpPr/>
+          <p:nvPr/>
+        </p:nvSpPr>
+        <p:spPr>
+          <a:xfrm>
+            <a:off x="9393585" y="3760938"/>
+            <a:ext cx="2230569" cy="878268"/>
+          </a:xfrm>
+          <a:prstGeom prst="rect">
+            <a:avLst/>
+          </a:prstGeom>
+        </p:spPr>
+        <p:style>
+          <a:lnRef idx="2">
+            <a:schemeClr val="accent3">
+              <a:shade val="50000"/>
+            </a:schemeClr>
+          </a:lnRef>
+          <a:fillRef idx="1">
+            <a:schemeClr val="accent3"/>
+          </a:fillRef>
+          <a:effectRef idx="0">
+            <a:schemeClr val="accent3"/>
+          </a:effectRef>
+          <a:fontRef idx="minor">
+            <a:schemeClr val="lt1"/>
+          </a:fontRef>
+        </p:style>
+        <p:txBody>
+          <a:bodyPr rtlCol="0" anchor="ctr"/>
+          <a:lstStyle/>
+          <a:p>
+            <a:pPr algn="ctr"/>
+            <a:r>
+              <a:rPr lang="en-US" dirty="0"/>
+              <a:t>Compiled Vue.JS Application</a:t>
+            </a:r>
+          </a:p>
+          <a:p>
+            <a:pPr algn="ctr"/>
+            <a:endParaRPr lang="en-US" dirty="0"/>
+          </a:p>
+        </p:txBody>
+      </p:sp>
+      <p:sp>
+        <p:nvSpPr>
+          <p:cNvPr id="6" name="Rectangle 5">
+            <a:extLst>
+              <a:ext uri="{FF2B5EF4-FFF2-40B4-BE49-F238E27FC236}">
+                <a16:creationId xmlns:a16="http://schemas.microsoft.com/office/drawing/2014/main" id="{54E5991F-4A24-4D0B-8C41-5AA4B195B4E7}"/>
+              </a:ext>
+            </a:extLst>
+          </p:cNvPr>
+          <p:cNvSpPr/>
+          <p:nvPr/>
+        </p:nvSpPr>
+        <p:spPr>
+          <a:xfrm>
+            <a:off x="838199" y="2721277"/>
+            <a:ext cx="1941535" cy="1039661"/>
+          </a:xfrm>
+          <a:prstGeom prst="rect">
+            <a:avLst/>
+          </a:prstGeom>
+        </p:spPr>
+        <p:style>
+          <a:lnRef idx="2">
+            <a:schemeClr val="accent5">
+              <a:shade val="50000"/>
+            </a:schemeClr>
+          </a:lnRef>
+          <a:fillRef idx="1">
+            <a:schemeClr val="accent5"/>
+          </a:fillRef>
+          <a:effectRef idx="0">
+            <a:schemeClr val="accent5"/>
+          </a:effectRef>
+          <a:fontRef idx="minor">
+            <a:schemeClr val="lt1"/>
+          </a:fontRef>
+        </p:style>
+        <p:txBody>
+          <a:bodyPr rtlCol="0" anchor="ctr"/>
+          <a:lstStyle/>
+          <a:p>
+            <a:pPr algn="ctr"/>
+            <a:r>
+              <a:rPr lang="en-US" dirty="0"/>
+              <a:t>Browser</a:t>
+            </a:r>
+          </a:p>
+        </p:txBody>
+      </p:sp>
+      <p:sp>
+        <p:nvSpPr>
+          <p:cNvPr id="7" name="Cloud 6">
+            <a:extLst>
+              <a:ext uri="{FF2B5EF4-FFF2-40B4-BE49-F238E27FC236}">
+                <a16:creationId xmlns:a16="http://schemas.microsoft.com/office/drawing/2014/main" id="{517B5187-BB3C-4E6F-9380-D6C0A5767991}"/>
+              </a:ext>
+            </a:extLst>
+          </p:cNvPr>
+          <p:cNvSpPr/>
+          <p:nvPr/>
+        </p:nvSpPr>
+        <p:spPr>
+          <a:xfrm>
+            <a:off x="3514346" y="2642991"/>
+            <a:ext cx="2097014" cy="1196236"/>
+          </a:xfrm>
+          <a:prstGeom prst="cloud">
+            <a:avLst/>
+          </a:prstGeom>
+        </p:spPr>
+        <p:style>
+          <a:lnRef idx="2">
+            <a:schemeClr val="accent6"/>
+          </a:lnRef>
+          <a:fillRef idx="1">
+            <a:schemeClr val="lt1"/>
+          </a:fillRef>
+          <a:effectRef idx="0">
+            <a:schemeClr val="accent6"/>
+          </a:effectRef>
+          <a:fontRef idx="minor">
+            <a:schemeClr val="dk1"/>
+          </a:fontRef>
+        </p:style>
+        <p:txBody>
+          <a:bodyPr rtlCol="0" anchor="ctr"/>
+          <a:lstStyle/>
+          <a:p>
+            <a:pPr algn="ctr"/>
+            <a:r>
+              <a:rPr lang="en-US" dirty="0"/>
+              <a:t>Network</a:t>
+            </a:r>
+          </a:p>
+        </p:txBody>
+      </p:sp>
+      <p:cxnSp>
+        <p:nvCxnSpPr>
+          <p:cNvPr id="9" name="Straight Arrow Connector 8">
+            <a:extLst>
+              <a:ext uri="{FF2B5EF4-FFF2-40B4-BE49-F238E27FC236}">
+                <a16:creationId xmlns:a16="http://schemas.microsoft.com/office/drawing/2014/main" id="{C5D2C280-054B-400B-AC20-517423881A62}"/>
+              </a:ext>
+            </a:extLst>
+          </p:cNvPr>
+          <p:cNvCxnSpPr>
+            <a:stCxn id="6" idx="3"/>
+            <a:endCxn id="7" idx="2"/>
+          </p:cNvCxnSpPr>
+          <p:nvPr/>
+        </p:nvCxnSpPr>
+        <p:spPr>
+          <a:xfrm>
+            <a:off x="2779734" y="3241108"/>
+            <a:ext cx="741117" cy="1"/>
+          </a:xfrm>
+          <a:prstGeom prst="straightConnector1">
+            <a:avLst/>
+          </a:prstGeom>
+          <a:ln>
+            <a:tailEnd type="triangle"/>
+          </a:ln>
+        </p:spPr>
+        <p:style>
+          <a:lnRef idx="3">
+            <a:schemeClr val="dk1"/>
+          </a:lnRef>
+          <a:fillRef idx="0">
+            <a:schemeClr val="dk1"/>
+          </a:fillRef>
+          <a:effectRef idx="2">
+            <a:schemeClr val="dk1"/>
+          </a:effectRef>
+          <a:fontRef idx="minor">
+            <a:schemeClr val="tx1"/>
+          </a:fontRef>
+        </p:style>
+      </p:cxnSp>
+      <p:cxnSp>
+        <p:nvCxnSpPr>
+          <p:cNvPr id="12" name="Straight Arrow Connector 11">
+            <a:extLst>
+              <a:ext uri="{FF2B5EF4-FFF2-40B4-BE49-F238E27FC236}">
+                <a16:creationId xmlns:a16="http://schemas.microsoft.com/office/drawing/2014/main" id="{A33A7FEB-BB8A-42A2-9EC8-5145EFB58C26}"/>
+              </a:ext>
+            </a:extLst>
+          </p:cNvPr>
+          <p:cNvCxnSpPr>
+            <a:cxnSpLocks/>
+            <a:stCxn id="7" idx="0"/>
+            <a:endCxn id="4" idx="1"/>
+          </p:cNvCxnSpPr>
+          <p:nvPr/>
+        </p:nvCxnSpPr>
+        <p:spPr>
+          <a:xfrm>
+            <a:off x="5609612" y="3241109"/>
+            <a:ext cx="971030" cy="208244"/>
+          </a:xfrm>
+          <a:prstGeom prst="straightConnector1">
+            <a:avLst/>
+          </a:prstGeom>
+          <a:ln>
+            <a:tailEnd type="triangle"/>
+          </a:ln>
+        </p:spPr>
+        <p:style>
+          <a:lnRef idx="3">
+            <a:schemeClr val="dk1"/>
+          </a:lnRef>
+          <a:fillRef idx="0">
+            <a:schemeClr val="dk1"/>
+          </a:fillRef>
+          <a:effectRef idx="2">
+            <a:schemeClr val="dk1"/>
+          </a:effectRef>
+          <a:fontRef idx="minor">
+            <a:schemeClr val="tx1"/>
+          </a:fontRef>
+        </p:style>
+      </p:cxnSp>
+    </p:spTree>
+    <p:extLst>
+      <p:ext uri="{BB962C8B-B14F-4D97-AF65-F5344CB8AC3E}">
+        <p14:creationId xmlns:p14="http://schemas.microsoft.com/office/powerpoint/2010/main" val="2540901406"/>
+      </p:ext>
+    </p:extLst>
+  </p:cSld>
+  <p:clrMapOvr>
+    <a:masterClrMapping/>
+  </p:clrMapOvr>
+  <p:timing>
+    <p:tnLst>
+      <p:par>
+        <p:cTn id="1" dur="indefinite" restart="never" nodeType="tmRoot">
+          <p:childTnLst>
+            <p:seq concurrent="1" nextAc="seek">
+              <p:cTn id="2" dur="indefinite" nodeType="mainSeq">
+                <p:childTnLst>
+                  <p:par>
+                    <p:cTn id="3" fill="hold">
+                      <p:stCondLst>
+                        <p:cond delay="indefinite"/>
+                      </p:stCondLst>
+                      <p:childTnLst>
+                        <p:par>
+                          <p:cTn id="4" fill="hold">
+                            <p:stCondLst>
+                              <p:cond delay="0"/>
+                            </p:stCondLst>
+                            <p:childTnLst>
+                              <p:par>
+                                <p:cTn id="5" presetID="1" presetClass="entr" presetSubtype="0" fill="hold" grpId="0" nodeType="clickEffect">
+                                  <p:stCondLst>
+                                    <p:cond delay="0"/>
+                                  </p:stCondLst>
+                                  <p:childTnLst>
+                                    <p:set>
+                                      <p:cBhvr>
+                                        <p:cTn id="6" dur="1" fill="hold">
+                                          <p:stCondLst>
+                                            <p:cond delay="0"/>
+                                          </p:stCondLst>
+                                        </p:cTn>
+                                        <p:tgtEl>
+                                          <p:spTgt spid="6"/>
+                                        </p:tgtEl>
+                                        <p:attrNameLst>
+                                          <p:attrName>style.visibility</p:attrName>
+                                        </p:attrNameLst>
+                                      </p:cBhvr>
+                                      <p:to>
+                                        <p:strVal val="visible"/>
+                                      </p:to>
+                                    </p:set>
+                                  </p:childTnLst>
+                                </p:cTn>
+                              </p:par>
+                            </p:childTnLst>
+                          </p:cTn>
+                        </p:par>
+                      </p:childTnLst>
+                    </p:cTn>
+                  </p:par>
+                  <p:par>
+                    <p:cTn id="7" fill="hold">
+                      <p:stCondLst>
+                        <p:cond delay="indefinite"/>
+                      </p:stCondLst>
+                      <p:childTnLst>
+                        <p:par>
+                          <p:cTn id="8" fill="hold">
+                            <p:stCondLst>
+                              <p:cond delay="0"/>
+                            </p:stCondLst>
+                            <p:childTnLst>
+                              <p:par>
+                                <p:cTn id="9" presetID="1" presetClass="entr" presetSubtype="0" fill="hold" nodeType="clickEffect">
+                                  <p:stCondLst>
+                                    <p:cond delay="0"/>
+                                  </p:stCondLst>
+                                  <p:childTnLst>
+                                    <p:set>
+                                      <p:cBhvr>
+                                        <p:cTn id="10" dur="1" fill="hold">
+                                          <p:stCondLst>
+                                            <p:cond delay="0"/>
+                                          </p:stCondLst>
+                                        </p:cTn>
+                                        <p:tgtEl>
+                                          <p:spTgt spid="9"/>
+                                        </p:tgtEl>
+                                        <p:attrNameLst>
+                                          <p:attrName>style.visibility</p:attrName>
+                                        </p:attrNameLst>
+                                      </p:cBhvr>
+                                      <p:to>
+                                        <p:strVal val="visible"/>
+                                      </p:to>
+                                    </p:set>
+                                  </p:childTnLst>
+                                </p:cTn>
+                              </p:par>
+                              <p:par>
+                                <p:cTn id="11" presetID="1" presetClass="entr" presetSubtype="0" fill="hold" grpId="0" nodeType="withEffect">
+                                  <p:stCondLst>
+                                    <p:cond delay="0"/>
+                                  </p:stCondLst>
+                                  <p:childTnLst>
+                                    <p:set>
+                                      <p:cBhvr>
+                                        <p:cTn id="12" dur="1" fill="hold">
+                                          <p:stCondLst>
+                                            <p:cond delay="0"/>
+                                          </p:stCondLst>
+                                        </p:cTn>
+                                        <p:tgtEl>
+                                          <p:spTgt spid="7"/>
+                                        </p:tgtEl>
+                                        <p:attrNameLst>
+                                          <p:attrName>style.visibility</p:attrName>
+                                        </p:attrNameLst>
+                                      </p:cBhvr>
+                                      <p:to>
+                                        <p:strVal val="visible"/>
+                                      </p:to>
+                                    </p:set>
+                                  </p:childTnLst>
+                                </p:cTn>
+                              </p:par>
+                            </p:childTnLst>
+                          </p:cTn>
+                        </p:par>
+                      </p:childTnLst>
+                    </p:cTn>
+                  </p:par>
+                  <p:par>
+                    <p:cTn id="13" fill="hold">
+                      <p:stCondLst>
+                        <p:cond delay="indefinite"/>
+                      </p:stCondLst>
+                      <p:childTnLst>
+                        <p:par>
+                          <p:cTn id="14" fill="hold">
+                            <p:stCondLst>
+                              <p:cond delay="0"/>
+                            </p:stCondLst>
+                            <p:childTnLst>
+                              <p:par>
+                                <p:cTn id="15" presetID="1" presetClass="entr" presetSubtype="0" fill="hold" nodeType="clickEffect">
+                                  <p:stCondLst>
+                                    <p:cond delay="0"/>
+                                  </p:stCondLst>
+                                  <p:childTnLst>
+                                    <p:set>
+                                      <p:cBhvr>
+                                        <p:cTn id="16" dur="1" fill="hold">
+                                          <p:stCondLst>
+                                            <p:cond delay="0"/>
+                                          </p:stCondLst>
+                                        </p:cTn>
+                                        <p:tgtEl>
+                                          <p:spTgt spid="12"/>
+                                        </p:tgtEl>
+                                        <p:attrNameLst>
+                                          <p:attrName>style.visibility</p:attrName>
+                                        </p:attrNameLst>
+                                      </p:cBhvr>
+                                      <p:to>
+                                        <p:strVal val="visible"/>
+                                      </p:to>
+                                    </p:set>
+                                  </p:childTnLst>
+                                </p:cTn>
+                              </p:par>
+                              <p:par>
+                                <p:cTn id="17" presetID="1" presetClass="entr" presetSubtype="0" fill="hold" grpId="0" nodeType="withEffect">
+                                  <p:stCondLst>
+                                    <p:cond delay="0"/>
+                                  </p:stCondLst>
+                                  <p:childTnLst>
+                                    <p:set>
+                                      <p:cBhvr>
+                                        <p:cTn id="18" dur="1" fill="hold">
+                                          <p:stCondLst>
+                                            <p:cond delay="0"/>
+                                          </p:stCondLst>
+                                        </p:cTn>
+                                        <p:tgtEl>
+                                          <p:spTgt spid="4"/>
+                                        </p:tgtEl>
+                                        <p:attrNameLst>
+                                          <p:attrName>style.visibility</p:attrName>
+                                        </p:attrNameLst>
+                                      </p:cBhvr>
+                                      <p:to>
+                                        <p:strVal val="visible"/>
+                                      </p:to>
+                                    </p:set>
+                                  </p:childTnLst>
+                                </p:cTn>
+                              </p:par>
+                            </p:childTnLst>
+                          </p:cTn>
+                        </p:par>
+                      </p:childTnLst>
+                    </p:cTn>
+                  </p:par>
+                  <p:par>
+                    <p:cTn id="19" fill="hold">
+                      <p:stCondLst>
+                        <p:cond delay="indefinite"/>
+                      </p:stCondLst>
+                      <p:childTnLst>
+                        <p:par>
+                          <p:cTn id="20" fill="hold">
+                            <p:stCondLst>
+                              <p:cond delay="0"/>
+                            </p:stCondLst>
+                            <p:childTnLst>
+                              <p:par>
+                                <p:cTn id="21" presetID="1" presetClass="entr" presetSubtype="0" fill="hold" grpId="0" nodeType="clickEffect">
+                                  <p:stCondLst>
+                                    <p:cond delay="0"/>
+                                  </p:stCondLst>
+                                  <p:childTnLst>
+                                    <p:set>
+                                      <p:cBhvr>
+                                        <p:cTn id="22" dur="1" fill="hold">
+                                          <p:stCondLst>
+                                            <p:cond delay="0"/>
+                                          </p:stCondLst>
+                                        </p:cTn>
+                                        <p:tgtEl>
+                                          <p:spTgt spid="5"/>
+                                        </p:tgtEl>
+                                        <p:attrNameLst>
+                                          <p:attrName>style.visibility</p:attrName>
+                                        </p:attrNameLst>
+                                      </p:cBhvr>
+                                      <p:to>
+                                        <p:strVal val="visible"/>
+                                      </p:to>
+                                    </p:set>
+                                  </p:childTnLst>
+                                </p:cTn>
+                              </p:par>
+                            </p:childTnLst>
+                          </p:cTn>
+                        </p:par>
+                      </p:childTnLst>
+                    </p:cTn>
+                  </p:par>
+                </p:childTnLst>
+              </p:cTn>
+              <p:prevCondLst>
+                <p:cond evt="onPrev" delay="0">
+                  <p:tgtEl>
+                    <p:sldTgt/>
+                  </p:tgtEl>
+                </p:cond>
+              </p:prevCondLst>
+              <p:nextCondLst>
+                <p:cond evt="onNext" delay="0">
+                  <p:tgtEl>
+                    <p:sldTgt/>
+                  </p:tgtEl>
+                </p:cond>
+              </p:nextCondLst>
+            </p:seq>
+          </p:childTnLst>
+        </p:cTn>
+      </p:par>
+    </p:tnLst>
+    <p:bldLst>
+      <p:bldP spid="4" grpId="0" animBg="1"/>
+      <p:bldP spid="5" grpId="0" animBg="1"/>
+      <p:bldP spid="6" grpId="0" animBg="1"/>
+      <p:bldP spid="7" grpId="0" animBg="1"/>
+    </p:bldLst>
+  </p:timing>
 </p:sld>
 </file>
 

--- a/Slides/7_Putting it Together.pptx
+++ b/Slides/7_Putting it Together.pptx
@@ -5,13 +5,18 @@
     <p:sldMasterId id="2147483648" r:id="rId1"/>
   </p:sldMasterIdLst>
   <p:notesMasterIdLst>
-    <p:notesMasterId r:id="rId6"/>
+    <p:notesMasterId r:id="rId11"/>
   </p:notesMasterIdLst>
   <p:sldIdLst>
     <p:sldId id="256" r:id="rId2"/>
-    <p:sldId id="307" r:id="rId3"/>
-    <p:sldId id="309" r:id="rId4"/>
+    <p:sldId id="311" r:id="rId3"/>
+    <p:sldId id="307" r:id="rId4"/>
     <p:sldId id="308" r:id="rId5"/>
+    <p:sldId id="309" r:id="rId6"/>
+    <p:sldId id="310" r:id="rId7"/>
+    <p:sldId id="313" r:id="rId8"/>
+    <p:sldId id="312" r:id="rId9"/>
+    <p:sldId id="322" r:id="rId10"/>
   </p:sldIdLst>
   <p:sldSz cx="12192000" cy="6858000"/>
   <p:notesSz cx="6858000" cy="9144000"/>
@@ -200,7 +205,7 @@
           <a:p>
             <a:fld id="{FE0698A4-8696-4B25-BC16-7D62971AF3FD}" type="datetimeFigureOut">
               <a:rPr lang="en-US" smtClean="0"/>
-              <a:t>8/12/2021</a:t>
+              <a:t>8/14/2021</a:t>
             </a:fld>
             <a:endParaRPr lang="en-US"/>
           </a:p>
@@ -552,7 +557,7 @@
           <a:p>
             <a:fld id="{AC7DBBF0-68E7-4C40-A2FD-3D553E496C2E}" type="slidenum">
               <a:rPr lang="en-US" smtClean="0"/>
-              <a:t>2</a:t>
+              <a:t>3</a:t>
             </a:fld>
             <a:endParaRPr lang="en-US"/>
           </a:p>
@@ -656,7 +661,7 @@
           <a:p>
             <a:fld id="{AC7DBBF0-68E7-4C40-A2FD-3D553E496C2E}" type="slidenum">
               <a:rPr lang="en-US" smtClean="0"/>
-              <a:t>3</a:t>
+              <a:t>4</a:t>
             </a:fld>
             <a:endParaRPr lang="en-US"/>
           </a:p>
@@ -665,7 +670,7 @@
     </p:spTree>
     <p:extLst>
       <p:ext uri="{BB962C8B-B14F-4D97-AF65-F5344CB8AC3E}">
-        <p14:creationId xmlns:p14="http://schemas.microsoft.com/office/powerpoint/2010/main" val="3916101081"/>
+        <p14:creationId xmlns:p14="http://schemas.microsoft.com/office/powerpoint/2010/main" val="1104916175"/>
       </p:ext>
     </p:extLst>
   </p:cSld>
@@ -760,7 +765,7 @@
           <a:p>
             <a:fld id="{AC7DBBF0-68E7-4C40-A2FD-3D553E496C2E}" type="slidenum">
               <a:rPr lang="en-US" smtClean="0"/>
-              <a:t>4</a:t>
+              <a:t>5</a:t>
             </a:fld>
             <a:endParaRPr lang="en-US"/>
           </a:p>
@@ -769,7 +774,111 @@
     </p:spTree>
     <p:extLst>
       <p:ext uri="{BB962C8B-B14F-4D97-AF65-F5344CB8AC3E}">
-        <p14:creationId xmlns:p14="http://schemas.microsoft.com/office/powerpoint/2010/main" val="1104916175"/>
+        <p14:creationId xmlns:p14="http://schemas.microsoft.com/office/powerpoint/2010/main" val="3916101081"/>
+      </p:ext>
+    </p:extLst>
+  </p:cSld>
+  <p:clrMapOvr>
+    <a:masterClrMapping/>
+  </p:clrMapOvr>
+</p:notes>
+</file>
+
+<file path=ppt/notesSlides/notesSlide4.xml><?xml version="1.0" encoding="utf-8"?>
+<p:notes xmlns:a="http://schemas.openxmlformats.org/drawingml/2006/main" xmlns:r="http://schemas.openxmlformats.org/officeDocument/2006/relationships" xmlns:p="http://schemas.openxmlformats.org/presentationml/2006/main">
+  <p:cSld>
+    <p:spTree>
+      <p:nvGrpSpPr>
+        <p:cNvPr id="1" name=""/>
+        <p:cNvGrpSpPr/>
+        <p:nvPr/>
+      </p:nvGrpSpPr>
+      <p:grpSpPr>
+        <a:xfrm>
+          <a:off x="0" y="0"/>
+          <a:ext cx="0" cy="0"/>
+          <a:chOff x="0" y="0"/>
+          <a:chExt cx="0" cy="0"/>
+        </a:xfrm>
+      </p:grpSpPr>
+      <p:sp>
+        <p:nvSpPr>
+          <p:cNvPr id="2" name="Slide Image Placeholder 1"/>
+          <p:cNvSpPr>
+            <a:spLocks noGrp="1" noRot="1" noChangeAspect="1"/>
+          </p:cNvSpPr>
+          <p:nvPr>
+            <p:ph type="sldImg"/>
+          </p:nvPr>
+        </p:nvSpPr>
+        <p:spPr/>
+      </p:sp>
+      <p:sp>
+        <p:nvSpPr>
+          <p:cNvPr id="3" name="Notes Placeholder 2"/>
+          <p:cNvSpPr>
+            <a:spLocks noGrp="1"/>
+          </p:cNvSpPr>
+          <p:nvPr>
+            <p:ph type="body" idx="1"/>
+          </p:nvPr>
+        </p:nvSpPr>
+        <p:spPr/>
+        <p:txBody>
+          <a:bodyPr/>
+          <a:lstStyle/>
+          <a:p>
+            <a:r>
+              <a:rPr lang="en-US" dirty="0"/>
+              <a:t>Architectural drawing</a:t>
+            </a:r>
+          </a:p>
+          <a:p>
+            <a:endParaRPr lang="en-US" dirty="0"/>
+          </a:p>
+          <a:p>
+            <a:r>
+              <a:rPr lang="en-US" dirty="0"/>
+              <a:t>Front-end (Vue) -&gt; Back-end (ASP.NET Core) -&gt; Other services (Database, </a:t>
+            </a:r>
+            <a:r>
+              <a:rPr lang="en-US" dirty="0" err="1"/>
+              <a:t>etc</a:t>
+            </a:r>
+            <a:r>
+              <a:rPr lang="en-US" dirty="0"/>
+              <a:t>)</a:t>
+            </a:r>
+          </a:p>
+        </p:txBody>
+      </p:sp>
+      <p:sp>
+        <p:nvSpPr>
+          <p:cNvPr id="4" name="Slide Number Placeholder 3"/>
+          <p:cNvSpPr>
+            <a:spLocks noGrp="1"/>
+          </p:cNvSpPr>
+          <p:nvPr>
+            <p:ph type="sldNum" sz="quarter" idx="5"/>
+          </p:nvPr>
+        </p:nvSpPr>
+        <p:spPr/>
+        <p:txBody>
+          <a:bodyPr/>
+          <a:lstStyle/>
+          <a:p>
+            <a:fld id="{AC7DBBF0-68E7-4C40-A2FD-3D553E496C2E}" type="slidenum">
+              <a:rPr lang="en-US" smtClean="0"/>
+              <a:t>6</a:t>
+            </a:fld>
+            <a:endParaRPr lang="en-US"/>
+          </a:p>
+        </p:txBody>
+      </p:sp>
+    </p:spTree>
+    <p:extLst>
+      <p:ext uri="{BB962C8B-B14F-4D97-AF65-F5344CB8AC3E}">
+        <p14:creationId xmlns:p14="http://schemas.microsoft.com/office/powerpoint/2010/main" val="3787439359"/>
       </p:ext>
     </p:extLst>
   </p:cSld>
@@ -926,7 +1035,7 @@
           <a:p>
             <a:fld id="{52B491D6-D58D-44B5-AD9D-0243D7ABB41E}" type="datetimeFigureOut">
               <a:rPr lang="en-US" smtClean="0"/>
-              <a:t>8/12/2021</a:t>
+              <a:t>8/14/2021</a:t>
             </a:fld>
             <a:endParaRPr lang="en-US"/>
           </a:p>
@@ -1124,7 +1233,7 @@
           <a:p>
             <a:fld id="{52B491D6-D58D-44B5-AD9D-0243D7ABB41E}" type="datetimeFigureOut">
               <a:rPr lang="en-US" smtClean="0"/>
-              <a:t>8/12/2021</a:t>
+              <a:t>8/14/2021</a:t>
             </a:fld>
             <a:endParaRPr lang="en-US"/>
           </a:p>
@@ -1332,7 +1441,7 @@
           <a:p>
             <a:fld id="{52B491D6-D58D-44B5-AD9D-0243D7ABB41E}" type="datetimeFigureOut">
               <a:rPr lang="en-US" smtClean="0"/>
-              <a:t>8/12/2021</a:t>
+              <a:t>8/14/2021</a:t>
             </a:fld>
             <a:endParaRPr lang="en-US"/>
           </a:p>
@@ -1530,7 +1639,7 @@
           <a:p>
             <a:fld id="{52B491D6-D58D-44B5-AD9D-0243D7ABB41E}" type="datetimeFigureOut">
               <a:rPr lang="en-US" smtClean="0"/>
-              <a:t>8/12/2021</a:t>
+              <a:t>8/14/2021</a:t>
             </a:fld>
             <a:endParaRPr lang="en-US"/>
           </a:p>
@@ -1805,7 +1914,7 @@
           <a:p>
             <a:fld id="{52B491D6-D58D-44B5-AD9D-0243D7ABB41E}" type="datetimeFigureOut">
               <a:rPr lang="en-US" smtClean="0"/>
-              <a:t>8/12/2021</a:t>
+              <a:t>8/14/2021</a:t>
             </a:fld>
             <a:endParaRPr lang="en-US"/>
           </a:p>
@@ -2070,7 +2179,7 @@
           <a:p>
             <a:fld id="{52B491D6-D58D-44B5-AD9D-0243D7ABB41E}" type="datetimeFigureOut">
               <a:rPr lang="en-US" smtClean="0"/>
-              <a:t>8/12/2021</a:t>
+              <a:t>8/14/2021</a:t>
             </a:fld>
             <a:endParaRPr lang="en-US"/>
           </a:p>
@@ -2482,7 +2591,7 @@
           <a:p>
             <a:fld id="{52B491D6-D58D-44B5-AD9D-0243D7ABB41E}" type="datetimeFigureOut">
               <a:rPr lang="en-US" smtClean="0"/>
-              <a:t>8/12/2021</a:t>
+              <a:t>8/14/2021</a:t>
             </a:fld>
             <a:endParaRPr lang="en-US"/>
           </a:p>
@@ -2623,7 +2732,7 @@
           <a:p>
             <a:fld id="{52B491D6-D58D-44B5-AD9D-0243D7ABB41E}" type="datetimeFigureOut">
               <a:rPr lang="en-US" smtClean="0"/>
-              <a:t>8/12/2021</a:t>
+              <a:t>8/14/2021</a:t>
             </a:fld>
             <a:endParaRPr lang="en-US"/>
           </a:p>
@@ -2736,7 +2845,7 @@
           <a:p>
             <a:fld id="{52B491D6-D58D-44B5-AD9D-0243D7ABB41E}" type="datetimeFigureOut">
               <a:rPr lang="en-US" smtClean="0"/>
-              <a:t>8/12/2021</a:t>
+              <a:t>8/14/2021</a:t>
             </a:fld>
             <a:endParaRPr lang="en-US"/>
           </a:p>
@@ -3047,7 +3156,7 @@
           <a:p>
             <a:fld id="{52B491D6-D58D-44B5-AD9D-0243D7ABB41E}" type="datetimeFigureOut">
               <a:rPr lang="en-US" smtClean="0"/>
-              <a:t>8/12/2021</a:t>
+              <a:t>8/14/2021</a:t>
             </a:fld>
             <a:endParaRPr lang="en-US"/>
           </a:p>
@@ -3335,7 +3444,7 @@
           <a:p>
             <a:fld id="{52B491D6-D58D-44B5-AD9D-0243D7ABB41E}" type="datetimeFigureOut">
               <a:rPr lang="en-US" smtClean="0"/>
-              <a:t>8/12/2021</a:t>
+              <a:t>8/14/2021</a:t>
             </a:fld>
             <a:endParaRPr lang="en-US"/>
           </a:p>
@@ -3576,7 +3685,7 @@
           <a:p>
             <a:fld id="{52B491D6-D58D-44B5-AD9D-0243D7ABB41E}" type="datetimeFigureOut">
               <a:rPr lang="en-US" smtClean="0"/>
-              <a:t>8/12/2021</a:t>
+              <a:t>8/14/2021</a:t>
             </a:fld>
             <a:endParaRPr lang="en-US"/>
           </a:p>
@@ -4089,6 +4198,89 @@
           <p:cNvPr id="2" name="Title 1">
             <a:extLst>
               <a:ext uri="{FF2B5EF4-FFF2-40B4-BE49-F238E27FC236}">
+                <a16:creationId xmlns:a16="http://schemas.microsoft.com/office/drawing/2014/main" id="{C86E51C7-F239-41AC-A7C4-F5CAD6E768A7}"/>
+              </a:ext>
+            </a:extLst>
+          </p:cNvPr>
+          <p:cNvSpPr>
+            <a:spLocks noGrp="1"/>
+          </p:cNvSpPr>
+          <p:nvPr>
+            <p:ph type="title"/>
+          </p:nvPr>
+        </p:nvSpPr>
+        <p:spPr/>
+        <p:txBody>
+          <a:bodyPr/>
+          <a:lstStyle/>
+          <a:p>
+            <a:r>
+              <a:rPr lang="en-US" dirty="0"/>
+              <a:t>Development and Production Environments</a:t>
+            </a:r>
+          </a:p>
+        </p:txBody>
+      </p:sp>
+      <p:sp>
+        <p:nvSpPr>
+          <p:cNvPr id="3" name="Text Placeholder 2">
+            <a:extLst>
+              <a:ext uri="{FF2B5EF4-FFF2-40B4-BE49-F238E27FC236}">
+                <a16:creationId xmlns:a16="http://schemas.microsoft.com/office/drawing/2014/main" id="{2DE5B94A-B388-43D3-90B2-D1975AAFEEEA}"/>
+              </a:ext>
+            </a:extLst>
+          </p:cNvPr>
+          <p:cNvSpPr>
+            <a:spLocks noGrp="1"/>
+          </p:cNvSpPr>
+          <p:nvPr>
+            <p:ph type="body" idx="1"/>
+          </p:nvPr>
+        </p:nvSpPr>
+        <p:spPr/>
+        <p:txBody>
+          <a:bodyPr/>
+          <a:lstStyle/>
+          <a:p>
+            <a:endParaRPr lang="en-US"/>
+          </a:p>
+        </p:txBody>
+      </p:sp>
+    </p:spTree>
+    <p:extLst>
+      <p:ext uri="{BB962C8B-B14F-4D97-AF65-F5344CB8AC3E}">
+        <p14:creationId xmlns:p14="http://schemas.microsoft.com/office/powerpoint/2010/main" val="683773168"/>
+      </p:ext>
+    </p:extLst>
+  </p:cSld>
+  <p:clrMapOvr>
+    <a:masterClrMapping/>
+  </p:clrMapOvr>
+</p:sld>
+</file>
+
+<file path=ppt/slides/slide3.xml><?xml version="1.0" encoding="utf-8"?>
+<p:sld xmlns:a="http://schemas.openxmlformats.org/drawingml/2006/main" xmlns:r="http://schemas.openxmlformats.org/officeDocument/2006/relationships" xmlns:p="http://schemas.openxmlformats.org/presentationml/2006/main">
+  <p:cSld>
+    <p:spTree>
+      <p:nvGrpSpPr>
+        <p:cNvPr id="1" name=""/>
+        <p:cNvGrpSpPr/>
+        <p:nvPr/>
+      </p:nvGrpSpPr>
+      <p:grpSpPr>
+        <a:xfrm>
+          <a:off x="0" y="0"/>
+          <a:ext cx="0" cy="0"/>
+          <a:chOff x="0" y="0"/>
+          <a:chExt cx="0" cy="0"/>
+        </a:xfrm>
+      </p:grpSpPr>
+      <p:sp>
+        <p:nvSpPr>
+          <p:cNvPr id="2" name="Title 1">
+            <a:extLst>
+              <a:ext uri="{FF2B5EF4-FFF2-40B4-BE49-F238E27FC236}">
                 <a16:creationId xmlns:a16="http://schemas.microsoft.com/office/drawing/2014/main" id="{585559B1-CE8A-4AC6-AE47-85EAEE54958F}"/>
               </a:ext>
             </a:extLst>
@@ -4513,814 +4705,6 @@
     <p:extLst>
       <p:ext uri="{BB962C8B-B14F-4D97-AF65-F5344CB8AC3E}">
         <p14:creationId xmlns:p14="http://schemas.microsoft.com/office/powerpoint/2010/main" val="779658408"/>
-      </p:ext>
-    </p:extLst>
-  </p:cSld>
-  <p:clrMapOvr>
-    <a:masterClrMapping/>
-  </p:clrMapOvr>
-  <p:timing>
-    <p:tnLst>
-      <p:par>
-        <p:cTn id="1" dur="indefinite" restart="never" nodeType="tmRoot">
-          <p:childTnLst>
-            <p:seq concurrent="1" nextAc="seek">
-              <p:cTn id="2" dur="indefinite" nodeType="mainSeq">
-                <p:childTnLst>
-                  <p:par>
-                    <p:cTn id="3" fill="hold">
-                      <p:stCondLst>
-                        <p:cond delay="indefinite"/>
-                      </p:stCondLst>
-                      <p:childTnLst>
-                        <p:par>
-                          <p:cTn id="4" fill="hold">
-                            <p:stCondLst>
-                              <p:cond delay="0"/>
-                            </p:stCondLst>
-                            <p:childTnLst>
-                              <p:par>
-                                <p:cTn id="5" presetID="1" presetClass="entr" presetSubtype="0" fill="hold" grpId="0" nodeType="clickEffect">
-                                  <p:stCondLst>
-                                    <p:cond delay="0"/>
-                                  </p:stCondLst>
-                                  <p:childTnLst>
-                                    <p:set>
-                                      <p:cBhvr>
-                                        <p:cTn id="6" dur="1" fill="hold">
-                                          <p:stCondLst>
-                                            <p:cond delay="0"/>
-                                          </p:stCondLst>
-                                        </p:cTn>
-                                        <p:tgtEl>
-                                          <p:spTgt spid="6"/>
-                                        </p:tgtEl>
-                                        <p:attrNameLst>
-                                          <p:attrName>style.visibility</p:attrName>
-                                        </p:attrNameLst>
-                                      </p:cBhvr>
-                                      <p:to>
-                                        <p:strVal val="visible"/>
-                                      </p:to>
-                                    </p:set>
-                                  </p:childTnLst>
-                                </p:cTn>
-                              </p:par>
-                            </p:childTnLst>
-                          </p:cTn>
-                        </p:par>
-                      </p:childTnLst>
-                    </p:cTn>
-                  </p:par>
-                  <p:par>
-                    <p:cTn id="7" fill="hold">
-                      <p:stCondLst>
-                        <p:cond delay="indefinite"/>
-                      </p:stCondLst>
-                      <p:childTnLst>
-                        <p:par>
-                          <p:cTn id="8" fill="hold">
-                            <p:stCondLst>
-                              <p:cond delay="0"/>
-                            </p:stCondLst>
-                            <p:childTnLst>
-                              <p:par>
-                                <p:cTn id="9" presetID="1" presetClass="entr" presetSubtype="0" fill="hold" grpId="0" nodeType="clickEffect">
-                                  <p:stCondLst>
-                                    <p:cond delay="0"/>
-                                  </p:stCondLst>
-                                  <p:childTnLst>
-                                    <p:set>
-                                      <p:cBhvr>
-                                        <p:cTn id="10" dur="1" fill="hold">
-                                          <p:stCondLst>
-                                            <p:cond delay="0"/>
-                                          </p:stCondLst>
-                                        </p:cTn>
-                                        <p:tgtEl>
-                                          <p:spTgt spid="7"/>
-                                        </p:tgtEl>
-                                        <p:attrNameLst>
-                                          <p:attrName>style.visibility</p:attrName>
-                                        </p:attrNameLst>
-                                      </p:cBhvr>
-                                      <p:to>
-                                        <p:strVal val="visible"/>
-                                      </p:to>
-                                    </p:set>
-                                  </p:childTnLst>
-                                </p:cTn>
-                              </p:par>
-                              <p:par>
-                                <p:cTn id="11" presetID="1" presetClass="entr" presetSubtype="0" fill="hold" nodeType="withEffect">
-                                  <p:stCondLst>
-                                    <p:cond delay="0"/>
-                                  </p:stCondLst>
-                                  <p:childTnLst>
-                                    <p:set>
-                                      <p:cBhvr>
-                                        <p:cTn id="12" dur="1" fill="hold">
-                                          <p:stCondLst>
-                                            <p:cond delay="0"/>
-                                          </p:stCondLst>
-                                        </p:cTn>
-                                        <p:tgtEl>
-                                          <p:spTgt spid="9"/>
-                                        </p:tgtEl>
-                                        <p:attrNameLst>
-                                          <p:attrName>style.visibility</p:attrName>
-                                        </p:attrNameLst>
-                                      </p:cBhvr>
-                                      <p:to>
-                                        <p:strVal val="visible"/>
-                                      </p:to>
-                                    </p:set>
-                                  </p:childTnLst>
-                                </p:cTn>
-                              </p:par>
-                            </p:childTnLst>
-                          </p:cTn>
-                        </p:par>
-                      </p:childTnLst>
-                    </p:cTn>
-                  </p:par>
-                  <p:par>
-                    <p:cTn id="13" fill="hold">
-                      <p:stCondLst>
-                        <p:cond delay="indefinite"/>
-                      </p:stCondLst>
-                      <p:childTnLst>
-                        <p:par>
-                          <p:cTn id="14" fill="hold">
-                            <p:stCondLst>
-                              <p:cond delay="0"/>
-                            </p:stCondLst>
-                            <p:childTnLst>
-                              <p:par>
-                                <p:cTn id="15" presetID="1" presetClass="entr" presetSubtype="0" fill="hold" nodeType="clickEffect">
-                                  <p:stCondLst>
-                                    <p:cond delay="0"/>
-                                  </p:stCondLst>
-                                  <p:childTnLst>
-                                    <p:set>
-                                      <p:cBhvr>
-                                        <p:cTn id="16" dur="1" fill="hold">
-                                          <p:stCondLst>
-                                            <p:cond delay="0"/>
-                                          </p:stCondLst>
-                                        </p:cTn>
-                                        <p:tgtEl>
-                                          <p:spTgt spid="12"/>
-                                        </p:tgtEl>
-                                        <p:attrNameLst>
-                                          <p:attrName>style.visibility</p:attrName>
-                                        </p:attrNameLst>
-                                      </p:cBhvr>
-                                      <p:to>
-                                        <p:strVal val="visible"/>
-                                      </p:to>
-                                    </p:set>
-                                  </p:childTnLst>
-                                </p:cTn>
-                              </p:par>
-                              <p:par>
-                                <p:cTn id="17" presetID="1" presetClass="entr" presetSubtype="0" fill="hold" grpId="0" nodeType="withEffect">
-                                  <p:stCondLst>
-                                    <p:cond delay="0"/>
-                                  </p:stCondLst>
-                                  <p:childTnLst>
-                                    <p:set>
-                                      <p:cBhvr>
-                                        <p:cTn id="18" dur="1" fill="hold">
-                                          <p:stCondLst>
-                                            <p:cond delay="0"/>
-                                          </p:stCondLst>
-                                        </p:cTn>
-                                        <p:tgtEl>
-                                          <p:spTgt spid="4"/>
-                                        </p:tgtEl>
-                                        <p:attrNameLst>
-                                          <p:attrName>style.visibility</p:attrName>
-                                        </p:attrNameLst>
-                                      </p:cBhvr>
-                                      <p:to>
-                                        <p:strVal val="visible"/>
-                                      </p:to>
-                                    </p:set>
-                                  </p:childTnLst>
-                                </p:cTn>
-                              </p:par>
-                              <p:par>
-                                <p:cTn id="19" presetID="1" presetClass="entr" presetSubtype="0" fill="hold" grpId="0" nodeType="withEffect">
-                                  <p:stCondLst>
-                                    <p:cond delay="0"/>
-                                  </p:stCondLst>
-                                  <p:childTnLst>
-                                    <p:set>
-                                      <p:cBhvr>
-                                        <p:cTn id="20" dur="1" fill="hold">
-                                          <p:stCondLst>
-                                            <p:cond delay="0"/>
-                                          </p:stCondLst>
-                                        </p:cTn>
-                                        <p:tgtEl>
-                                          <p:spTgt spid="24"/>
-                                        </p:tgtEl>
-                                        <p:attrNameLst>
-                                          <p:attrName>style.visibility</p:attrName>
-                                        </p:attrNameLst>
-                                      </p:cBhvr>
-                                      <p:to>
-                                        <p:strVal val="visible"/>
-                                      </p:to>
-                                    </p:set>
-                                  </p:childTnLst>
-                                </p:cTn>
-                              </p:par>
-                            </p:childTnLst>
-                          </p:cTn>
-                        </p:par>
-                      </p:childTnLst>
-                    </p:cTn>
-                  </p:par>
-                  <p:par>
-                    <p:cTn id="21" fill="hold">
-                      <p:stCondLst>
-                        <p:cond delay="indefinite"/>
-                      </p:stCondLst>
-                      <p:childTnLst>
-                        <p:par>
-                          <p:cTn id="22" fill="hold">
-                            <p:stCondLst>
-                              <p:cond delay="0"/>
-                            </p:stCondLst>
-                            <p:childTnLst>
-                              <p:par>
-                                <p:cTn id="23" presetID="1" presetClass="entr" presetSubtype="0" fill="hold" nodeType="clickEffect">
-                                  <p:stCondLst>
-                                    <p:cond delay="0"/>
-                                  </p:stCondLst>
-                                  <p:childTnLst>
-                                    <p:set>
-                                      <p:cBhvr>
-                                        <p:cTn id="24" dur="1" fill="hold">
-                                          <p:stCondLst>
-                                            <p:cond delay="0"/>
-                                          </p:stCondLst>
-                                        </p:cTn>
-                                        <p:tgtEl>
-                                          <p:spTgt spid="13"/>
-                                        </p:tgtEl>
-                                        <p:attrNameLst>
-                                          <p:attrName>style.visibility</p:attrName>
-                                        </p:attrNameLst>
-                                      </p:cBhvr>
-                                      <p:to>
-                                        <p:strVal val="visible"/>
-                                      </p:to>
-                                    </p:set>
-                                  </p:childTnLst>
-                                </p:cTn>
-                              </p:par>
-                              <p:par>
-                                <p:cTn id="25" presetID="1" presetClass="entr" presetSubtype="0" fill="hold" grpId="0" nodeType="withEffect">
-                                  <p:stCondLst>
-                                    <p:cond delay="0"/>
-                                  </p:stCondLst>
-                                  <p:childTnLst>
-                                    <p:set>
-                                      <p:cBhvr>
-                                        <p:cTn id="26" dur="1" fill="hold">
-                                          <p:stCondLst>
-                                            <p:cond delay="0"/>
-                                          </p:stCondLst>
-                                        </p:cTn>
-                                        <p:tgtEl>
-                                          <p:spTgt spid="5"/>
-                                        </p:tgtEl>
-                                        <p:attrNameLst>
-                                          <p:attrName>style.visibility</p:attrName>
-                                        </p:attrNameLst>
-                                      </p:cBhvr>
-                                      <p:to>
-                                        <p:strVal val="visible"/>
-                                      </p:to>
-                                    </p:set>
-                                  </p:childTnLst>
-                                </p:cTn>
-                              </p:par>
-                              <p:par>
-                                <p:cTn id="27" presetID="1" presetClass="entr" presetSubtype="0" fill="hold" grpId="0" nodeType="withEffect">
-                                  <p:stCondLst>
-                                    <p:cond delay="0"/>
-                                  </p:stCondLst>
-                                  <p:childTnLst>
-                                    <p:set>
-                                      <p:cBhvr>
-                                        <p:cTn id="28" dur="1" fill="hold">
-                                          <p:stCondLst>
-                                            <p:cond delay="0"/>
-                                          </p:stCondLst>
-                                        </p:cTn>
-                                        <p:tgtEl>
-                                          <p:spTgt spid="25"/>
-                                        </p:tgtEl>
-                                        <p:attrNameLst>
-                                          <p:attrName>style.visibility</p:attrName>
-                                        </p:attrNameLst>
-                                      </p:cBhvr>
-                                      <p:to>
-                                        <p:strVal val="visible"/>
-                                      </p:to>
-                                    </p:set>
-                                  </p:childTnLst>
-                                </p:cTn>
-                              </p:par>
-                            </p:childTnLst>
-                          </p:cTn>
-                        </p:par>
-                      </p:childTnLst>
-                    </p:cTn>
-                  </p:par>
-                </p:childTnLst>
-              </p:cTn>
-              <p:prevCondLst>
-                <p:cond evt="onPrev" delay="0">
-                  <p:tgtEl>
-                    <p:sldTgt/>
-                  </p:tgtEl>
-                </p:cond>
-              </p:prevCondLst>
-              <p:nextCondLst>
-                <p:cond evt="onNext" delay="0">
-                  <p:tgtEl>
-                    <p:sldTgt/>
-                  </p:tgtEl>
-                </p:cond>
-              </p:nextCondLst>
-            </p:seq>
-          </p:childTnLst>
-        </p:cTn>
-      </p:par>
-    </p:tnLst>
-    <p:bldLst>
-      <p:bldP spid="4" grpId="0" animBg="1"/>
-      <p:bldP spid="5" grpId="0" animBg="1"/>
-      <p:bldP spid="6" grpId="0" animBg="1"/>
-      <p:bldP spid="7" grpId="0" animBg="1"/>
-      <p:bldP spid="24" grpId="0"/>
-      <p:bldP spid="25" grpId="0"/>
-    </p:bldLst>
-  </p:timing>
-</p:sld>
-</file>
-
-<file path=ppt/slides/slide3.xml><?xml version="1.0" encoding="utf-8"?>
-<p:sld xmlns:a="http://schemas.openxmlformats.org/drawingml/2006/main" xmlns:r="http://schemas.openxmlformats.org/officeDocument/2006/relationships" xmlns:p="http://schemas.openxmlformats.org/presentationml/2006/main">
-  <p:cSld>
-    <p:spTree>
-      <p:nvGrpSpPr>
-        <p:cNvPr id="1" name=""/>
-        <p:cNvGrpSpPr/>
-        <p:nvPr/>
-      </p:nvGrpSpPr>
-      <p:grpSpPr>
-        <a:xfrm>
-          <a:off x="0" y="0"/>
-          <a:ext cx="0" cy="0"/>
-          <a:chOff x="0" y="0"/>
-          <a:chExt cx="0" cy="0"/>
-        </a:xfrm>
-      </p:grpSpPr>
-      <p:sp>
-        <p:nvSpPr>
-          <p:cNvPr id="2" name="Title 1">
-            <a:extLst>
-              <a:ext uri="{FF2B5EF4-FFF2-40B4-BE49-F238E27FC236}">
-                <a16:creationId xmlns:a16="http://schemas.microsoft.com/office/drawing/2014/main" id="{585559B1-CE8A-4AC6-AE47-85EAEE54958F}"/>
-              </a:ext>
-            </a:extLst>
-          </p:cNvPr>
-          <p:cNvSpPr>
-            <a:spLocks noGrp="1"/>
-          </p:cNvSpPr>
-          <p:nvPr>
-            <p:ph type="title"/>
-          </p:nvPr>
-        </p:nvSpPr>
-        <p:spPr/>
-        <p:txBody>
-          <a:bodyPr/>
-          <a:lstStyle/>
-          <a:p>
-            <a:r>
-              <a:rPr lang="en-US" dirty="0"/>
-              <a:t>Architecture of a SPA (Dev)</a:t>
-            </a:r>
-          </a:p>
-        </p:txBody>
-      </p:sp>
-      <p:sp>
-        <p:nvSpPr>
-          <p:cNvPr id="4" name="Rectangle 3">
-            <a:extLst>
-              <a:ext uri="{FF2B5EF4-FFF2-40B4-BE49-F238E27FC236}">
-                <a16:creationId xmlns:a16="http://schemas.microsoft.com/office/drawing/2014/main" id="{0A1F7EA2-C5A1-46A1-94B3-8BB84F0B968B}"/>
-              </a:ext>
-            </a:extLst>
-          </p:cNvPr>
-          <p:cNvSpPr/>
-          <p:nvPr/>
-        </p:nvSpPr>
-        <p:spPr>
-          <a:xfrm>
-            <a:off x="6345971" y="1681616"/>
-            <a:ext cx="1941535" cy="1039661"/>
-          </a:xfrm>
-          <a:prstGeom prst="rect">
-            <a:avLst/>
-          </a:prstGeom>
-        </p:spPr>
-        <p:style>
-          <a:lnRef idx="2">
-            <a:schemeClr val="accent1">
-              <a:shade val="50000"/>
-            </a:schemeClr>
-          </a:lnRef>
-          <a:fillRef idx="1">
-            <a:schemeClr val="accent1"/>
-          </a:fillRef>
-          <a:effectRef idx="0">
-            <a:schemeClr val="accent1"/>
-          </a:effectRef>
-          <a:fontRef idx="minor">
-            <a:schemeClr val="lt1"/>
-          </a:fontRef>
-        </p:style>
-        <p:txBody>
-          <a:bodyPr rtlCol="0" anchor="ctr"/>
-          <a:lstStyle/>
-          <a:p>
-            <a:pPr algn="ctr"/>
-            <a:r>
-              <a:rPr lang="en-US" dirty="0"/>
-              <a:t>ASP.NET Core Application </a:t>
-            </a:r>
-            <a:br>
-              <a:rPr lang="en-US" dirty="0"/>
-            </a:br>
-            <a:r>
-              <a:rPr lang="en-US" dirty="0"/>
-              <a:t>(Back-end)</a:t>
-            </a:r>
-          </a:p>
-        </p:txBody>
-      </p:sp>
-      <p:sp>
-        <p:nvSpPr>
-          <p:cNvPr id="5" name="Rectangle 4">
-            <a:extLst>
-              <a:ext uri="{FF2B5EF4-FFF2-40B4-BE49-F238E27FC236}">
-                <a16:creationId xmlns:a16="http://schemas.microsoft.com/office/drawing/2014/main" id="{0F49A574-C8AF-46A0-9D3E-F37FE34454DD}"/>
-              </a:ext>
-            </a:extLst>
-          </p:cNvPr>
-          <p:cNvSpPr/>
-          <p:nvPr/>
-        </p:nvSpPr>
-        <p:spPr>
-          <a:xfrm>
-            <a:off x="6345970" y="3760938"/>
-            <a:ext cx="1941535" cy="1039661"/>
-          </a:xfrm>
-          <a:prstGeom prst="rect">
-            <a:avLst/>
-          </a:prstGeom>
-        </p:spPr>
-        <p:style>
-          <a:lnRef idx="2">
-            <a:schemeClr val="accent3">
-              <a:shade val="50000"/>
-            </a:schemeClr>
-          </a:lnRef>
-          <a:fillRef idx="1">
-            <a:schemeClr val="accent3"/>
-          </a:fillRef>
-          <a:effectRef idx="0">
-            <a:schemeClr val="accent3"/>
-          </a:effectRef>
-          <a:fontRef idx="minor">
-            <a:schemeClr val="lt1"/>
-          </a:fontRef>
-        </p:style>
-        <p:txBody>
-          <a:bodyPr rtlCol="0" anchor="ctr"/>
-          <a:lstStyle/>
-          <a:p>
-            <a:pPr algn="ctr"/>
-            <a:r>
-              <a:rPr lang="en-US" dirty="0"/>
-              <a:t>Vue.JS Application (Front-end)</a:t>
-            </a:r>
-          </a:p>
-        </p:txBody>
-      </p:sp>
-      <p:sp>
-        <p:nvSpPr>
-          <p:cNvPr id="6" name="Rectangle 5">
-            <a:extLst>
-              <a:ext uri="{FF2B5EF4-FFF2-40B4-BE49-F238E27FC236}">
-                <a16:creationId xmlns:a16="http://schemas.microsoft.com/office/drawing/2014/main" id="{54E5991F-4A24-4D0B-8C41-5AA4B195B4E7}"/>
-              </a:ext>
-            </a:extLst>
-          </p:cNvPr>
-          <p:cNvSpPr/>
-          <p:nvPr/>
-        </p:nvSpPr>
-        <p:spPr>
-          <a:xfrm>
-            <a:off x="838199" y="2721277"/>
-            <a:ext cx="1941535" cy="1039661"/>
-          </a:xfrm>
-          <a:prstGeom prst="rect">
-            <a:avLst/>
-          </a:prstGeom>
-        </p:spPr>
-        <p:style>
-          <a:lnRef idx="2">
-            <a:schemeClr val="accent5">
-              <a:shade val="50000"/>
-            </a:schemeClr>
-          </a:lnRef>
-          <a:fillRef idx="1">
-            <a:schemeClr val="accent5"/>
-          </a:fillRef>
-          <a:effectRef idx="0">
-            <a:schemeClr val="accent5"/>
-          </a:effectRef>
-          <a:fontRef idx="minor">
-            <a:schemeClr val="lt1"/>
-          </a:fontRef>
-        </p:style>
-        <p:txBody>
-          <a:bodyPr rtlCol="0" anchor="ctr"/>
-          <a:lstStyle/>
-          <a:p>
-            <a:pPr algn="ctr"/>
-            <a:r>
-              <a:rPr lang="en-US" dirty="0"/>
-              <a:t>Browser</a:t>
-            </a:r>
-          </a:p>
-        </p:txBody>
-      </p:sp>
-      <p:sp>
-        <p:nvSpPr>
-          <p:cNvPr id="7" name="Cloud 6">
-            <a:extLst>
-              <a:ext uri="{FF2B5EF4-FFF2-40B4-BE49-F238E27FC236}">
-                <a16:creationId xmlns:a16="http://schemas.microsoft.com/office/drawing/2014/main" id="{517B5187-BB3C-4E6F-9380-D6C0A5767991}"/>
-              </a:ext>
-            </a:extLst>
-          </p:cNvPr>
-          <p:cNvSpPr/>
-          <p:nvPr/>
-        </p:nvSpPr>
-        <p:spPr>
-          <a:xfrm>
-            <a:off x="3514346" y="2642991"/>
-            <a:ext cx="2097014" cy="1196236"/>
-          </a:xfrm>
-          <a:prstGeom prst="cloud">
-            <a:avLst/>
-          </a:prstGeom>
-        </p:spPr>
-        <p:style>
-          <a:lnRef idx="2">
-            <a:schemeClr val="accent6"/>
-          </a:lnRef>
-          <a:fillRef idx="1">
-            <a:schemeClr val="lt1"/>
-          </a:fillRef>
-          <a:effectRef idx="0">
-            <a:schemeClr val="accent6"/>
-          </a:effectRef>
-          <a:fontRef idx="minor">
-            <a:schemeClr val="dk1"/>
-          </a:fontRef>
-        </p:style>
-        <p:txBody>
-          <a:bodyPr rtlCol="0" anchor="ctr"/>
-          <a:lstStyle/>
-          <a:p>
-            <a:pPr algn="ctr"/>
-            <a:r>
-              <a:rPr lang="en-US" dirty="0"/>
-              <a:t>Network</a:t>
-            </a:r>
-          </a:p>
-        </p:txBody>
-      </p:sp>
-      <p:cxnSp>
-        <p:nvCxnSpPr>
-          <p:cNvPr id="9" name="Straight Arrow Connector 8">
-            <a:extLst>
-              <a:ext uri="{FF2B5EF4-FFF2-40B4-BE49-F238E27FC236}">
-                <a16:creationId xmlns:a16="http://schemas.microsoft.com/office/drawing/2014/main" id="{C5D2C280-054B-400B-AC20-517423881A62}"/>
-              </a:ext>
-            </a:extLst>
-          </p:cNvPr>
-          <p:cNvCxnSpPr>
-            <a:stCxn id="6" idx="3"/>
-            <a:endCxn id="7" idx="2"/>
-          </p:cNvCxnSpPr>
-          <p:nvPr/>
-        </p:nvCxnSpPr>
-        <p:spPr>
-          <a:xfrm>
-            <a:off x="2779734" y="3241108"/>
-            <a:ext cx="741117" cy="1"/>
-          </a:xfrm>
-          <a:prstGeom prst="straightConnector1">
-            <a:avLst/>
-          </a:prstGeom>
-          <a:ln>
-            <a:tailEnd type="triangle"/>
-          </a:ln>
-        </p:spPr>
-        <p:style>
-          <a:lnRef idx="3">
-            <a:schemeClr val="dk1"/>
-          </a:lnRef>
-          <a:fillRef idx="0">
-            <a:schemeClr val="dk1"/>
-          </a:fillRef>
-          <a:effectRef idx="2">
-            <a:schemeClr val="dk1"/>
-          </a:effectRef>
-          <a:fontRef idx="minor">
-            <a:schemeClr val="tx1"/>
-          </a:fontRef>
-        </p:style>
-      </p:cxnSp>
-      <p:cxnSp>
-        <p:nvCxnSpPr>
-          <p:cNvPr id="12" name="Straight Arrow Connector 11">
-            <a:extLst>
-              <a:ext uri="{FF2B5EF4-FFF2-40B4-BE49-F238E27FC236}">
-                <a16:creationId xmlns:a16="http://schemas.microsoft.com/office/drawing/2014/main" id="{A33A7FEB-BB8A-42A2-9EC8-5145EFB58C26}"/>
-              </a:ext>
-            </a:extLst>
-          </p:cNvPr>
-          <p:cNvCxnSpPr>
-            <a:cxnSpLocks/>
-          </p:cNvCxnSpPr>
-          <p:nvPr/>
-        </p:nvCxnSpPr>
-        <p:spPr>
-          <a:xfrm flipV="1">
-            <a:off x="5623330" y="2123160"/>
-            <a:ext cx="736359" cy="1039662"/>
-          </a:xfrm>
-          <a:prstGeom prst="straightConnector1">
-            <a:avLst/>
-          </a:prstGeom>
-          <a:ln>
-            <a:tailEnd type="triangle"/>
-          </a:ln>
-        </p:spPr>
-        <p:style>
-          <a:lnRef idx="3">
-            <a:schemeClr val="dk1"/>
-          </a:lnRef>
-          <a:fillRef idx="0">
-            <a:schemeClr val="dk1"/>
-          </a:fillRef>
-          <a:effectRef idx="2">
-            <a:schemeClr val="dk1"/>
-          </a:effectRef>
-          <a:fontRef idx="minor">
-            <a:schemeClr val="tx1"/>
-          </a:fontRef>
-        </p:style>
-      </p:cxnSp>
-      <p:cxnSp>
-        <p:nvCxnSpPr>
-          <p:cNvPr id="13" name="Straight Arrow Connector 12">
-            <a:extLst>
-              <a:ext uri="{FF2B5EF4-FFF2-40B4-BE49-F238E27FC236}">
-                <a16:creationId xmlns:a16="http://schemas.microsoft.com/office/drawing/2014/main" id="{BA30E18C-E9FC-45C1-873B-0C08C4A3803E}"/>
-              </a:ext>
-            </a:extLst>
-          </p:cNvPr>
-          <p:cNvCxnSpPr>
-            <a:cxnSpLocks/>
-            <a:stCxn id="7" idx="0"/>
-            <a:endCxn id="5" idx="1"/>
-          </p:cNvCxnSpPr>
-          <p:nvPr/>
-        </p:nvCxnSpPr>
-        <p:spPr>
-          <a:xfrm>
-            <a:off x="5609612" y="3241109"/>
-            <a:ext cx="736358" cy="1039660"/>
-          </a:xfrm>
-          <a:prstGeom prst="straightConnector1">
-            <a:avLst/>
-          </a:prstGeom>
-          <a:ln>
-            <a:tailEnd type="triangle"/>
-          </a:ln>
-        </p:spPr>
-        <p:style>
-          <a:lnRef idx="3">
-            <a:schemeClr val="dk1"/>
-          </a:lnRef>
-          <a:fillRef idx="0">
-            <a:schemeClr val="dk1"/>
-          </a:fillRef>
-          <a:effectRef idx="2">
-            <a:schemeClr val="dk1"/>
-          </a:effectRef>
-          <a:fontRef idx="minor">
-            <a:schemeClr val="tx1"/>
-          </a:fontRef>
-        </p:style>
-      </p:cxnSp>
-      <p:sp>
-        <p:nvSpPr>
-          <p:cNvPr id="24" name="TextBox 23">
-            <a:extLst>
-              <a:ext uri="{FF2B5EF4-FFF2-40B4-BE49-F238E27FC236}">
-                <a16:creationId xmlns:a16="http://schemas.microsoft.com/office/drawing/2014/main" id="{4BA857C1-F385-4685-94CD-E22591525500}"/>
-              </a:ext>
-            </a:extLst>
-          </p:cNvPr>
-          <p:cNvSpPr txBox="1"/>
-          <p:nvPr/>
-        </p:nvSpPr>
-        <p:spPr>
-          <a:xfrm>
-            <a:off x="8625385" y="2016780"/>
-            <a:ext cx="2852382" cy="369332"/>
-          </a:xfrm>
-          <a:prstGeom prst="rect">
-            <a:avLst/>
-          </a:prstGeom>
-          <a:noFill/>
-        </p:spPr>
-        <p:txBody>
-          <a:bodyPr wrap="square" rtlCol="0">
-            <a:spAutoFit/>
-          </a:bodyPr>
-          <a:lstStyle/>
-          <a:p>
-            <a:r>
-              <a:rPr lang="en-US" dirty="0"/>
-              <a:t>https://myApp.com</a:t>
-            </a:r>
-          </a:p>
-        </p:txBody>
-      </p:sp>
-      <p:sp>
-        <p:nvSpPr>
-          <p:cNvPr id="25" name="TextBox 24">
-            <a:extLst>
-              <a:ext uri="{FF2B5EF4-FFF2-40B4-BE49-F238E27FC236}">
-                <a16:creationId xmlns:a16="http://schemas.microsoft.com/office/drawing/2014/main" id="{E9525C53-B5FF-49D0-A40D-F524E654FE58}"/>
-              </a:ext>
-            </a:extLst>
-          </p:cNvPr>
-          <p:cNvSpPr txBox="1"/>
-          <p:nvPr/>
-        </p:nvSpPr>
-        <p:spPr>
-          <a:xfrm>
-            <a:off x="8625385" y="4096102"/>
-            <a:ext cx="2852382" cy="369332"/>
-          </a:xfrm>
-          <a:prstGeom prst="rect">
-            <a:avLst/>
-          </a:prstGeom>
-          <a:noFill/>
-        </p:spPr>
-        <p:txBody>
-          <a:bodyPr wrap="square" rtlCol="0">
-            <a:spAutoFit/>
-          </a:bodyPr>
-          <a:lstStyle/>
-          <a:p>
-            <a:r>
-              <a:rPr lang="en-US" dirty="0"/>
-              <a:t>https://api.myApp.com</a:t>
-            </a:r>
-          </a:p>
-        </p:txBody>
-      </p:sp>
-    </p:spTree>
-    <p:extLst>
-      <p:ext uri="{BB962C8B-B14F-4D97-AF65-F5344CB8AC3E}">
-        <p14:creationId xmlns:p14="http://schemas.microsoft.com/office/powerpoint/2010/main" val="998225393"/>
       </p:ext>
     </p:extLst>
   </p:cSld>
@@ -6291,6 +5675,1996 @@
       <p:bldP spid="7" grpId="0" animBg="1"/>
     </p:bldLst>
   </p:timing>
+</p:sld>
+</file>
+
+<file path=ppt/slides/slide5.xml><?xml version="1.0" encoding="utf-8"?>
+<p:sld xmlns:a="http://schemas.openxmlformats.org/drawingml/2006/main" xmlns:r="http://schemas.openxmlformats.org/officeDocument/2006/relationships" xmlns:p="http://schemas.openxmlformats.org/presentationml/2006/main">
+  <p:cSld>
+    <p:spTree>
+      <p:nvGrpSpPr>
+        <p:cNvPr id="1" name=""/>
+        <p:cNvGrpSpPr/>
+        <p:nvPr/>
+      </p:nvGrpSpPr>
+      <p:grpSpPr>
+        <a:xfrm>
+          <a:off x="0" y="0"/>
+          <a:ext cx="0" cy="0"/>
+          <a:chOff x="0" y="0"/>
+          <a:chExt cx="0" cy="0"/>
+        </a:xfrm>
+      </p:grpSpPr>
+      <p:sp>
+        <p:nvSpPr>
+          <p:cNvPr id="2" name="Title 1">
+            <a:extLst>
+              <a:ext uri="{FF2B5EF4-FFF2-40B4-BE49-F238E27FC236}">
+                <a16:creationId xmlns:a16="http://schemas.microsoft.com/office/drawing/2014/main" id="{585559B1-CE8A-4AC6-AE47-85EAEE54958F}"/>
+              </a:ext>
+            </a:extLst>
+          </p:cNvPr>
+          <p:cNvSpPr>
+            <a:spLocks noGrp="1"/>
+          </p:cNvSpPr>
+          <p:nvPr>
+            <p:ph type="title"/>
+          </p:nvPr>
+        </p:nvSpPr>
+        <p:spPr/>
+        <p:txBody>
+          <a:bodyPr/>
+          <a:lstStyle/>
+          <a:p>
+            <a:r>
+              <a:rPr lang="en-US" dirty="0"/>
+              <a:t>Architecture of a SPA (Prod)</a:t>
+            </a:r>
+          </a:p>
+        </p:txBody>
+      </p:sp>
+      <p:sp>
+        <p:nvSpPr>
+          <p:cNvPr id="4" name="Rectangle 3">
+            <a:extLst>
+              <a:ext uri="{FF2B5EF4-FFF2-40B4-BE49-F238E27FC236}">
+                <a16:creationId xmlns:a16="http://schemas.microsoft.com/office/drawing/2014/main" id="{0A1F7EA2-C5A1-46A1-94B3-8BB84F0B968B}"/>
+              </a:ext>
+            </a:extLst>
+          </p:cNvPr>
+          <p:cNvSpPr/>
+          <p:nvPr/>
+        </p:nvSpPr>
+        <p:spPr>
+          <a:xfrm>
+            <a:off x="6345971" y="1681616"/>
+            <a:ext cx="1941535" cy="1039661"/>
+          </a:xfrm>
+          <a:prstGeom prst="rect">
+            <a:avLst/>
+          </a:prstGeom>
+        </p:spPr>
+        <p:style>
+          <a:lnRef idx="2">
+            <a:schemeClr val="accent1">
+              <a:shade val="50000"/>
+            </a:schemeClr>
+          </a:lnRef>
+          <a:fillRef idx="1">
+            <a:schemeClr val="accent1"/>
+          </a:fillRef>
+          <a:effectRef idx="0">
+            <a:schemeClr val="accent1"/>
+          </a:effectRef>
+          <a:fontRef idx="minor">
+            <a:schemeClr val="lt1"/>
+          </a:fontRef>
+        </p:style>
+        <p:txBody>
+          <a:bodyPr rtlCol="0" anchor="ctr"/>
+          <a:lstStyle/>
+          <a:p>
+            <a:pPr algn="ctr"/>
+            <a:r>
+              <a:rPr lang="en-US" dirty="0"/>
+              <a:t>ASP.NET Core Application </a:t>
+            </a:r>
+            <a:br>
+              <a:rPr lang="en-US" dirty="0"/>
+            </a:br>
+            <a:r>
+              <a:rPr lang="en-US" dirty="0"/>
+              <a:t>(Back-end)</a:t>
+            </a:r>
+          </a:p>
+        </p:txBody>
+      </p:sp>
+      <p:sp>
+        <p:nvSpPr>
+          <p:cNvPr id="5" name="Rectangle 4">
+            <a:extLst>
+              <a:ext uri="{FF2B5EF4-FFF2-40B4-BE49-F238E27FC236}">
+                <a16:creationId xmlns:a16="http://schemas.microsoft.com/office/drawing/2014/main" id="{0F49A574-C8AF-46A0-9D3E-F37FE34454DD}"/>
+              </a:ext>
+            </a:extLst>
+          </p:cNvPr>
+          <p:cNvSpPr/>
+          <p:nvPr/>
+        </p:nvSpPr>
+        <p:spPr>
+          <a:xfrm>
+            <a:off x="6345970" y="3760938"/>
+            <a:ext cx="1941535" cy="1039661"/>
+          </a:xfrm>
+          <a:prstGeom prst="rect">
+            <a:avLst/>
+          </a:prstGeom>
+        </p:spPr>
+        <p:style>
+          <a:lnRef idx="2">
+            <a:schemeClr val="accent3">
+              <a:shade val="50000"/>
+            </a:schemeClr>
+          </a:lnRef>
+          <a:fillRef idx="1">
+            <a:schemeClr val="accent3"/>
+          </a:fillRef>
+          <a:effectRef idx="0">
+            <a:schemeClr val="accent3"/>
+          </a:effectRef>
+          <a:fontRef idx="minor">
+            <a:schemeClr val="lt1"/>
+          </a:fontRef>
+        </p:style>
+        <p:txBody>
+          <a:bodyPr rtlCol="0" anchor="ctr"/>
+          <a:lstStyle/>
+          <a:p>
+            <a:pPr algn="ctr"/>
+            <a:r>
+              <a:rPr lang="en-US" dirty="0"/>
+              <a:t>Vue.JS Application (Front-end)</a:t>
+            </a:r>
+          </a:p>
+        </p:txBody>
+      </p:sp>
+      <p:sp>
+        <p:nvSpPr>
+          <p:cNvPr id="6" name="Rectangle 5">
+            <a:extLst>
+              <a:ext uri="{FF2B5EF4-FFF2-40B4-BE49-F238E27FC236}">
+                <a16:creationId xmlns:a16="http://schemas.microsoft.com/office/drawing/2014/main" id="{54E5991F-4A24-4D0B-8C41-5AA4B195B4E7}"/>
+              </a:ext>
+            </a:extLst>
+          </p:cNvPr>
+          <p:cNvSpPr/>
+          <p:nvPr/>
+        </p:nvSpPr>
+        <p:spPr>
+          <a:xfrm>
+            <a:off x="838199" y="2721277"/>
+            <a:ext cx="1941535" cy="1039661"/>
+          </a:xfrm>
+          <a:prstGeom prst="rect">
+            <a:avLst/>
+          </a:prstGeom>
+        </p:spPr>
+        <p:style>
+          <a:lnRef idx="2">
+            <a:schemeClr val="accent5">
+              <a:shade val="50000"/>
+            </a:schemeClr>
+          </a:lnRef>
+          <a:fillRef idx="1">
+            <a:schemeClr val="accent5"/>
+          </a:fillRef>
+          <a:effectRef idx="0">
+            <a:schemeClr val="accent5"/>
+          </a:effectRef>
+          <a:fontRef idx="minor">
+            <a:schemeClr val="lt1"/>
+          </a:fontRef>
+        </p:style>
+        <p:txBody>
+          <a:bodyPr rtlCol="0" anchor="ctr"/>
+          <a:lstStyle/>
+          <a:p>
+            <a:pPr algn="ctr"/>
+            <a:r>
+              <a:rPr lang="en-US" dirty="0"/>
+              <a:t>Browser</a:t>
+            </a:r>
+          </a:p>
+        </p:txBody>
+      </p:sp>
+      <p:sp>
+        <p:nvSpPr>
+          <p:cNvPr id="7" name="Cloud 6">
+            <a:extLst>
+              <a:ext uri="{FF2B5EF4-FFF2-40B4-BE49-F238E27FC236}">
+                <a16:creationId xmlns:a16="http://schemas.microsoft.com/office/drawing/2014/main" id="{517B5187-BB3C-4E6F-9380-D6C0A5767991}"/>
+              </a:ext>
+            </a:extLst>
+          </p:cNvPr>
+          <p:cNvSpPr/>
+          <p:nvPr/>
+        </p:nvSpPr>
+        <p:spPr>
+          <a:xfrm>
+            <a:off x="3514346" y="2642991"/>
+            <a:ext cx="2097014" cy="1196236"/>
+          </a:xfrm>
+          <a:prstGeom prst="cloud">
+            <a:avLst/>
+          </a:prstGeom>
+        </p:spPr>
+        <p:style>
+          <a:lnRef idx="2">
+            <a:schemeClr val="accent6"/>
+          </a:lnRef>
+          <a:fillRef idx="1">
+            <a:schemeClr val="lt1"/>
+          </a:fillRef>
+          <a:effectRef idx="0">
+            <a:schemeClr val="accent6"/>
+          </a:effectRef>
+          <a:fontRef idx="minor">
+            <a:schemeClr val="dk1"/>
+          </a:fontRef>
+        </p:style>
+        <p:txBody>
+          <a:bodyPr rtlCol="0" anchor="ctr"/>
+          <a:lstStyle/>
+          <a:p>
+            <a:pPr algn="ctr"/>
+            <a:r>
+              <a:rPr lang="en-US" dirty="0"/>
+              <a:t>Network</a:t>
+            </a:r>
+          </a:p>
+        </p:txBody>
+      </p:sp>
+      <p:cxnSp>
+        <p:nvCxnSpPr>
+          <p:cNvPr id="9" name="Straight Arrow Connector 8">
+            <a:extLst>
+              <a:ext uri="{FF2B5EF4-FFF2-40B4-BE49-F238E27FC236}">
+                <a16:creationId xmlns:a16="http://schemas.microsoft.com/office/drawing/2014/main" id="{C5D2C280-054B-400B-AC20-517423881A62}"/>
+              </a:ext>
+            </a:extLst>
+          </p:cNvPr>
+          <p:cNvCxnSpPr>
+            <a:stCxn id="6" idx="3"/>
+            <a:endCxn id="7" idx="2"/>
+          </p:cNvCxnSpPr>
+          <p:nvPr/>
+        </p:nvCxnSpPr>
+        <p:spPr>
+          <a:xfrm>
+            <a:off x="2779734" y="3241108"/>
+            <a:ext cx="741117" cy="1"/>
+          </a:xfrm>
+          <a:prstGeom prst="straightConnector1">
+            <a:avLst/>
+          </a:prstGeom>
+          <a:ln>
+            <a:tailEnd type="triangle"/>
+          </a:ln>
+        </p:spPr>
+        <p:style>
+          <a:lnRef idx="3">
+            <a:schemeClr val="dk1"/>
+          </a:lnRef>
+          <a:fillRef idx="0">
+            <a:schemeClr val="dk1"/>
+          </a:fillRef>
+          <a:effectRef idx="2">
+            <a:schemeClr val="dk1"/>
+          </a:effectRef>
+          <a:fontRef idx="minor">
+            <a:schemeClr val="tx1"/>
+          </a:fontRef>
+        </p:style>
+      </p:cxnSp>
+      <p:cxnSp>
+        <p:nvCxnSpPr>
+          <p:cNvPr id="12" name="Straight Arrow Connector 11">
+            <a:extLst>
+              <a:ext uri="{FF2B5EF4-FFF2-40B4-BE49-F238E27FC236}">
+                <a16:creationId xmlns:a16="http://schemas.microsoft.com/office/drawing/2014/main" id="{A33A7FEB-BB8A-42A2-9EC8-5145EFB58C26}"/>
+              </a:ext>
+            </a:extLst>
+          </p:cNvPr>
+          <p:cNvCxnSpPr>
+            <a:cxnSpLocks/>
+          </p:cNvCxnSpPr>
+          <p:nvPr/>
+        </p:nvCxnSpPr>
+        <p:spPr>
+          <a:xfrm flipV="1">
+            <a:off x="5623330" y="2123160"/>
+            <a:ext cx="736359" cy="1039662"/>
+          </a:xfrm>
+          <a:prstGeom prst="straightConnector1">
+            <a:avLst/>
+          </a:prstGeom>
+          <a:ln>
+            <a:tailEnd type="triangle"/>
+          </a:ln>
+        </p:spPr>
+        <p:style>
+          <a:lnRef idx="3">
+            <a:schemeClr val="dk1"/>
+          </a:lnRef>
+          <a:fillRef idx="0">
+            <a:schemeClr val="dk1"/>
+          </a:fillRef>
+          <a:effectRef idx="2">
+            <a:schemeClr val="dk1"/>
+          </a:effectRef>
+          <a:fontRef idx="minor">
+            <a:schemeClr val="tx1"/>
+          </a:fontRef>
+        </p:style>
+      </p:cxnSp>
+      <p:cxnSp>
+        <p:nvCxnSpPr>
+          <p:cNvPr id="13" name="Straight Arrow Connector 12">
+            <a:extLst>
+              <a:ext uri="{FF2B5EF4-FFF2-40B4-BE49-F238E27FC236}">
+                <a16:creationId xmlns:a16="http://schemas.microsoft.com/office/drawing/2014/main" id="{BA30E18C-E9FC-45C1-873B-0C08C4A3803E}"/>
+              </a:ext>
+            </a:extLst>
+          </p:cNvPr>
+          <p:cNvCxnSpPr>
+            <a:cxnSpLocks/>
+            <a:stCxn id="7" idx="0"/>
+            <a:endCxn id="5" idx="1"/>
+          </p:cNvCxnSpPr>
+          <p:nvPr/>
+        </p:nvCxnSpPr>
+        <p:spPr>
+          <a:xfrm>
+            <a:off x="5609612" y="3241109"/>
+            <a:ext cx="736358" cy="1039660"/>
+          </a:xfrm>
+          <a:prstGeom prst="straightConnector1">
+            <a:avLst/>
+          </a:prstGeom>
+          <a:ln>
+            <a:tailEnd type="triangle"/>
+          </a:ln>
+        </p:spPr>
+        <p:style>
+          <a:lnRef idx="3">
+            <a:schemeClr val="dk1"/>
+          </a:lnRef>
+          <a:fillRef idx="0">
+            <a:schemeClr val="dk1"/>
+          </a:fillRef>
+          <a:effectRef idx="2">
+            <a:schemeClr val="dk1"/>
+          </a:effectRef>
+          <a:fontRef idx="minor">
+            <a:schemeClr val="tx1"/>
+          </a:fontRef>
+        </p:style>
+      </p:cxnSp>
+      <p:sp>
+        <p:nvSpPr>
+          <p:cNvPr id="24" name="TextBox 23">
+            <a:extLst>
+              <a:ext uri="{FF2B5EF4-FFF2-40B4-BE49-F238E27FC236}">
+                <a16:creationId xmlns:a16="http://schemas.microsoft.com/office/drawing/2014/main" id="{4BA857C1-F385-4685-94CD-E22591525500}"/>
+              </a:ext>
+            </a:extLst>
+          </p:cNvPr>
+          <p:cNvSpPr txBox="1"/>
+          <p:nvPr/>
+        </p:nvSpPr>
+        <p:spPr>
+          <a:xfrm>
+            <a:off x="8625385" y="2016780"/>
+            <a:ext cx="2852382" cy="369332"/>
+          </a:xfrm>
+          <a:prstGeom prst="rect">
+            <a:avLst/>
+          </a:prstGeom>
+          <a:noFill/>
+        </p:spPr>
+        <p:txBody>
+          <a:bodyPr wrap="square" rtlCol="0">
+            <a:spAutoFit/>
+          </a:bodyPr>
+          <a:lstStyle/>
+          <a:p>
+            <a:r>
+              <a:rPr lang="en-US" dirty="0"/>
+              <a:t>https://myApp.com</a:t>
+            </a:r>
+          </a:p>
+        </p:txBody>
+      </p:sp>
+      <p:sp>
+        <p:nvSpPr>
+          <p:cNvPr id="25" name="TextBox 24">
+            <a:extLst>
+              <a:ext uri="{FF2B5EF4-FFF2-40B4-BE49-F238E27FC236}">
+                <a16:creationId xmlns:a16="http://schemas.microsoft.com/office/drawing/2014/main" id="{E9525C53-B5FF-49D0-A40D-F524E654FE58}"/>
+              </a:ext>
+            </a:extLst>
+          </p:cNvPr>
+          <p:cNvSpPr txBox="1"/>
+          <p:nvPr/>
+        </p:nvSpPr>
+        <p:spPr>
+          <a:xfrm>
+            <a:off x="8625385" y="4096102"/>
+            <a:ext cx="2852382" cy="369332"/>
+          </a:xfrm>
+          <a:prstGeom prst="rect">
+            <a:avLst/>
+          </a:prstGeom>
+          <a:noFill/>
+        </p:spPr>
+        <p:txBody>
+          <a:bodyPr wrap="square" rtlCol="0">
+            <a:spAutoFit/>
+          </a:bodyPr>
+          <a:lstStyle/>
+          <a:p>
+            <a:r>
+              <a:rPr lang="en-US" dirty="0"/>
+              <a:t>https://api.myApp.com</a:t>
+            </a:r>
+          </a:p>
+        </p:txBody>
+      </p:sp>
+    </p:spTree>
+    <p:extLst>
+      <p:ext uri="{BB962C8B-B14F-4D97-AF65-F5344CB8AC3E}">
+        <p14:creationId xmlns:p14="http://schemas.microsoft.com/office/powerpoint/2010/main" val="998225393"/>
+      </p:ext>
+    </p:extLst>
+  </p:cSld>
+  <p:clrMapOvr>
+    <a:masterClrMapping/>
+  </p:clrMapOvr>
+  <p:timing>
+    <p:tnLst>
+      <p:par>
+        <p:cTn id="1" dur="indefinite" restart="never" nodeType="tmRoot">
+          <p:childTnLst>
+            <p:seq concurrent="1" nextAc="seek">
+              <p:cTn id="2" dur="indefinite" nodeType="mainSeq">
+                <p:childTnLst>
+                  <p:par>
+                    <p:cTn id="3" fill="hold">
+                      <p:stCondLst>
+                        <p:cond delay="indefinite"/>
+                      </p:stCondLst>
+                      <p:childTnLst>
+                        <p:par>
+                          <p:cTn id="4" fill="hold">
+                            <p:stCondLst>
+                              <p:cond delay="0"/>
+                            </p:stCondLst>
+                            <p:childTnLst>
+                              <p:par>
+                                <p:cTn id="5" presetID="1" presetClass="entr" presetSubtype="0" fill="hold" grpId="0" nodeType="clickEffect">
+                                  <p:stCondLst>
+                                    <p:cond delay="0"/>
+                                  </p:stCondLst>
+                                  <p:childTnLst>
+                                    <p:set>
+                                      <p:cBhvr>
+                                        <p:cTn id="6" dur="1" fill="hold">
+                                          <p:stCondLst>
+                                            <p:cond delay="0"/>
+                                          </p:stCondLst>
+                                        </p:cTn>
+                                        <p:tgtEl>
+                                          <p:spTgt spid="6"/>
+                                        </p:tgtEl>
+                                        <p:attrNameLst>
+                                          <p:attrName>style.visibility</p:attrName>
+                                        </p:attrNameLst>
+                                      </p:cBhvr>
+                                      <p:to>
+                                        <p:strVal val="visible"/>
+                                      </p:to>
+                                    </p:set>
+                                  </p:childTnLst>
+                                </p:cTn>
+                              </p:par>
+                            </p:childTnLst>
+                          </p:cTn>
+                        </p:par>
+                      </p:childTnLst>
+                    </p:cTn>
+                  </p:par>
+                  <p:par>
+                    <p:cTn id="7" fill="hold">
+                      <p:stCondLst>
+                        <p:cond delay="indefinite"/>
+                      </p:stCondLst>
+                      <p:childTnLst>
+                        <p:par>
+                          <p:cTn id="8" fill="hold">
+                            <p:stCondLst>
+                              <p:cond delay="0"/>
+                            </p:stCondLst>
+                            <p:childTnLst>
+                              <p:par>
+                                <p:cTn id="9" presetID="1" presetClass="entr" presetSubtype="0" fill="hold" grpId="0" nodeType="clickEffect">
+                                  <p:stCondLst>
+                                    <p:cond delay="0"/>
+                                  </p:stCondLst>
+                                  <p:childTnLst>
+                                    <p:set>
+                                      <p:cBhvr>
+                                        <p:cTn id="10" dur="1" fill="hold">
+                                          <p:stCondLst>
+                                            <p:cond delay="0"/>
+                                          </p:stCondLst>
+                                        </p:cTn>
+                                        <p:tgtEl>
+                                          <p:spTgt spid="7"/>
+                                        </p:tgtEl>
+                                        <p:attrNameLst>
+                                          <p:attrName>style.visibility</p:attrName>
+                                        </p:attrNameLst>
+                                      </p:cBhvr>
+                                      <p:to>
+                                        <p:strVal val="visible"/>
+                                      </p:to>
+                                    </p:set>
+                                  </p:childTnLst>
+                                </p:cTn>
+                              </p:par>
+                              <p:par>
+                                <p:cTn id="11" presetID="1" presetClass="entr" presetSubtype="0" fill="hold" nodeType="withEffect">
+                                  <p:stCondLst>
+                                    <p:cond delay="0"/>
+                                  </p:stCondLst>
+                                  <p:childTnLst>
+                                    <p:set>
+                                      <p:cBhvr>
+                                        <p:cTn id="12" dur="1" fill="hold">
+                                          <p:stCondLst>
+                                            <p:cond delay="0"/>
+                                          </p:stCondLst>
+                                        </p:cTn>
+                                        <p:tgtEl>
+                                          <p:spTgt spid="9"/>
+                                        </p:tgtEl>
+                                        <p:attrNameLst>
+                                          <p:attrName>style.visibility</p:attrName>
+                                        </p:attrNameLst>
+                                      </p:cBhvr>
+                                      <p:to>
+                                        <p:strVal val="visible"/>
+                                      </p:to>
+                                    </p:set>
+                                  </p:childTnLst>
+                                </p:cTn>
+                              </p:par>
+                            </p:childTnLst>
+                          </p:cTn>
+                        </p:par>
+                      </p:childTnLst>
+                    </p:cTn>
+                  </p:par>
+                  <p:par>
+                    <p:cTn id="13" fill="hold">
+                      <p:stCondLst>
+                        <p:cond delay="indefinite"/>
+                      </p:stCondLst>
+                      <p:childTnLst>
+                        <p:par>
+                          <p:cTn id="14" fill="hold">
+                            <p:stCondLst>
+                              <p:cond delay="0"/>
+                            </p:stCondLst>
+                            <p:childTnLst>
+                              <p:par>
+                                <p:cTn id="15" presetID="1" presetClass="entr" presetSubtype="0" fill="hold" nodeType="clickEffect">
+                                  <p:stCondLst>
+                                    <p:cond delay="0"/>
+                                  </p:stCondLst>
+                                  <p:childTnLst>
+                                    <p:set>
+                                      <p:cBhvr>
+                                        <p:cTn id="16" dur="1" fill="hold">
+                                          <p:stCondLst>
+                                            <p:cond delay="0"/>
+                                          </p:stCondLst>
+                                        </p:cTn>
+                                        <p:tgtEl>
+                                          <p:spTgt spid="12"/>
+                                        </p:tgtEl>
+                                        <p:attrNameLst>
+                                          <p:attrName>style.visibility</p:attrName>
+                                        </p:attrNameLst>
+                                      </p:cBhvr>
+                                      <p:to>
+                                        <p:strVal val="visible"/>
+                                      </p:to>
+                                    </p:set>
+                                  </p:childTnLst>
+                                </p:cTn>
+                              </p:par>
+                              <p:par>
+                                <p:cTn id="17" presetID="1" presetClass="entr" presetSubtype="0" fill="hold" grpId="0" nodeType="withEffect">
+                                  <p:stCondLst>
+                                    <p:cond delay="0"/>
+                                  </p:stCondLst>
+                                  <p:childTnLst>
+                                    <p:set>
+                                      <p:cBhvr>
+                                        <p:cTn id="18" dur="1" fill="hold">
+                                          <p:stCondLst>
+                                            <p:cond delay="0"/>
+                                          </p:stCondLst>
+                                        </p:cTn>
+                                        <p:tgtEl>
+                                          <p:spTgt spid="4"/>
+                                        </p:tgtEl>
+                                        <p:attrNameLst>
+                                          <p:attrName>style.visibility</p:attrName>
+                                        </p:attrNameLst>
+                                      </p:cBhvr>
+                                      <p:to>
+                                        <p:strVal val="visible"/>
+                                      </p:to>
+                                    </p:set>
+                                  </p:childTnLst>
+                                </p:cTn>
+                              </p:par>
+                              <p:par>
+                                <p:cTn id="19" presetID="1" presetClass="entr" presetSubtype="0" fill="hold" grpId="0" nodeType="withEffect">
+                                  <p:stCondLst>
+                                    <p:cond delay="0"/>
+                                  </p:stCondLst>
+                                  <p:childTnLst>
+                                    <p:set>
+                                      <p:cBhvr>
+                                        <p:cTn id="20" dur="1" fill="hold">
+                                          <p:stCondLst>
+                                            <p:cond delay="0"/>
+                                          </p:stCondLst>
+                                        </p:cTn>
+                                        <p:tgtEl>
+                                          <p:spTgt spid="24"/>
+                                        </p:tgtEl>
+                                        <p:attrNameLst>
+                                          <p:attrName>style.visibility</p:attrName>
+                                        </p:attrNameLst>
+                                      </p:cBhvr>
+                                      <p:to>
+                                        <p:strVal val="visible"/>
+                                      </p:to>
+                                    </p:set>
+                                  </p:childTnLst>
+                                </p:cTn>
+                              </p:par>
+                            </p:childTnLst>
+                          </p:cTn>
+                        </p:par>
+                      </p:childTnLst>
+                    </p:cTn>
+                  </p:par>
+                  <p:par>
+                    <p:cTn id="21" fill="hold">
+                      <p:stCondLst>
+                        <p:cond delay="indefinite"/>
+                      </p:stCondLst>
+                      <p:childTnLst>
+                        <p:par>
+                          <p:cTn id="22" fill="hold">
+                            <p:stCondLst>
+                              <p:cond delay="0"/>
+                            </p:stCondLst>
+                            <p:childTnLst>
+                              <p:par>
+                                <p:cTn id="23" presetID="1" presetClass="entr" presetSubtype="0" fill="hold" nodeType="clickEffect">
+                                  <p:stCondLst>
+                                    <p:cond delay="0"/>
+                                  </p:stCondLst>
+                                  <p:childTnLst>
+                                    <p:set>
+                                      <p:cBhvr>
+                                        <p:cTn id="24" dur="1" fill="hold">
+                                          <p:stCondLst>
+                                            <p:cond delay="0"/>
+                                          </p:stCondLst>
+                                        </p:cTn>
+                                        <p:tgtEl>
+                                          <p:spTgt spid="13"/>
+                                        </p:tgtEl>
+                                        <p:attrNameLst>
+                                          <p:attrName>style.visibility</p:attrName>
+                                        </p:attrNameLst>
+                                      </p:cBhvr>
+                                      <p:to>
+                                        <p:strVal val="visible"/>
+                                      </p:to>
+                                    </p:set>
+                                  </p:childTnLst>
+                                </p:cTn>
+                              </p:par>
+                              <p:par>
+                                <p:cTn id="25" presetID="1" presetClass="entr" presetSubtype="0" fill="hold" grpId="0" nodeType="withEffect">
+                                  <p:stCondLst>
+                                    <p:cond delay="0"/>
+                                  </p:stCondLst>
+                                  <p:childTnLst>
+                                    <p:set>
+                                      <p:cBhvr>
+                                        <p:cTn id="26" dur="1" fill="hold">
+                                          <p:stCondLst>
+                                            <p:cond delay="0"/>
+                                          </p:stCondLst>
+                                        </p:cTn>
+                                        <p:tgtEl>
+                                          <p:spTgt spid="5"/>
+                                        </p:tgtEl>
+                                        <p:attrNameLst>
+                                          <p:attrName>style.visibility</p:attrName>
+                                        </p:attrNameLst>
+                                      </p:cBhvr>
+                                      <p:to>
+                                        <p:strVal val="visible"/>
+                                      </p:to>
+                                    </p:set>
+                                  </p:childTnLst>
+                                </p:cTn>
+                              </p:par>
+                              <p:par>
+                                <p:cTn id="27" presetID="1" presetClass="entr" presetSubtype="0" fill="hold" grpId="0" nodeType="withEffect">
+                                  <p:stCondLst>
+                                    <p:cond delay="0"/>
+                                  </p:stCondLst>
+                                  <p:childTnLst>
+                                    <p:set>
+                                      <p:cBhvr>
+                                        <p:cTn id="28" dur="1" fill="hold">
+                                          <p:stCondLst>
+                                            <p:cond delay="0"/>
+                                          </p:stCondLst>
+                                        </p:cTn>
+                                        <p:tgtEl>
+                                          <p:spTgt spid="25"/>
+                                        </p:tgtEl>
+                                        <p:attrNameLst>
+                                          <p:attrName>style.visibility</p:attrName>
+                                        </p:attrNameLst>
+                                      </p:cBhvr>
+                                      <p:to>
+                                        <p:strVal val="visible"/>
+                                      </p:to>
+                                    </p:set>
+                                  </p:childTnLst>
+                                </p:cTn>
+                              </p:par>
+                            </p:childTnLst>
+                          </p:cTn>
+                        </p:par>
+                      </p:childTnLst>
+                    </p:cTn>
+                  </p:par>
+                </p:childTnLst>
+              </p:cTn>
+              <p:prevCondLst>
+                <p:cond evt="onPrev" delay="0">
+                  <p:tgtEl>
+                    <p:sldTgt/>
+                  </p:tgtEl>
+                </p:cond>
+              </p:prevCondLst>
+              <p:nextCondLst>
+                <p:cond evt="onNext" delay="0">
+                  <p:tgtEl>
+                    <p:sldTgt/>
+                  </p:tgtEl>
+                </p:cond>
+              </p:nextCondLst>
+            </p:seq>
+          </p:childTnLst>
+        </p:cTn>
+      </p:par>
+    </p:tnLst>
+    <p:bldLst>
+      <p:bldP spid="4" grpId="0" animBg="1"/>
+      <p:bldP spid="5" grpId="0" animBg="1"/>
+      <p:bldP spid="6" grpId="0" animBg="1"/>
+      <p:bldP spid="7" grpId="0" animBg="1"/>
+      <p:bldP spid="24" grpId="0"/>
+      <p:bldP spid="25" grpId="0"/>
+    </p:bldLst>
+  </p:timing>
+</p:sld>
+</file>
+
+<file path=ppt/slides/slide6.xml><?xml version="1.0" encoding="utf-8"?>
+<p:sld xmlns:a="http://schemas.openxmlformats.org/drawingml/2006/main" xmlns:r="http://schemas.openxmlformats.org/officeDocument/2006/relationships" xmlns:p="http://schemas.openxmlformats.org/presentationml/2006/main">
+  <p:cSld>
+    <p:spTree>
+      <p:nvGrpSpPr>
+        <p:cNvPr id="1" name=""/>
+        <p:cNvGrpSpPr/>
+        <p:nvPr/>
+      </p:nvGrpSpPr>
+      <p:grpSpPr>
+        <a:xfrm>
+          <a:off x="0" y="0"/>
+          <a:ext cx="0" cy="0"/>
+          <a:chOff x="0" y="0"/>
+          <a:chExt cx="0" cy="0"/>
+        </a:xfrm>
+      </p:grpSpPr>
+      <p:sp>
+        <p:nvSpPr>
+          <p:cNvPr id="2" name="Title 1">
+            <a:extLst>
+              <a:ext uri="{FF2B5EF4-FFF2-40B4-BE49-F238E27FC236}">
+                <a16:creationId xmlns:a16="http://schemas.microsoft.com/office/drawing/2014/main" id="{585559B1-CE8A-4AC6-AE47-85EAEE54958F}"/>
+              </a:ext>
+            </a:extLst>
+          </p:cNvPr>
+          <p:cNvSpPr>
+            <a:spLocks noGrp="1"/>
+          </p:cNvSpPr>
+          <p:nvPr>
+            <p:ph type="title"/>
+          </p:nvPr>
+        </p:nvSpPr>
+        <p:spPr/>
+        <p:txBody>
+          <a:bodyPr/>
+          <a:lstStyle/>
+          <a:p>
+            <a:r>
+              <a:rPr lang="en-US" dirty="0"/>
+              <a:t>Architecture of a SPA (Dev Proxy)</a:t>
+            </a:r>
+          </a:p>
+        </p:txBody>
+      </p:sp>
+      <p:sp>
+        <p:nvSpPr>
+          <p:cNvPr id="4" name="Rectangle 3">
+            <a:extLst>
+              <a:ext uri="{FF2B5EF4-FFF2-40B4-BE49-F238E27FC236}">
+                <a16:creationId xmlns:a16="http://schemas.microsoft.com/office/drawing/2014/main" id="{0A1F7EA2-C5A1-46A1-94B3-8BB84F0B968B}"/>
+              </a:ext>
+            </a:extLst>
+          </p:cNvPr>
+          <p:cNvSpPr/>
+          <p:nvPr/>
+        </p:nvSpPr>
+        <p:spPr>
+          <a:xfrm>
+            <a:off x="6345971" y="1681616"/>
+            <a:ext cx="1941535" cy="1039661"/>
+          </a:xfrm>
+          <a:prstGeom prst="rect">
+            <a:avLst/>
+          </a:prstGeom>
+        </p:spPr>
+        <p:style>
+          <a:lnRef idx="2">
+            <a:schemeClr val="accent1">
+              <a:shade val="50000"/>
+            </a:schemeClr>
+          </a:lnRef>
+          <a:fillRef idx="1">
+            <a:schemeClr val="accent1"/>
+          </a:fillRef>
+          <a:effectRef idx="0">
+            <a:schemeClr val="accent1"/>
+          </a:effectRef>
+          <a:fontRef idx="minor">
+            <a:schemeClr val="lt1"/>
+          </a:fontRef>
+        </p:style>
+        <p:txBody>
+          <a:bodyPr rtlCol="0" anchor="ctr"/>
+          <a:lstStyle/>
+          <a:p>
+            <a:pPr algn="ctr"/>
+            <a:r>
+              <a:rPr lang="en-US" dirty="0"/>
+              <a:t>ASP.NET Core Application </a:t>
+            </a:r>
+            <a:br>
+              <a:rPr lang="en-US" dirty="0"/>
+            </a:br>
+            <a:r>
+              <a:rPr lang="en-US" dirty="0"/>
+              <a:t>(Back-end)</a:t>
+            </a:r>
+          </a:p>
+        </p:txBody>
+      </p:sp>
+      <p:sp>
+        <p:nvSpPr>
+          <p:cNvPr id="5" name="Rectangle 4">
+            <a:extLst>
+              <a:ext uri="{FF2B5EF4-FFF2-40B4-BE49-F238E27FC236}">
+                <a16:creationId xmlns:a16="http://schemas.microsoft.com/office/drawing/2014/main" id="{0F49A574-C8AF-46A0-9D3E-F37FE34454DD}"/>
+              </a:ext>
+            </a:extLst>
+          </p:cNvPr>
+          <p:cNvSpPr/>
+          <p:nvPr/>
+        </p:nvSpPr>
+        <p:spPr>
+          <a:xfrm>
+            <a:off x="6345970" y="3760938"/>
+            <a:ext cx="1941535" cy="1039661"/>
+          </a:xfrm>
+          <a:prstGeom prst="rect">
+            <a:avLst/>
+          </a:prstGeom>
+        </p:spPr>
+        <p:style>
+          <a:lnRef idx="2">
+            <a:schemeClr val="accent3">
+              <a:shade val="50000"/>
+            </a:schemeClr>
+          </a:lnRef>
+          <a:fillRef idx="1">
+            <a:schemeClr val="accent3"/>
+          </a:fillRef>
+          <a:effectRef idx="0">
+            <a:schemeClr val="accent3"/>
+          </a:effectRef>
+          <a:fontRef idx="minor">
+            <a:schemeClr val="lt1"/>
+          </a:fontRef>
+        </p:style>
+        <p:txBody>
+          <a:bodyPr rtlCol="0" anchor="ctr"/>
+          <a:lstStyle/>
+          <a:p>
+            <a:pPr algn="ctr"/>
+            <a:r>
+              <a:rPr lang="en-US" dirty="0"/>
+              <a:t>Vue.JS Application (Front-end)</a:t>
+            </a:r>
+          </a:p>
+        </p:txBody>
+      </p:sp>
+      <p:sp>
+        <p:nvSpPr>
+          <p:cNvPr id="6" name="Rectangle 5">
+            <a:extLst>
+              <a:ext uri="{FF2B5EF4-FFF2-40B4-BE49-F238E27FC236}">
+                <a16:creationId xmlns:a16="http://schemas.microsoft.com/office/drawing/2014/main" id="{54E5991F-4A24-4D0B-8C41-5AA4B195B4E7}"/>
+              </a:ext>
+            </a:extLst>
+          </p:cNvPr>
+          <p:cNvSpPr/>
+          <p:nvPr/>
+        </p:nvSpPr>
+        <p:spPr>
+          <a:xfrm>
+            <a:off x="838199" y="2721277"/>
+            <a:ext cx="1941535" cy="1039661"/>
+          </a:xfrm>
+          <a:prstGeom prst="rect">
+            <a:avLst/>
+          </a:prstGeom>
+        </p:spPr>
+        <p:style>
+          <a:lnRef idx="2">
+            <a:schemeClr val="accent5">
+              <a:shade val="50000"/>
+            </a:schemeClr>
+          </a:lnRef>
+          <a:fillRef idx="1">
+            <a:schemeClr val="accent5"/>
+          </a:fillRef>
+          <a:effectRef idx="0">
+            <a:schemeClr val="accent5"/>
+          </a:effectRef>
+          <a:fontRef idx="minor">
+            <a:schemeClr val="lt1"/>
+          </a:fontRef>
+        </p:style>
+        <p:txBody>
+          <a:bodyPr rtlCol="0" anchor="ctr"/>
+          <a:lstStyle/>
+          <a:p>
+            <a:pPr algn="ctr"/>
+            <a:r>
+              <a:rPr lang="en-US" dirty="0"/>
+              <a:t>Browser</a:t>
+            </a:r>
+          </a:p>
+        </p:txBody>
+      </p:sp>
+      <p:sp>
+        <p:nvSpPr>
+          <p:cNvPr id="7" name="Cloud 6">
+            <a:extLst>
+              <a:ext uri="{FF2B5EF4-FFF2-40B4-BE49-F238E27FC236}">
+                <a16:creationId xmlns:a16="http://schemas.microsoft.com/office/drawing/2014/main" id="{517B5187-BB3C-4E6F-9380-D6C0A5767991}"/>
+              </a:ext>
+            </a:extLst>
+          </p:cNvPr>
+          <p:cNvSpPr/>
+          <p:nvPr/>
+        </p:nvSpPr>
+        <p:spPr>
+          <a:xfrm>
+            <a:off x="3514346" y="2642991"/>
+            <a:ext cx="2097014" cy="1196236"/>
+          </a:xfrm>
+          <a:prstGeom prst="cloud">
+            <a:avLst/>
+          </a:prstGeom>
+        </p:spPr>
+        <p:style>
+          <a:lnRef idx="2">
+            <a:schemeClr val="accent6"/>
+          </a:lnRef>
+          <a:fillRef idx="1">
+            <a:schemeClr val="lt1"/>
+          </a:fillRef>
+          <a:effectRef idx="0">
+            <a:schemeClr val="accent6"/>
+          </a:effectRef>
+          <a:fontRef idx="minor">
+            <a:schemeClr val="dk1"/>
+          </a:fontRef>
+        </p:style>
+        <p:txBody>
+          <a:bodyPr rtlCol="0" anchor="ctr"/>
+          <a:lstStyle/>
+          <a:p>
+            <a:pPr algn="ctr"/>
+            <a:r>
+              <a:rPr lang="en-US" dirty="0"/>
+              <a:t>Network</a:t>
+            </a:r>
+          </a:p>
+        </p:txBody>
+      </p:sp>
+      <p:cxnSp>
+        <p:nvCxnSpPr>
+          <p:cNvPr id="9" name="Straight Arrow Connector 8">
+            <a:extLst>
+              <a:ext uri="{FF2B5EF4-FFF2-40B4-BE49-F238E27FC236}">
+                <a16:creationId xmlns:a16="http://schemas.microsoft.com/office/drawing/2014/main" id="{C5D2C280-054B-400B-AC20-517423881A62}"/>
+              </a:ext>
+            </a:extLst>
+          </p:cNvPr>
+          <p:cNvCxnSpPr>
+            <a:stCxn id="6" idx="3"/>
+            <a:endCxn id="7" idx="2"/>
+          </p:cNvCxnSpPr>
+          <p:nvPr/>
+        </p:nvCxnSpPr>
+        <p:spPr>
+          <a:xfrm>
+            <a:off x="2779734" y="3241108"/>
+            <a:ext cx="741117" cy="1"/>
+          </a:xfrm>
+          <a:prstGeom prst="straightConnector1">
+            <a:avLst/>
+          </a:prstGeom>
+          <a:ln>
+            <a:tailEnd type="triangle"/>
+          </a:ln>
+        </p:spPr>
+        <p:style>
+          <a:lnRef idx="3">
+            <a:schemeClr val="dk1"/>
+          </a:lnRef>
+          <a:fillRef idx="0">
+            <a:schemeClr val="dk1"/>
+          </a:fillRef>
+          <a:effectRef idx="2">
+            <a:schemeClr val="dk1"/>
+          </a:effectRef>
+          <a:fontRef idx="minor">
+            <a:schemeClr val="tx1"/>
+          </a:fontRef>
+        </p:style>
+      </p:cxnSp>
+      <p:cxnSp>
+        <p:nvCxnSpPr>
+          <p:cNvPr id="13" name="Straight Arrow Connector 12">
+            <a:extLst>
+              <a:ext uri="{FF2B5EF4-FFF2-40B4-BE49-F238E27FC236}">
+                <a16:creationId xmlns:a16="http://schemas.microsoft.com/office/drawing/2014/main" id="{BA30E18C-E9FC-45C1-873B-0C08C4A3803E}"/>
+              </a:ext>
+            </a:extLst>
+          </p:cNvPr>
+          <p:cNvCxnSpPr>
+            <a:cxnSpLocks/>
+            <a:stCxn id="7" idx="0"/>
+            <a:endCxn id="5" idx="1"/>
+          </p:cNvCxnSpPr>
+          <p:nvPr/>
+        </p:nvCxnSpPr>
+        <p:spPr>
+          <a:xfrm>
+            <a:off x="5609612" y="3241109"/>
+            <a:ext cx="736358" cy="1039660"/>
+          </a:xfrm>
+          <a:prstGeom prst="straightConnector1">
+            <a:avLst/>
+          </a:prstGeom>
+          <a:ln>
+            <a:tailEnd type="triangle"/>
+          </a:ln>
+        </p:spPr>
+        <p:style>
+          <a:lnRef idx="3">
+            <a:schemeClr val="dk1"/>
+          </a:lnRef>
+          <a:fillRef idx="0">
+            <a:schemeClr val="dk1"/>
+          </a:fillRef>
+          <a:effectRef idx="2">
+            <a:schemeClr val="dk1"/>
+          </a:effectRef>
+          <a:fontRef idx="minor">
+            <a:schemeClr val="tx1"/>
+          </a:fontRef>
+        </p:style>
+      </p:cxnSp>
+      <p:sp>
+        <p:nvSpPr>
+          <p:cNvPr id="24" name="TextBox 23">
+            <a:extLst>
+              <a:ext uri="{FF2B5EF4-FFF2-40B4-BE49-F238E27FC236}">
+                <a16:creationId xmlns:a16="http://schemas.microsoft.com/office/drawing/2014/main" id="{4BA857C1-F385-4685-94CD-E22591525500}"/>
+              </a:ext>
+            </a:extLst>
+          </p:cNvPr>
+          <p:cNvSpPr txBox="1"/>
+          <p:nvPr/>
+        </p:nvSpPr>
+        <p:spPr>
+          <a:xfrm>
+            <a:off x="8625385" y="2016780"/>
+            <a:ext cx="2852382" cy="369332"/>
+          </a:xfrm>
+          <a:prstGeom prst="rect">
+            <a:avLst/>
+          </a:prstGeom>
+          <a:noFill/>
+        </p:spPr>
+        <p:txBody>
+          <a:bodyPr wrap="square" rtlCol="0">
+            <a:spAutoFit/>
+          </a:bodyPr>
+          <a:lstStyle/>
+          <a:p>
+            <a:r>
+              <a:rPr lang="en-US" dirty="0"/>
+              <a:t>https://localhost:5000</a:t>
+            </a:r>
+          </a:p>
+        </p:txBody>
+      </p:sp>
+      <p:sp>
+        <p:nvSpPr>
+          <p:cNvPr id="25" name="TextBox 24">
+            <a:extLst>
+              <a:ext uri="{FF2B5EF4-FFF2-40B4-BE49-F238E27FC236}">
+                <a16:creationId xmlns:a16="http://schemas.microsoft.com/office/drawing/2014/main" id="{E9525C53-B5FF-49D0-A40D-F524E654FE58}"/>
+              </a:ext>
+            </a:extLst>
+          </p:cNvPr>
+          <p:cNvSpPr txBox="1"/>
+          <p:nvPr/>
+        </p:nvSpPr>
+        <p:spPr>
+          <a:xfrm>
+            <a:off x="8625385" y="4096102"/>
+            <a:ext cx="2852382" cy="369332"/>
+          </a:xfrm>
+          <a:prstGeom prst="rect">
+            <a:avLst/>
+          </a:prstGeom>
+          <a:noFill/>
+        </p:spPr>
+        <p:txBody>
+          <a:bodyPr wrap="square" rtlCol="0">
+            <a:spAutoFit/>
+          </a:bodyPr>
+          <a:lstStyle/>
+          <a:p>
+            <a:r>
+              <a:rPr lang="en-US" dirty="0"/>
+              <a:t>https://localhost:3000</a:t>
+            </a:r>
+          </a:p>
+        </p:txBody>
+      </p:sp>
+      <p:cxnSp>
+        <p:nvCxnSpPr>
+          <p:cNvPr id="14" name="Straight Arrow Connector 13">
+            <a:extLst>
+              <a:ext uri="{FF2B5EF4-FFF2-40B4-BE49-F238E27FC236}">
+                <a16:creationId xmlns:a16="http://schemas.microsoft.com/office/drawing/2014/main" id="{0FB8805E-3D84-4583-9066-277D0F1C8F01}"/>
+              </a:ext>
+            </a:extLst>
+          </p:cNvPr>
+          <p:cNvCxnSpPr>
+            <a:cxnSpLocks/>
+          </p:cNvCxnSpPr>
+          <p:nvPr/>
+        </p:nvCxnSpPr>
+        <p:spPr>
+          <a:xfrm flipV="1">
+            <a:off x="8865871" y="2721276"/>
+            <a:ext cx="0" cy="1117951"/>
+          </a:xfrm>
+          <a:prstGeom prst="straightConnector1">
+            <a:avLst/>
+          </a:prstGeom>
+          <a:ln>
+            <a:tailEnd type="triangle"/>
+          </a:ln>
+        </p:spPr>
+        <p:style>
+          <a:lnRef idx="3">
+            <a:schemeClr val="dk1"/>
+          </a:lnRef>
+          <a:fillRef idx="0">
+            <a:schemeClr val="dk1"/>
+          </a:fillRef>
+          <a:effectRef idx="2">
+            <a:schemeClr val="dk1"/>
+          </a:effectRef>
+          <a:fontRef idx="minor">
+            <a:schemeClr val="tx1"/>
+          </a:fontRef>
+        </p:style>
+      </p:cxnSp>
+      <p:sp>
+        <p:nvSpPr>
+          <p:cNvPr id="17" name="TextBox 16">
+            <a:extLst>
+              <a:ext uri="{FF2B5EF4-FFF2-40B4-BE49-F238E27FC236}">
+                <a16:creationId xmlns:a16="http://schemas.microsoft.com/office/drawing/2014/main" id="{F3C191F7-1EA5-423F-BBAE-8CEB36565865}"/>
+              </a:ext>
+            </a:extLst>
+          </p:cNvPr>
+          <p:cNvSpPr txBox="1"/>
+          <p:nvPr/>
+        </p:nvSpPr>
+        <p:spPr>
+          <a:xfrm>
+            <a:off x="8625385" y="3756559"/>
+            <a:ext cx="2852382" cy="369332"/>
+          </a:xfrm>
+          <a:prstGeom prst="rect">
+            <a:avLst/>
+          </a:prstGeom>
+          <a:noFill/>
+        </p:spPr>
+        <p:txBody>
+          <a:bodyPr wrap="square" rtlCol="0">
+            <a:spAutoFit/>
+          </a:bodyPr>
+          <a:lstStyle/>
+          <a:p>
+            <a:r>
+              <a:rPr lang="en-US" dirty="0"/>
+              <a:t>https://localhost:3000/api</a:t>
+            </a:r>
+          </a:p>
+        </p:txBody>
+      </p:sp>
+    </p:spTree>
+    <p:extLst>
+      <p:ext uri="{BB962C8B-B14F-4D97-AF65-F5344CB8AC3E}">
+        <p14:creationId xmlns:p14="http://schemas.microsoft.com/office/powerpoint/2010/main" val="718192700"/>
+      </p:ext>
+    </p:extLst>
+  </p:cSld>
+  <p:clrMapOvr>
+    <a:masterClrMapping/>
+  </p:clrMapOvr>
+  <p:timing>
+    <p:tnLst>
+      <p:par>
+        <p:cTn id="1" dur="indefinite" restart="never" nodeType="tmRoot">
+          <p:childTnLst>
+            <p:seq concurrent="1" nextAc="seek">
+              <p:cTn id="2" dur="indefinite" nodeType="mainSeq">
+                <p:childTnLst>
+                  <p:par>
+                    <p:cTn id="3" fill="hold">
+                      <p:stCondLst>
+                        <p:cond delay="indefinite"/>
+                      </p:stCondLst>
+                      <p:childTnLst>
+                        <p:par>
+                          <p:cTn id="4" fill="hold">
+                            <p:stCondLst>
+                              <p:cond delay="0"/>
+                            </p:stCondLst>
+                            <p:childTnLst>
+                              <p:par>
+                                <p:cTn id="5" presetID="1" presetClass="entr" presetSubtype="0" fill="hold" grpId="0" nodeType="clickEffect">
+                                  <p:stCondLst>
+                                    <p:cond delay="0"/>
+                                  </p:stCondLst>
+                                  <p:childTnLst>
+                                    <p:set>
+                                      <p:cBhvr>
+                                        <p:cTn id="6" dur="1" fill="hold">
+                                          <p:stCondLst>
+                                            <p:cond delay="0"/>
+                                          </p:stCondLst>
+                                        </p:cTn>
+                                        <p:tgtEl>
+                                          <p:spTgt spid="6"/>
+                                        </p:tgtEl>
+                                        <p:attrNameLst>
+                                          <p:attrName>style.visibility</p:attrName>
+                                        </p:attrNameLst>
+                                      </p:cBhvr>
+                                      <p:to>
+                                        <p:strVal val="visible"/>
+                                      </p:to>
+                                    </p:set>
+                                  </p:childTnLst>
+                                </p:cTn>
+                              </p:par>
+                            </p:childTnLst>
+                          </p:cTn>
+                        </p:par>
+                      </p:childTnLst>
+                    </p:cTn>
+                  </p:par>
+                  <p:par>
+                    <p:cTn id="7" fill="hold">
+                      <p:stCondLst>
+                        <p:cond delay="indefinite"/>
+                      </p:stCondLst>
+                      <p:childTnLst>
+                        <p:par>
+                          <p:cTn id="8" fill="hold">
+                            <p:stCondLst>
+                              <p:cond delay="0"/>
+                            </p:stCondLst>
+                            <p:childTnLst>
+                              <p:par>
+                                <p:cTn id="9" presetID="1" presetClass="entr" presetSubtype="0" fill="hold" grpId="0" nodeType="clickEffect">
+                                  <p:stCondLst>
+                                    <p:cond delay="0"/>
+                                  </p:stCondLst>
+                                  <p:childTnLst>
+                                    <p:set>
+                                      <p:cBhvr>
+                                        <p:cTn id="10" dur="1" fill="hold">
+                                          <p:stCondLst>
+                                            <p:cond delay="0"/>
+                                          </p:stCondLst>
+                                        </p:cTn>
+                                        <p:tgtEl>
+                                          <p:spTgt spid="7"/>
+                                        </p:tgtEl>
+                                        <p:attrNameLst>
+                                          <p:attrName>style.visibility</p:attrName>
+                                        </p:attrNameLst>
+                                      </p:cBhvr>
+                                      <p:to>
+                                        <p:strVal val="visible"/>
+                                      </p:to>
+                                    </p:set>
+                                  </p:childTnLst>
+                                </p:cTn>
+                              </p:par>
+                              <p:par>
+                                <p:cTn id="11" presetID="1" presetClass="entr" presetSubtype="0" fill="hold" nodeType="withEffect">
+                                  <p:stCondLst>
+                                    <p:cond delay="0"/>
+                                  </p:stCondLst>
+                                  <p:childTnLst>
+                                    <p:set>
+                                      <p:cBhvr>
+                                        <p:cTn id="12" dur="1" fill="hold">
+                                          <p:stCondLst>
+                                            <p:cond delay="0"/>
+                                          </p:stCondLst>
+                                        </p:cTn>
+                                        <p:tgtEl>
+                                          <p:spTgt spid="9"/>
+                                        </p:tgtEl>
+                                        <p:attrNameLst>
+                                          <p:attrName>style.visibility</p:attrName>
+                                        </p:attrNameLst>
+                                      </p:cBhvr>
+                                      <p:to>
+                                        <p:strVal val="visible"/>
+                                      </p:to>
+                                    </p:set>
+                                  </p:childTnLst>
+                                </p:cTn>
+                              </p:par>
+                              <p:par>
+                                <p:cTn id="13" presetID="1" presetClass="entr" presetSubtype="0" fill="hold" grpId="0" nodeType="withEffect">
+                                  <p:stCondLst>
+                                    <p:cond delay="0"/>
+                                  </p:stCondLst>
+                                  <p:childTnLst>
+                                    <p:set>
+                                      <p:cBhvr>
+                                        <p:cTn id="14" dur="1" fill="hold">
+                                          <p:stCondLst>
+                                            <p:cond delay="0"/>
+                                          </p:stCondLst>
+                                        </p:cTn>
+                                        <p:tgtEl>
+                                          <p:spTgt spid="4"/>
+                                        </p:tgtEl>
+                                        <p:attrNameLst>
+                                          <p:attrName>style.visibility</p:attrName>
+                                        </p:attrNameLst>
+                                      </p:cBhvr>
+                                      <p:to>
+                                        <p:strVal val="visible"/>
+                                      </p:to>
+                                    </p:set>
+                                  </p:childTnLst>
+                                </p:cTn>
+                              </p:par>
+                              <p:par>
+                                <p:cTn id="15" presetID="1" presetClass="entr" presetSubtype="0" fill="hold" grpId="0" nodeType="withEffect">
+                                  <p:stCondLst>
+                                    <p:cond delay="0"/>
+                                  </p:stCondLst>
+                                  <p:childTnLst>
+                                    <p:set>
+                                      <p:cBhvr>
+                                        <p:cTn id="16" dur="1" fill="hold">
+                                          <p:stCondLst>
+                                            <p:cond delay="0"/>
+                                          </p:stCondLst>
+                                        </p:cTn>
+                                        <p:tgtEl>
+                                          <p:spTgt spid="24"/>
+                                        </p:tgtEl>
+                                        <p:attrNameLst>
+                                          <p:attrName>style.visibility</p:attrName>
+                                        </p:attrNameLst>
+                                      </p:cBhvr>
+                                      <p:to>
+                                        <p:strVal val="visible"/>
+                                      </p:to>
+                                    </p:set>
+                                  </p:childTnLst>
+                                </p:cTn>
+                              </p:par>
+                            </p:childTnLst>
+                          </p:cTn>
+                        </p:par>
+                      </p:childTnLst>
+                    </p:cTn>
+                  </p:par>
+                  <p:par>
+                    <p:cTn id="17" fill="hold">
+                      <p:stCondLst>
+                        <p:cond delay="indefinite"/>
+                      </p:stCondLst>
+                      <p:childTnLst>
+                        <p:par>
+                          <p:cTn id="18" fill="hold">
+                            <p:stCondLst>
+                              <p:cond delay="0"/>
+                            </p:stCondLst>
+                            <p:childTnLst>
+                              <p:par>
+                                <p:cTn id="19" presetID="1" presetClass="entr" presetSubtype="0" fill="hold" nodeType="clickEffect">
+                                  <p:stCondLst>
+                                    <p:cond delay="0"/>
+                                  </p:stCondLst>
+                                  <p:childTnLst>
+                                    <p:set>
+                                      <p:cBhvr>
+                                        <p:cTn id="20" dur="1" fill="hold">
+                                          <p:stCondLst>
+                                            <p:cond delay="0"/>
+                                          </p:stCondLst>
+                                        </p:cTn>
+                                        <p:tgtEl>
+                                          <p:spTgt spid="13"/>
+                                        </p:tgtEl>
+                                        <p:attrNameLst>
+                                          <p:attrName>style.visibility</p:attrName>
+                                        </p:attrNameLst>
+                                      </p:cBhvr>
+                                      <p:to>
+                                        <p:strVal val="visible"/>
+                                      </p:to>
+                                    </p:set>
+                                  </p:childTnLst>
+                                </p:cTn>
+                              </p:par>
+                              <p:par>
+                                <p:cTn id="21" presetID="1" presetClass="entr" presetSubtype="0" fill="hold" grpId="0" nodeType="withEffect">
+                                  <p:stCondLst>
+                                    <p:cond delay="0"/>
+                                  </p:stCondLst>
+                                  <p:childTnLst>
+                                    <p:set>
+                                      <p:cBhvr>
+                                        <p:cTn id="22" dur="1" fill="hold">
+                                          <p:stCondLst>
+                                            <p:cond delay="0"/>
+                                          </p:stCondLst>
+                                        </p:cTn>
+                                        <p:tgtEl>
+                                          <p:spTgt spid="5"/>
+                                        </p:tgtEl>
+                                        <p:attrNameLst>
+                                          <p:attrName>style.visibility</p:attrName>
+                                        </p:attrNameLst>
+                                      </p:cBhvr>
+                                      <p:to>
+                                        <p:strVal val="visible"/>
+                                      </p:to>
+                                    </p:set>
+                                  </p:childTnLst>
+                                </p:cTn>
+                              </p:par>
+                              <p:par>
+                                <p:cTn id="23" presetID="1" presetClass="entr" presetSubtype="0" fill="hold" grpId="0" nodeType="withEffect">
+                                  <p:stCondLst>
+                                    <p:cond delay="0"/>
+                                  </p:stCondLst>
+                                  <p:childTnLst>
+                                    <p:set>
+                                      <p:cBhvr>
+                                        <p:cTn id="24" dur="1" fill="hold">
+                                          <p:stCondLst>
+                                            <p:cond delay="0"/>
+                                          </p:stCondLst>
+                                        </p:cTn>
+                                        <p:tgtEl>
+                                          <p:spTgt spid="25"/>
+                                        </p:tgtEl>
+                                        <p:attrNameLst>
+                                          <p:attrName>style.visibility</p:attrName>
+                                        </p:attrNameLst>
+                                      </p:cBhvr>
+                                      <p:to>
+                                        <p:strVal val="visible"/>
+                                      </p:to>
+                                    </p:set>
+                                  </p:childTnLst>
+                                </p:cTn>
+                              </p:par>
+                            </p:childTnLst>
+                          </p:cTn>
+                        </p:par>
+                      </p:childTnLst>
+                    </p:cTn>
+                  </p:par>
+                  <p:par>
+                    <p:cTn id="25" fill="hold">
+                      <p:stCondLst>
+                        <p:cond delay="indefinite"/>
+                      </p:stCondLst>
+                      <p:childTnLst>
+                        <p:par>
+                          <p:cTn id="26" fill="hold">
+                            <p:stCondLst>
+                              <p:cond delay="0"/>
+                            </p:stCondLst>
+                            <p:childTnLst>
+                              <p:par>
+                                <p:cTn id="27" presetID="1" presetClass="entr" presetSubtype="0" fill="hold" nodeType="clickEffect">
+                                  <p:stCondLst>
+                                    <p:cond delay="0"/>
+                                  </p:stCondLst>
+                                  <p:childTnLst>
+                                    <p:set>
+                                      <p:cBhvr>
+                                        <p:cTn id="28" dur="1" fill="hold">
+                                          <p:stCondLst>
+                                            <p:cond delay="0"/>
+                                          </p:stCondLst>
+                                        </p:cTn>
+                                        <p:tgtEl>
+                                          <p:spTgt spid="14"/>
+                                        </p:tgtEl>
+                                        <p:attrNameLst>
+                                          <p:attrName>style.visibility</p:attrName>
+                                        </p:attrNameLst>
+                                      </p:cBhvr>
+                                      <p:to>
+                                        <p:strVal val="visible"/>
+                                      </p:to>
+                                    </p:set>
+                                  </p:childTnLst>
+                                </p:cTn>
+                              </p:par>
+                              <p:par>
+                                <p:cTn id="29" presetID="1" presetClass="entr" presetSubtype="0" fill="hold" grpId="0" nodeType="withEffect">
+                                  <p:stCondLst>
+                                    <p:cond delay="0"/>
+                                  </p:stCondLst>
+                                  <p:childTnLst>
+                                    <p:set>
+                                      <p:cBhvr>
+                                        <p:cTn id="30" dur="1" fill="hold">
+                                          <p:stCondLst>
+                                            <p:cond delay="0"/>
+                                          </p:stCondLst>
+                                        </p:cTn>
+                                        <p:tgtEl>
+                                          <p:spTgt spid="17"/>
+                                        </p:tgtEl>
+                                        <p:attrNameLst>
+                                          <p:attrName>style.visibility</p:attrName>
+                                        </p:attrNameLst>
+                                      </p:cBhvr>
+                                      <p:to>
+                                        <p:strVal val="visible"/>
+                                      </p:to>
+                                    </p:set>
+                                  </p:childTnLst>
+                                </p:cTn>
+                              </p:par>
+                            </p:childTnLst>
+                          </p:cTn>
+                        </p:par>
+                      </p:childTnLst>
+                    </p:cTn>
+                  </p:par>
+                </p:childTnLst>
+              </p:cTn>
+              <p:prevCondLst>
+                <p:cond evt="onPrev" delay="0">
+                  <p:tgtEl>
+                    <p:sldTgt/>
+                  </p:tgtEl>
+                </p:cond>
+              </p:prevCondLst>
+              <p:nextCondLst>
+                <p:cond evt="onNext" delay="0">
+                  <p:tgtEl>
+                    <p:sldTgt/>
+                  </p:tgtEl>
+                </p:cond>
+              </p:nextCondLst>
+            </p:seq>
+          </p:childTnLst>
+        </p:cTn>
+      </p:par>
+    </p:tnLst>
+    <p:bldLst>
+      <p:bldP spid="4" grpId="0" animBg="1"/>
+      <p:bldP spid="5" grpId="0" animBg="1"/>
+      <p:bldP spid="6" grpId="0" animBg="1"/>
+      <p:bldP spid="7" grpId="0" animBg="1"/>
+      <p:bldP spid="24" grpId="0"/>
+      <p:bldP spid="25" grpId="0"/>
+      <p:bldP spid="17" grpId="0"/>
+    </p:bldLst>
+  </p:timing>
+</p:sld>
+</file>
+
+<file path=ppt/slides/slide7.xml><?xml version="1.0" encoding="utf-8"?>
+<p:sld xmlns:a="http://schemas.openxmlformats.org/drawingml/2006/main" xmlns:r="http://schemas.openxmlformats.org/officeDocument/2006/relationships" xmlns:p="http://schemas.openxmlformats.org/presentationml/2006/main">
+  <p:cSld>
+    <p:spTree>
+      <p:nvGrpSpPr>
+        <p:cNvPr id="1" name=""/>
+        <p:cNvGrpSpPr/>
+        <p:nvPr/>
+      </p:nvGrpSpPr>
+      <p:grpSpPr>
+        <a:xfrm>
+          <a:off x="0" y="0"/>
+          <a:ext cx="0" cy="0"/>
+          <a:chOff x="0" y="0"/>
+          <a:chExt cx="0" cy="0"/>
+        </a:xfrm>
+      </p:grpSpPr>
+      <p:sp>
+        <p:nvSpPr>
+          <p:cNvPr id="2" name="Title 1">
+            <a:extLst>
+              <a:ext uri="{FF2B5EF4-FFF2-40B4-BE49-F238E27FC236}">
+                <a16:creationId xmlns:a16="http://schemas.microsoft.com/office/drawing/2014/main" id="{BCBE03E4-E81B-4A62-B363-E23C722655C7}"/>
+              </a:ext>
+            </a:extLst>
+          </p:cNvPr>
+          <p:cNvSpPr>
+            <a:spLocks noGrp="1"/>
+          </p:cNvSpPr>
+          <p:nvPr>
+            <p:ph type="title"/>
+          </p:nvPr>
+        </p:nvSpPr>
+        <p:spPr/>
+        <p:txBody>
+          <a:bodyPr/>
+          <a:lstStyle/>
+          <a:p>
+            <a:r>
+              <a:rPr lang="en-US" dirty="0"/>
+              <a:t>Setting up a Proxy with </a:t>
+            </a:r>
+            <a:r>
+              <a:rPr lang="en-US" dirty="0" err="1"/>
+              <a:t>Vite</a:t>
+            </a:r>
+            <a:endParaRPr lang="en-US" dirty="0"/>
+          </a:p>
+        </p:txBody>
+      </p:sp>
+      <p:pic>
+        <p:nvPicPr>
+          <p:cNvPr id="5" name="Content Placeholder 4">
+            <a:extLst>
+              <a:ext uri="{FF2B5EF4-FFF2-40B4-BE49-F238E27FC236}">
+                <a16:creationId xmlns:a16="http://schemas.microsoft.com/office/drawing/2014/main" id="{3FCC0A24-F67D-40C8-8D72-5E00552D1B89}"/>
+              </a:ext>
+            </a:extLst>
+          </p:cNvPr>
+          <p:cNvPicPr>
+            <a:picLocks noGrp="1" noChangeAspect="1"/>
+          </p:cNvPicPr>
+          <p:nvPr>
+            <p:ph idx="1"/>
+          </p:nvPr>
+        </p:nvPicPr>
+        <p:blipFill>
+          <a:blip r:embed="rId2"/>
+          <a:stretch>
+            <a:fillRect/>
+          </a:stretch>
+        </p:blipFill>
+        <p:spPr>
+          <a:xfrm>
+            <a:off x="2820476" y="1825625"/>
+            <a:ext cx="6551047" cy="4351338"/>
+          </a:xfrm>
+        </p:spPr>
+      </p:pic>
+    </p:spTree>
+    <p:extLst>
+      <p:ext uri="{BB962C8B-B14F-4D97-AF65-F5344CB8AC3E}">
+        <p14:creationId xmlns:p14="http://schemas.microsoft.com/office/powerpoint/2010/main" val="2551394198"/>
+      </p:ext>
+    </p:extLst>
+  </p:cSld>
+  <p:clrMapOvr>
+    <a:masterClrMapping/>
+  </p:clrMapOvr>
+</p:sld>
+</file>
+
+<file path=ppt/slides/slide8.xml><?xml version="1.0" encoding="utf-8"?>
+<p:sld xmlns:a="http://schemas.openxmlformats.org/drawingml/2006/main" xmlns:r="http://schemas.openxmlformats.org/officeDocument/2006/relationships" xmlns:p="http://schemas.openxmlformats.org/presentationml/2006/main">
+  <p:cSld>
+    <p:spTree>
+      <p:nvGrpSpPr>
+        <p:cNvPr id="1" name=""/>
+        <p:cNvGrpSpPr/>
+        <p:nvPr/>
+      </p:nvGrpSpPr>
+      <p:grpSpPr>
+        <a:xfrm>
+          <a:off x="0" y="0"/>
+          <a:ext cx="0" cy="0"/>
+          <a:chOff x="0" y="0"/>
+          <a:chExt cx="0" cy="0"/>
+        </a:xfrm>
+      </p:grpSpPr>
+      <p:sp>
+        <p:nvSpPr>
+          <p:cNvPr id="2" name="Title 1">
+            <a:extLst>
+              <a:ext uri="{FF2B5EF4-FFF2-40B4-BE49-F238E27FC236}">
+                <a16:creationId xmlns:a16="http://schemas.microsoft.com/office/drawing/2014/main" id="{62CC4980-30FF-4D1E-8DC5-7BF3156ECE1F}"/>
+              </a:ext>
+            </a:extLst>
+          </p:cNvPr>
+          <p:cNvSpPr>
+            <a:spLocks noGrp="1"/>
+          </p:cNvSpPr>
+          <p:nvPr>
+            <p:ph type="title"/>
+          </p:nvPr>
+        </p:nvSpPr>
+        <p:spPr/>
+        <p:txBody>
+          <a:bodyPr/>
+          <a:lstStyle/>
+          <a:p>
+            <a:r>
+              <a:rPr lang="en-US" dirty="0" err="1"/>
+              <a:t>Axios</a:t>
+            </a:r>
+            <a:endParaRPr lang="en-US" dirty="0"/>
+          </a:p>
+        </p:txBody>
+      </p:sp>
+      <p:sp>
+        <p:nvSpPr>
+          <p:cNvPr id="3" name="Text Placeholder 2">
+            <a:extLst>
+              <a:ext uri="{FF2B5EF4-FFF2-40B4-BE49-F238E27FC236}">
+                <a16:creationId xmlns:a16="http://schemas.microsoft.com/office/drawing/2014/main" id="{8B6F18C3-1B4B-4E95-BB60-D108E9D26603}"/>
+              </a:ext>
+            </a:extLst>
+          </p:cNvPr>
+          <p:cNvSpPr>
+            <a:spLocks noGrp="1"/>
+          </p:cNvSpPr>
+          <p:nvPr>
+            <p:ph type="body" idx="1"/>
+          </p:nvPr>
+        </p:nvSpPr>
+        <p:spPr/>
+        <p:txBody>
+          <a:bodyPr/>
+          <a:lstStyle/>
+          <a:p>
+            <a:endParaRPr lang="en-US"/>
+          </a:p>
+        </p:txBody>
+      </p:sp>
+    </p:spTree>
+    <p:extLst>
+      <p:ext uri="{BB962C8B-B14F-4D97-AF65-F5344CB8AC3E}">
+        <p14:creationId xmlns:p14="http://schemas.microsoft.com/office/powerpoint/2010/main" val="948778020"/>
+      </p:ext>
+    </p:extLst>
+  </p:cSld>
+  <p:clrMapOvr>
+    <a:masterClrMapping/>
+  </p:clrMapOvr>
+</p:sld>
+</file>
+
+<file path=ppt/slides/slide9.xml><?xml version="1.0" encoding="utf-8"?>
+<p:sld xmlns:a="http://schemas.openxmlformats.org/drawingml/2006/main" xmlns:r="http://schemas.openxmlformats.org/officeDocument/2006/relationships" xmlns:p="http://schemas.openxmlformats.org/presentationml/2006/main">
+  <p:cSld>
+    <p:spTree>
+      <p:nvGrpSpPr>
+        <p:cNvPr id="1" name=""/>
+        <p:cNvGrpSpPr/>
+        <p:nvPr/>
+      </p:nvGrpSpPr>
+      <p:grpSpPr>
+        <a:xfrm>
+          <a:off x="0" y="0"/>
+          <a:ext cx="0" cy="0"/>
+          <a:chOff x="0" y="0"/>
+          <a:chExt cx="0" cy="0"/>
+        </a:xfrm>
+      </p:grpSpPr>
+      <p:sp>
+        <p:nvSpPr>
+          <p:cNvPr id="2" name="Title 1">
+            <a:extLst>
+              <a:ext uri="{FF2B5EF4-FFF2-40B4-BE49-F238E27FC236}">
+                <a16:creationId xmlns:a16="http://schemas.microsoft.com/office/drawing/2014/main" id="{396E8D6E-C0AB-44A7-A98D-844F72EBFD2A}"/>
+              </a:ext>
+            </a:extLst>
+          </p:cNvPr>
+          <p:cNvSpPr>
+            <a:spLocks noGrp="1"/>
+          </p:cNvSpPr>
+          <p:nvPr>
+            <p:ph type="title"/>
+          </p:nvPr>
+        </p:nvSpPr>
+        <p:spPr/>
+        <p:txBody>
+          <a:bodyPr/>
+          <a:lstStyle/>
+          <a:p>
+            <a:r>
+              <a:rPr lang="en-US" dirty="0"/>
+              <a:t>Hands On Lab: Putting it Together</a:t>
+            </a:r>
+          </a:p>
+        </p:txBody>
+      </p:sp>
+      <p:sp>
+        <p:nvSpPr>
+          <p:cNvPr id="4" name="Content Placeholder 3">
+            <a:extLst>
+              <a:ext uri="{FF2B5EF4-FFF2-40B4-BE49-F238E27FC236}">
+                <a16:creationId xmlns:a16="http://schemas.microsoft.com/office/drawing/2014/main" id="{B2627E44-DADC-41F8-84F2-546245FDFA27}"/>
+              </a:ext>
+            </a:extLst>
+          </p:cNvPr>
+          <p:cNvSpPr>
+            <a:spLocks noGrp="1"/>
+          </p:cNvSpPr>
+          <p:nvPr>
+            <p:ph idx="1"/>
+          </p:nvPr>
+        </p:nvSpPr>
+        <p:spPr/>
+        <p:txBody>
+          <a:bodyPr>
+            <a:normAutofit lnSpcReduction="10000"/>
+          </a:bodyPr>
+          <a:lstStyle/>
+          <a:p>
+            <a:r>
+              <a:rPr lang="en-US" dirty="0"/>
+              <a:t>If you haven’t already, pull the latest GitHub repo for this workshop</a:t>
+            </a:r>
+          </a:p>
+          <a:p>
+            <a:endParaRPr lang="en-US" dirty="0"/>
+          </a:p>
+          <a:p>
+            <a:r>
+              <a:rPr lang="en-US" dirty="0"/>
+              <a:t>Go to the “/exercises/6_Putting </a:t>
+            </a:r>
+            <a:r>
+              <a:rPr lang="en-US"/>
+              <a:t>It Together” </a:t>
+            </a:r>
+            <a:r>
+              <a:rPr lang="en-US" dirty="0"/>
+              <a:t>folder and open the README.md.</a:t>
+            </a:r>
+          </a:p>
+          <a:p>
+            <a:endParaRPr lang="en-US" dirty="0"/>
+          </a:p>
+          <a:p>
+            <a:pPr marL="0" indent="0">
+              <a:buNone/>
+            </a:pPr>
+            <a:endParaRPr lang="en-US" dirty="0"/>
+          </a:p>
+          <a:p>
+            <a:pPr marL="0" indent="0">
+              <a:buNone/>
+            </a:pPr>
+            <a:endParaRPr lang="en-US" dirty="0"/>
+          </a:p>
+          <a:p>
+            <a:pPr marL="0" indent="0">
+              <a:buNone/>
+            </a:pPr>
+            <a:endParaRPr lang="en-US" dirty="0"/>
+          </a:p>
+          <a:p>
+            <a:pPr marL="0" indent="0">
+              <a:buNone/>
+            </a:pPr>
+            <a:r>
+              <a:rPr lang="en-US" dirty="0"/>
+              <a:t>Length: 20 minutes</a:t>
+            </a:r>
+          </a:p>
+        </p:txBody>
+      </p:sp>
+    </p:spTree>
+    <p:extLst>
+      <p:ext uri="{BB962C8B-B14F-4D97-AF65-F5344CB8AC3E}">
+        <p14:creationId xmlns:p14="http://schemas.microsoft.com/office/powerpoint/2010/main" val="3380115907"/>
+      </p:ext>
+    </p:extLst>
+  </p:cSld>
+  <p:clrMapOvr>
+    <a:masterClrMapping/>
+  </p:clrMapOvr>
 </p:sld>
 </file>
 

--- a/Slides/7_Putting it Together.pptx
+++ b/Slides/7_Putting it Together.pptx
@@ -5,7 +5,7 @@
     <p:sldMasterId id="2147483648" r:id="rId1"/>
   </p:sldMasterIdLst>
   <p:notesMasterIdLst>
-    <p:notesMasterId r:id="rId11"/>
+    <p:notesMasterId r:id="rId13"/>
   </p:notesMasterIdLst>
   <p:sldIdLst>
     <p:sldId id="256" r:id="rId2"/>
@@ -16,7 +16,9 @@
     <p:sldId id="310" r:id="rId7"/>
     <p:sldId id="313" r:id="rId8"/>
     <p:sldId id="312" r:id="rId9"/>
-    <p:sldId id="322" r:id="rId10"/>
+    <p:sldId id="323" r:id="rId10"/>
+    <p:sldId id="324" r:id="rId11"/>
+    <p:sldId id="322" r:id="rId12"/>
   </p:sldIdLst>
   <p:sldSz cx="12192000" cy="6858000"/>
   <p:notesSz cx="6858000" cy="9144000"/>
@@ -205,7 +207,7 @@
           <a:p>
             <a:fld id="{FE0698A4-8696-4B25-BC16-7D62971AF3FD}" type="datetimeFigureOut">
               <a:rPr lang="en-US" smtClean="0"/>
-              <a:t>8/14/2021</a:t>
+              <a:t>8/17/2021</a:t>
             </a:fld>
             <a:endParaRPr lang="en-US"/>
           </a:p>
@@ -1035,7 +1037,7 @@
           <a:p>
             <a:fld id="{52B491D6-D58D-44B5-AD9D-0243D7ABB41E}" type="datetimeFigureOut">
               <a:rPr lang="en-US" smtClean="0"/>
-              <a:t>8/14/2021</a:t>
+              <a:t>8/17/2021</a:t>
             </a:fld>
             <a:endParaRPr lang="en-US"/>
           </a:p>
@@ -1233,7 +1235,7 @@
           <a:p>
             <a:fld id="{52B491D6-D58D-44B5-AD9D-0243D7ABB41E}" type="datetimeFigureOut">
               <a:rPr lang="en-US" smtClean="0"/>
-              <a:t>8/14/2021</a:t>
+              <a:t>8/17/2021</a:t>
             </a:fld>
             <a:endParaRPr lang="en-US"/>
           </a:p>
@@ -1441,7 +1443,7 @@
           <a:p>
             <a:fld id="{52B491D6-D58D-44B5-AD9D-0243D7ABB41E}" type="datetimeFigureOut">
               <a:rPr lang="en-US" smtClean="0"/>
-              <a:t>8/14/2021</a:t>
+              <a:t>8/17/2021</a:t>
             </a:fld>
             <a:endParaRPr lang="en-US"/>
           </a:p>
@@ -1639,7 +1641,7 @@
           <a:p>
             <a:fld id="{52B491D6-D58D-44B5-AD9D-0243D7ABB41E}" type="datetimeFigureOut">
               <a:rPr lang="en-US" smtClean="0"/>
-              <a:t>8/14/2021</a:t>
+              <a:t>8/17/2021</a:t>
             </a:fld>
             <a:endParaRPr lang="en-US"/>
           </a:p>
@@ -1914,7 +1916,7 @@
           <a:p>
             <a:fld id="{52B491D6-D58D-44B5-AD9D-0243D7ABB41E}" type="datetimeFigureOut">
               <a:rPr lang="en-US" smtClean="0"/>
-              <a:t>8/14/2021</a:t>
+              <a:t>8/17/2021</a:t>
             </a:fld>
             <a:endParaRPr lang="en-US"/>
           </a:p>
@@ -2179,7 +2181,7 @@
           <a:p>
             <a:fld id="{52B491D6-D58D-44B5-AD9D-0243D7ABB41E}" type="datetimeFigureOut">
               <a:rPr lang="en-US" smtClean="0"/>
-              <a:t>8/14/2021</a:t>
+              <a:t>8/17/2021</a:t>
             </a:fld>
             <a:endParaRPr lang="en-US"/>
           </a:p>
@@ -2591,7 +2593,7 @@
           <a:p>
             <a:fld id="{52B491D6-D58D-44B5-AD9D-0243D7ABB41E}" type="datetimeFigureOut">
               <a:rPr lang="en-US" smtClean="0"/>
-              <a:t>8/14/2021</a:t>
+              <a:t>8/17/2021</a:t>
             </a:fld>
             <a:endParaRPr lang="en-US"/>
           </a:p>
@@ -2732,7 +2734,7 @@
           <a:p>
             <a:fld id="{52B491D6-D58D-44B5-AD9D-0243D7ABB41E}" type="datetimeFigureOut">
               <a:rPr lang="en-US" smtClean="0"/>
-              <a:t>8/14/2021</a:t>
+              <a:t>8/17/2021</a:t>
             </a:fld>
             <a:endParaRPr lang="en-US"/>
           </a:p>
@@ -2845,7 +2847,7 @@
           <a:p>
             <a:fld id="{52B491D6-D58D-44B5-AD9D-0243D7ABB41E}" type="datetimeFigureOut">
               <a:rPr lang="en-US" smtClean="0"/>
-              <a:t>8/14/2021</a:t>
+              <a:t>8/17/2021</a:t>
             </a:fld>
             <a:endParaRPr lang="en-US"/>
           </a:p>
@@ -3156,7 +3158,7 @@
           <a:p>
             <a:fld id="{52B491D6-D58D-44B5-AD9D-0243D7ABB41E}" type="datetimeFigureOut">
               <a:rPr lang="en-US" smtClean="0"/>
-              <a:t>8/14/2021</a:t>
+              <a:t>8/17/2021</a:t>
             </a:fld>
             <a:endParaRPr lang="en-US"/>
           </a:p>
@@ -3444,7 +3446,7 @@
           <a:p>
             <a:fld id="{52B491D6-D58D-44B5-AD9D-0243D7ABB41E}" type="datetimeFigureOut">
               <a:rPr lang="en-US" smtClean="0"/>
-              <a:t>8/14/2021</a:t>
+              <a:t>8/17/2021</a:t>
             </a:fld>
             <a:endParaRPr lang="en-US"/>
           </a:p>
@@ -3685,7 +3687,7 @@
           <a:p>
             <a:fld id="{52B491D6-D58D-44B5-AD9D-0243D7ABB41E}" type="datetimeFigureOut">
               <a:rPr lang="en-US" smtClean="0"/>
-              <a:t>8/14/2021</a:t>
+              <a:t>8/17/2021</a:t>
             </a:fld>
             <a:endParaRPr lang="en-US"/>
           </a:p>
@@ -4167,6 +4169,231 @@
     <p:extLst>
       <p:ext uri="{BB962C8B-B14F-4D97-AF65-F5344CB8AC3E}">
         <p14:creationId xmlns:p14="http://schemas.microsoft.com/office/powerpoint/2010/main" val="3859728968"/>
+      </p:ext>
+    </p:extLst>
+  </p:cSld>
+  <p:clrMapOvr>
+    <a:masterClrMapping/>
+  </p:clrMapOvr>
+</p:sld>
+</file>
+
+<file path=ppt/slides/slide10.xml><?xml version="1.0" encoding="utf-8"?>
+<p:sld xmlns:a="http://schemas.openxmlformats.org/drawingml/2006/main" xmlns:r="http://schemas.openxmlformats.org/officeDocument/2006/relationships" xmlns:p="http://schemas.openxmlformats.org/presentationml/2006/main">
+  <p:cSld>
+    <p:spTree>
+      <p:nvGrpSpPr>
+        <p:cNvPr id="1" name=""/>
+        <p:cNvGrpSpPr/>
+        <p:nvPr/>
+      </p:nvGrpSpPr>
+      <p:grpSpPr>
+        <a:xfrm>
+          <a:off x="0" y="0"/>
+          <a:ext cx="0" cy="0"/>
+          <a:chOff x="0" y="0"/>
+          <a:chExt cx="0" cy="0"/>
+        </a:xfrm>
+      </p:grpSpPr>
+      <p:sp>
+        <p:nvSpPr>
+          <p:cNvPr id="2" name="Title 1">
+            <a:extLst>
+              <a:ext uri="{FF2B5EF4-FFF2-40B4-BE49-F238E27FC236}">
+                <a16:creationId xmlns:a16="http://schemas.microsoft.com/office/drawing/2014/main" id="{62CC4980-30FF-4D1E-8DC5-7BF3156ECE1F}"/>
+              </a:ext>
+            </a:extLst>
+          </p:cNvPr>
+          <p:cNvSpPr>
+            <a:spLocks noGrp="1"/>
+          </p:cNvSpPr>
+          <p:nvPr>
+            <p:ph type="title"/>
+          </p:nvPr>
+        </p:nvSpPr>
+        <p:spPr/>
+        <p:txBody>
+          <a:bodyPr/>
+          <a:lstStyle/>
+          <a:p>
+            <a:r>
+              <a:rPr lang="en-US" dirty="0"/>
+              <a:t>Demo	</a:t>
+            </a:r>
+          </a:p>
+        </p:txBody>
+      </p:sp>
+      <p:sp>
+        <p:nvSpPr>
+          <p:cNvPr id="3" name="Text Placeholder 2">
+            <a:extLst>
+              <a:ext uri="{FF2B5EF4-FFF2-40B4-BE49-F238E27FC236}">
+                <a16:creationId xmlns:a16="http://schemas.microsoft.com/office/drawing/2014/main" id="{8B6F18C3-1B4B-4E95-BB60-D108E9D26603}"/>
+              </a:ext>
+            </a:extLst>
+          </p:cNvPr>
+          <p:cNvSpPr>
+            <a:spLocks noGrp="1"/>
+          </p:cNvSpPr>
+          <p:nvPr>
+            <p:ph type="body" idx="1"/>
+          </p:nvPr>
+        </p:nvSpPr>
+        <p:spPr/>
+        <p:txBody>
+          <a:bodyPr/>
+          <a:lstStyle/>
+          <a:p>
+            <a:r>
+              <a:rPr lang="en-US" dirty="0" err="1"/>
+              <a:t>Axios</a:t>
+            </a:r>
+            <a:r>
+              <a:rPr lang="en-US" dirty="0"/>
+              <a:t> in Action</a:t>
+            </a:r>
+          </a:p>
+        </p:txBody>
+      </p:sp>
+    </p:spTree>
+    <p:extLst>
+      <p:ext uri="{BB962C8B-B14F-4D97-AF65-F5344CB8AC3E}">
+        <p14:creationId xmlns:p14="http://schemas.microsoft.com/office/powerpoint/2010/main" val="427395493"/>
+      </p:ext>
+    </p:extLst>
+  </p:cSld>
+  <p:clrMapOvr>
+    <a:masterClrMapping/>
+  </p:clrMapOvr>
+</p:sld>
+</file>
+
+<file path=ppt/slides/slide11.xml><?xml version="1.0" encoding="utf-8"?>
+<p:sld xmlns:a="http://schemas.openxmlformats.org/drawingml/2006/main" xmlns:r="http://schemas.openxmlformats.org/officeDocument/2006/relationships" xmlns:p="http://schemas.openxmlformats.org/presentationml/2006/main">
+  <p:cSld>
+    <p:spTree>
+      <p:nvGrpSpPr>
+        <p:cNvPr id="1" name=""/>
+        <p:cNvGrpSpPr/>
+        <p:nvPr/>
+      </p:nvGrpSpPr>
+      <p:grpSpPr>
+        <a:xfrm>
+          <a:off x="0" y="0"/>
+          <a:ext cx="0" cy="0"/>
+          <a:chOff x="0" y="0"/>
+          <a:chExt cx="0" cy="0"/>
+        </a:xfrm>
+      </p:grpSpPr>
+      <p:sp>
+        <p:nvSpPr>
+          <p:cNvPr id="2" name="Title 1">
+            <a:extLst>
+              <a:ext uri="{FF2B5EF4-FFF2-40B4-BE49-F238E27FC236}">
+                <a16:creationId xmlns:a16="http://schemas.microsoft.com/office/drawing/2014/main" id="{396E8D6E-C0AB-44A7-A98D-844F72EBFD2A}"/>
+              </a:ext>
+            </a:extLst>
+          </p:cNvPr>
+          <p:cNvSpPr>
+            <a:spLocks noGrp="1"/>
+          </p:cNvSpPr>
+          <p:nvPr>
+            <p:ph type="title"/>
+          </p:nvPr>
+        </p:nvSpPr>
+        <p:spPr/>
+        <p:txBody>
+          <a:bodyPr/>
+          <a:lstStyle/>
+          <a:p>
+            <a:r>
+              <a:rPr lang="en-US" dirty="0"/>
+              <a:t>Hands On Lab: Putting it Together</a:t>
+            </a:r>
+          </a:p>
+        </p:txBody>
+      </p:sp>
+      <p:sp>
+        <p:nvSpPr>
+          <p:cNvPr id="4" name="Content Placeholder 3">
+            <a:extLst>
+              <a:ext uri="{FF2B5EF4-FFF2-40B4-BE49-F238E27FC236}">
+                <a16:creationId xmlns:a16="http://schemas.microsoft.com/office/drawing/2014/main" id="{B2627E44-DADC-41F8-84F2-546245FDFA27}"/>
+              </a:ext>
+            </a:extLst>
+          </p:cNvPr>
+          <p:cNvSpPr>
+            <a:spLocks noGrp="1"/>
+          </p:cNvSpPr>
+          <p:nvPr>
+            <p:ph idx="1"/>
+          </p:nvPr>
+        </p:nvSpPr>
+        <p:spPr/>
+        <p:txBody>
+          <a:bodyPr>
+            <a:normAutofit lnSpcReduction="10000"/>
+          </a:bodyPr>
+          <a:lstStyle/>
+          <a:p>
+            <a:r>
+              <a:rPr lang="en-US" dirty="0"/>
+              <a:t>If you haven’t already, pull the latest GitHub repo for this workshop</a:t>
+            </a:r>
+          </a:p>
+          <a:p>
+            <a:endParaRPr lang="en-US" dirty="0"/>
+          </a:p>
+          <a:p>
+            <a:r>
+              <a:rPr lang="en-US" dirty="0"/>
+              <a:t>Go to the “/exercises/6_Putting </a:t>
+            </a:r>
+            <a:r>
+              <a:rPr lang="en-US"/>
+              <a:t>It Together” </a:t>
+            </a:r>
+            <a:r>
+              <a:rPr lang="en-US" dirty="0"/>
+              <a:t>folder and open the README.md.</a:t>
+            </a:r>
+          </a:p>
+          <a:p>
+            <a:endParaRPr lang="en-US" dirty="0"/>
+          </a:p>
+          <a:p>
+            <a:pPr marL="0" indent="0">
+              <a:buNone/>
+            </a:pPr>
+            <a:endParaRPr lang="en-US" dirty="0"/>
+          </a:p>
+          <a:p>
+            <a:pPr marL="0" indent="0">
+              <a:buNone/>
+            </a:pPr>
+            <a:endParaRPr lang="en-US" dirty="0"/>
+          </a:p>
+          <a:p>
+            <a:pPr marL="0" indent="0">
+              <a:buNone/>
+            </a:pPr>
+            <a:endParaRPr lang="en-US" dirty="0"/>
+          </a:p>
+          <a:p>
+            <a:pPr marL="0" indent="0">
+              <a:buNone/>
+            </a:pPr>
+            <a:r>
+              <a:rPr lang="en-US" dirty="0"/>
+              <a:t>Length: 20 minutes</a:t>
+            </a:r>
+          </a:p>
+        </p:txBody>
+      </p:sp>
+    </p:spTree>
+    <p:extLst>
+      <p:ext uri="{BB962C8B-B14F-4D97-AF65-F5344CB8AC3E}">
+        <p14:creationId xmlns:p14="http://schemas.microsoft.com/office/powerpoint/2010/main" val="3380115907"/>
       </p:ext>
     </p:extLst>
   </p:cSld>
@@ -7552,10 +7779,10 @@
       </p:grpSpPr>
       <p:sp>
         <p:nvSpPr>
-          <p:cNvPr id="2" name="Title 1">
-            <a:extLst>
-              <a:ext uri="{FF2B5EF4-FFF2-40B4-BE49-F238E27FC236}">
-                <a16:creationId xmlns:a16="http://schemas.microsoft.com/office/drawing/2014/main" id="{396E8D6E-C0AB-44A7-A98D-844F72EBFD2A}"/>
+          <p:cNvPr id="4" name="Title 3">
+            <a:extLst>
+              <a:ext uri="{FF2B5EF4-FFF2-40B4-BE49-F238E27FC236}">
+                <a16:creationId xmlns:a16="http://schemas.microsoft.com/office/drawing/2014/main" id="{E4E2384C-014A-44E1-892C-69BA21120E1B}"/>
               </a:ext>
             </a:extLst>
           </p:cNvPr>
@@ -7572,59 +7799,68 @@
           <a:lstStyle/>
           <a:p>
             <a:r>
+              <a:rPr lang="en-US" dirty="0" err="1"/>
+              <a:t>Axios</a:t>
+            </a:r>
+            <a:endParaRPr lang="en-US" dirty="0"/>
+          </a:p>
+        </p:txBody>
+      </p:sp>
+      <p:sp>
+        <p:nvSpPr>
+          <p:cNvPr id="5" name="Content Placeholder 4">
+            <a:extLst>
+              <a:ext uri="{FF2B5EF4-FFF2-40B4-BE49-F238E27FC236}">
+                <a16:creationId xmlns:a16="http://schemas.microsoft.com/office/drawing/2014/main" id="{77FB3787-FE18-4277-B300-418B0C3E2D6A}"/>
+              </a:ext>
+            </a:extLst>
+          </p:cNvPr>
+          <p:cNvSpPr>
+            <a:spLocks noGrp="1"/>
+          </p:cNvSpPr>
+          <p:nvPr>
+            <p:ph sz="half" idx="1"/>
+          </p:nvPr>
+        </p:nvSpPr>
+        <p:spPr/>
+        <p:txBody>
+          <a:bodyPr/>
+          <a:lstStyle/>
+          <a:p>
+            <a:r>
               <a:rPr lang="en-US" dirty="0"/>
-              <a:t>Hands On Lab: Putting it Together</a:t>
-            </a:r>
-          </a:p>
-        </p:txBody>
-      </p:sp>
-      <p:sp>
-        <p:nvSpPr>
-          <p:cNvPr id="4" name="Content Placeholder 3">
-            <a:extLst>
-              <a:ext uri="{FF2B5EF4-FFF2-40B4-BE49-F238E27FC236}">
-                <a16:creationId xmlns:a16="http://schemas.microsoft.com/office/drawing/2014/main" id="{B2627E44-DADC-41F8-84F2-546245FDFA27}"/>
-              </a:ext>
-            </a:extLst>
-          </p:cNvPr>
-          <p:cNvSpPr>
-            <a:spLocks noGrp="1"/>
-          </p:cNvSpPr>
-          <p:nvPr>
-            <p:ph idx="1"/>
-          </p:nvPr>
-        </p:nvSpPr>
-        <p:spPr/>
-        <p:txBody>
-          <a:bodyPr>
-            <a:normAutofit lnSpcReduction="10000"/>
-          </a:bodyPr>
-          <a:lstStyle/>
+              <a:t>A fantastic little library for making HTTP requests to APIs or other services.</a:t>
+            </a:r>
+          </a:p>
           <a:p>
             <a:r>
               <a:rPr lang="en-US" dirty="0"/>
-              <a:t>If you haven’t already, pull the latest GitHub repo for this workshop</a:t>
+              <a:t>Cross-browser support</a:t>
+            </a:r>
+          </a:p>
+          <a:p>
+            <a:r>
+              <a:rPr lang="en-US" dirty="0"/>
+              <a:t>Easy to use API</a:t>
+            </a:r>
+          </a:p>
+          <a:p>
+            <a:r>
+              <a:rPr lang="en-US" dirty="0"/>
+              <a:t>Async/Await Support</a:t>
             </a:r>
           </a:p>
           <a:p>
             <a:endParaRPr lang="en-US" dirty="0"/>
           </a:p>
           <a:p>
+            <a:endParaRPr lang="en-US" dirty="0"/>
+          </a:p>
+          <a:p>
             <a:r>
               <a:rPr lang="en-US" dirty="0"/>
-              <a:t>Go to the “/exercises/6_Putting </a:t>
-            </a:r>
-            <a:r>
-              <a:rPr lang="en-US"/>
-              <a:t>It Together” </a:t>
-            </a:r>
-            <a:r>
-              <a:rPr lang="en-US" dirty="0"/>
-              <a:t>folder and open the README.md.</a:t>
-            </a:r>
-          </a:p>
-          <a:p>
-            <a:endParaRPr lang="en-US" dirty="0"/>
+              <a:t>https://axios-http.com</a:t>
+            </a:r>
           </a:p>
           <a:p>
             <a:pPr marL="0" indent="0">
@@ -7632,33 +7868,71 @@
             </a:pPr>
             <a:endParaRPr lang="en-US" dirty="0"/>
           </a:p>
-          <a:p>
-            <a:pPr marL="0" indent="0">
-              <a:buNone/>
-            </a:pPr>
-            <a:endParaRPr lang="en-US" dirty="0"/>
-          </a:p>
-          <a:p>
-            <a:pPr marL="0" indent="0">
-              <a:buNone/>
-            </a:pPr>
-            <a:endParaRPr lang="en-US" dirty="0"/>
-          </a:p>
-          <a:p>
-            <a:pPr marL="0" indent="0">
-              <a:buNone/>
-            </a:pPr>
-            <a:r>
-              <a:rPr lang="en-US" dirty="0"/>
-              <a:t>Length: 20 minutes</a:t>
-            </a:r>
-          </a:p>
-        </p:txBody>
-      </p:sp>
+        </p:txBody>
+      </p:sp>
+      <p:pic>
+        <p:nvPicPr>
+          <p:cNvPr id="8" name="Content Placeholder 7">
+            <a:extLst>
+              <a:ext uri="{FF2B5EF4-FFF2-40B4-BE49-F238E27FC236}">
+                <a16:creationId xmlns:a16="http://schemas.microsoft.com/office/drawing/2014/main" id="{A521B19F-55B1-4B9D-A872-9E28FFC5D590}"/>
+              </a:ext>
+            </a:extLst>
+          </p:cNvPr>
+          <p:cNvPicPr>
+            <a:picLocks noGrp="1" noChangeAspect="1"/>
+          </p:cNvPicPr>
+          <p:nvPr>
+            <p:ph sz="half" idx="2"/>
+          </p:nvPr>
+        </p:nvPicPr>
+        <p:blipFill>
+          <a:blip r:embed="rId2"/>
+          <a:stretch>
+            <a:fillRect/>
+          </a:stretch>
+        </p:blipFill>
+        <p:spPr>
+          <a:xfrm>
+            <a:off x="6172200" y="1825625"/>
+            <a:ext cx="5181600" cy="1972863"/>
+          </a:xfrm>
+        </p:spPr>
+      </p:pic>
+      <p:pic>
+        <p:nvPicPr>
+          <p:cNvPr id="10" name="Picture 9">
+            <a:extLst>
+              <a:ext uri="{FF2B5EF4-FFF2-40B4-BE49-F238E27FC236}">
+                <a16:creationId xmlns:a16="http://schemas.microsoft.com/office/drawing/2014/main" id="{E42CB9F6-95E0-46DD-BC28-148E20D3594C}"/>
+              </a:ext>
+            </a:extLst>
+          </p:cNvPr>
+          <p:cNvPicPr>
+            <a:picLocks noChangeAspect="1"/>
+          </p:cNvPicPr>
+          <p:nvPr/>
+        </p:nvPicPr>
+        <p:blipFill>
+          <a:blip r:embed="rId3"/>
+          <a:stretch>
+            <a:fillRect/>
+          </a:stretch>
+        </p:blipFill>
+        <p:spPr>
+          <a:xfrm>
+            <a:off x="4909303" y="4113602"/>
+            <a:ext cx="6444497" cy="1325564"/>
+          </a:xfrm>
+          <a:prstGeom prst="rect">
+            <a:avLst/>
+          </a:prstGeom>
+        </p:spPr>
+      </p:pic>
     </p:spTree>
     <p:extLst>
       <p:ext uri="{BB962C8B-B14F-4D97-AF65-F5344CB8AC3E}">
-        <p14:creationId xmlns:p14="http://schemas.microsoft.com/office/powerpoint/2010/main" val="3380115907"/>
+        <p14:creationId xmlns:p14="http://schemas.microsoft.com/office/powerpoint/2010/main" val="3234206238"/>
       </p:ext>
     </p:extLst>
   </p:cSld>

--- a/Slides/7_Putting it Together.pptx
+++ b/Slides/7_Putting it Together.pptx
@@ -881,6 +881,90 @@
     <p:extLst>
       <p:ext uri="{BB962C8B-B14F-4D97-AF65-F5344CB8AC3E}">
         <p14:creationId xmlns:p14="http://schemas.microsoft.com/office/powerpoint/2010/main" val="3787439359"/>
+      </p:ext>
+    </p:extLst>
+  </p:cSld>
+  <p:clrMapOvr>
+    <a:masterClrMapping/>
+  </p:clrMapOvr>
+</p:notes>
+</file>
+
+<file path=ppt/notesSlides/notesSlide5.xml><?xml version="1.0" encoding="utf-8"?>
+<p:notes xmlns:a="http://schemas.openxmlformats.org/drawingml/2006/main" xmlns:r="http://schemas.openxmlformats.org/officeDocument/2006/relationships" xmlns:p="http://schemas.openxmlformats.org/presentationml/2006/main">
+  <p:cSld>
+    <p:spTree>
+      <p:nvGrpSpPr>
+        <p:cNvPr id="1" name=""/>
+        <p:cNvGrpSpPr/>
+        <p:nvPr/>
+      </p:nvGrpSpPr>
+      <p:grpSpPr>
+        <a:xfrm>
+          <a:off x="0" y="0"/>
+          <a:ext cx="0" cy="0"/>
+          <a:chOff x="0" y="0"/>
+          <a:chExt cx="0" cy="0"/>
+        </a:xfrm>
+      </p:grpSpPr>
+      <p:sp>
+        <p:nvSpPr>
+          <p:cNvPr id="2" name="Slide Image Placeholder 1"/>
+          <p:cNvSpPr>
+            <a:spLocks noGrp="1" noRot="1" noChangeAspect="1"/>
+          </p:cNvSpPr>
+          <p:nvPr>
+            <p:ph type="sldImg"/>
+          </p:nvPr>
+        </p:nvSpPr>
+        <p:spPr/>
+      </p:sp>
+      <p:sp>
+        <p:nvSpPr>
+          <p:cNvPr id="3" name="Notes Placeholder 2"/>
+          <p:cNvSpPr>
+            <a:spLocks noGrp="1"/>
+          </p:cNvSpPr>
+          <p:nvPr>
+            <p:ph type="body" idx="1"/>
+          </p:nvPr>
+        </p:nvSpPr>
+        <p:spPr/>
+        <p:txBody>
+          <a:bodyPr/>
+          <a:lstStyle/>
+          <a:p>
+            <a:endParaRPr lang="en-US" dirty="0"/>
+          </a:p>
+        </p:txBody>
+      </p:sp>
+      <p:sp>
+        <p:nvSpPr>
+          <p:cNvPr id="4" name="Slide Number Placeholder 3"/>
+          <p:cNvSpPr>
+            <a:spLocks noGrp="1"/>
+          </p:cNvSpPr>
+          <p:nvPr>
+            <p:ph type="sldNum" sz="quarter" idx="5"/>
+          </p:nvPr>
+        </p:nvSpPr>
+        <p:spPr/>
+        <p:txBody>
+          <a:bodyPr/>
+          <a:lstStyle/>
+          <a:p>
+            <a:fld id="{0C7D6E66-10FD-47A2-AEEA-EC66FB893916}" type="slidenum">
+              <a:rPr lang="en-US" smtClean="0"/>
+              <a:t>10</a:t>
+            </a:fld>
+            <a:endParaRPr lang="en-US"/>
+          </a:p>
+        </p:txBody>
+      </p:sp>
+    </p:spTree>
+    <p:extLst>
+      <p:ext uri="{BB962C8B-B14F-4D97-AF65-F5344CB8AC3E}">
+        <p14:creationId xmlns:p14="http://schemas.microsoft.com/office/powerpoint/2010/main" val="4164194483"/>
       </p:ext>
     </p:extLst>
   </p:cSld>
@@ -4347,15 +4431,7 @@
           <a:p>
             <a:r>
               <a:rPr lang="en-US" dirty="0"/>
-              <a:t>Go to the “/exercises/6_Putting </a:t>
-            </a:r>
-            <a:r>
-              <a:rPr lang="en-US"/>
-              <a:t>It Together” </a:t>
-            </a:r>
-            <a:r>
-              <a:rPr lang="en-US" dirty="0"/>
-              <a:t>folder and open the README.md.</a:t>
+              <a:t>Go to the “/exercises/6_Putting It Together” folder and open the README.md.</a:t>
             </a:r>
           </a:p>
           <a:p>
